--- a/figures/Nephromaths figures.pptx
+++ b/figures/Nephromaths figures.pptx
@@ -5,7 +5,7 @@
     <p:sldMasterId id="2147483684" r:id="rId1"/>
   </p:sldMasterIdLst>
   <p:notesMasterIdLst>
-    <p:notesMasterId r:id="rId17"/>
+    <p:notesMasterId r:id="rId19"/>
   </p:notesMasterIdLst>
   <p:sldIdLst>
     <p:sldId id="314" r:id="rId2"/>
@@ -23,6 +23,8 @@
     <p:sldId id="329" r:id="rId14"/>
     <p:sldId id="330" r:id="rId15"/>
     <p:sldId id="331" r:id="rId16"/>
+    <p:sldId id="278" r:id="rId17"/>
+    <p:sldId id="333" r:id="rId18"/>
   </p:sldIdLst>
   <p:sldSz cx="9144000" cy="6858000" type="screen4x3"/>
   <p:notesSz cx="6858000" cy="9144000"/>
@@ -123,10 +125,640 @@
   </p:defaultTextStyle>
   <p:extLst>
     <p:ext uri="{EFAFB233-063F-42B5-8137-9DF3F51BA10A}">
-      <p15:sldGuideLst xmlns:p15="http://schemas.microsoft.com/office/powerpoint/2012/main" xmlns=""/>
+      <p15:sldGuideLst xmlns:p15="http://schemas.microsoft.com/office/powerpoint/2012/main">
+        <p15:guide id="1" orient="horz" pos="2160">
+          <p15:clr>
+            <a:srgbClr val="A4A3A4"/>
+          </p15:clr>
+        </p15:guide>
+        <p15:guide id="2" pos="2880">
+          <p15:clr>
+            <a:srgbClr val="A4A3A4"/>
+          </p15:clr>
+        </p15:guide>
+      </p15:sldGuideLst>
     </p:ext>
   </p:extLst>
 </p:presentation>
+</file>
+
+<file path=ppt/revisionInfo.xml><?xml version="1.0" encoding="utf-8"?>
+<p1510:revInfo xmlns:a="http://schemas.openxmlformats.org/drawingml/2006/main" xmlns:r="http://schemas.openxmlformats.org/officeDocument/2006/relationships" xmlns:p1510="http://schemas.microsoft.com/office/powerpoint/2015/10/main">
+  <p1510:revLst>
+    <p1510:client id="{D1EBBEB6-E0C3-2E4C-A3ED-9ABFED806046}" v="43" dt="2024-12-18T12:11:50.637"/>
+  </p1510:revLst>
+</p1510:revInfo>
+</file>
+
+<file path=ppt/changesInfos/changesInfo1.xml><?xml version="1.0" encoding="utf-8"?>
+<pc:chgInfo xmlns:a="http://schemas.openxmlformats.org/drawingml/2006/main" xmlns:r="http://schemas.openxmlformats.org/officeDocument/2006/relationships" xmlns:ac="http://schemas.microsoft.com/office/drawing/2013/main/command" xmlns:pc="http://schemas.microsoft.com/office/powerpoint/2013/main/command">
+  <pc:docChgLst>
+    <pc:chgData name="Robert Hunter" userId="0c412f1c-a1dd-4c74-a882-7f803c38f654" providerId="ADAL" clId="{D1EBBEB6-E0C3-2E4C-A3ED-9ABFED806046}"/>
+    <pc:docChg chg="undo custSel addSld delSld modSld">
+      <pc:chgData name="Robert Hunter" userId="0c412f1c-a1dd-4c74-a882-7f803c38f654" providerId="ADAL" clId="{D1EBBEB6-E0C3-2E4C-A3ED-9ABFED806046}" dt="2024-12-18T12:13:59.975" v="707" actId="208"/>
+      <pc:docMkLst>
+        <pc:docMk/>
+      </pc:docMkLst>
+      <pc:sldChg chg="addSp modSp add mod">
+        <pc:chgData name="Robert Hunter" userId="0c412f1c-a1dd-4c74-a882-7f803c38f654" providerId="ADAL" clId="{D1EBBEB6-E0C3-2E4C-A3ED-9ABFED806046}" dt="2024-12-18T09:21:42.473" v="39" actId="1076"/>
+        <pc:sldMkLst>
+          <pc:docMk/>
+          <pc:sldMk cId="4194734517" sldId="278"/>
+        </pc:sldMkLst>
+        <pc:spChg chg="add mod">
+          <ac:chgData name="Robert Hunter" userId="0c412f1c-a1dd-4c74-a882-7f803c38f654" providerId="ADAL" clId="{D1EBBEB6-E0C3-2E4C-A3ED-9ABFED806046}" dt="2024-12-18T09:21:22.577" v="26"/>
+          <ac:spMkLst>
+            <pc:docMk/>
+            <pc:sldMk cId="4194734517" sldId="278"/>
+            <ac:spMk id="11" creationId="{01524FFA-13D9-D96A-CE7A-BBBE41EB56B3}"/>
+          </ac:spMkLst>
+        </pc:spChg>
+        <pc:spChg chg="add mod">
+          <ac:chgData name="Robert Hunter" userId="0c412f1c-a1dd-4c74-a882-7f803c38f654" providerId="ADAL" clId="{D1EBBEB6-E0C3-2E4C-A3ED-9ABFED806046}" dt="2024-12-18T09:21:42.473" v="39" actId="1076"/>
+          <ac:spMkLst>
+            <pc:docMk/>
+            <pc:sldMk cId="4194734517" sldId="278"/>
+            <ac:spMk id="12" creationId="{DE6437E1-2062-48EA-4A7E-D14A6A7F2BEF}"/>
+          </ac:spMkLst>
+        </pc:spChg>
+        <pc:grpChg chg="mod">
+          <ac:chgData name="Robert Hunter" userId="0c412f1c-a1dd-4c74-a882-7f803c38f654" providerId="ADAL" clId="{D1EBBEB6-E0C3-2E4C-A3ED-9ABFED806046}" dt="2024-12-18T09:20:53.571" v="21" actId="1076"/>
+          <ac:grpSpMkLst>
+            <pc:docMk/>
+            <pc:sldMk cId="4194734517" sldId="278"/>
+            <ac:grpSpMk id="35" creationId="{1D1A118A-CF87-384E-999E-9E2FF0F80A63}"/>
+          </ac:grpSpMkLst>
+        </pc:grpChg>
+        <pc:cxnChg chg="add mod">
+          <ac:chgData name="Robert Hunter" userId="0c412f1c-a1dd-4c74-a882-7f803c38f654" providerId="ADAL" clId="{D1EBBEB6-E0C3-2E4C-A3ED-9ABFED806046}" dt="2024-12-18T09:21:17.422" v="25" actId="14100"/>
+          <ac:cxnSpMkLst>
+            <pc:docMk/>
+            <pc:sldMk cId="4194734517" sldId="278"/>
+            <ac:cxnSpMk id="2" creationId="{55518CEB-4CEE-14BB-27D7-30190E4C62E1}"/>
+          </ac:cxnSpMkLst>
+        </pc:cxnChg>
+      </pc:sldChg>
+      <pc:sldChg chg="new del">
+        <pc:chgData name="Robert Hunter" userId="0c412f1c-a1dd-4c74-a882-7f803c38f654" providerId="ADAL" clId="{D1EBBEB6-E0C3-2E4C-A3ED-9ABFED806046}" dt="2024-12-18T09:51:20.494" v="590" actId="2696"/>
+        <pc:sldMkLst>
+          <pc:docMk/>
+          <pc:sldMk cId="781460610" sldId="332"/>
+        </pc:sldMkLst>
+      </pc:sldChg>
+      <pc:sldChg chg="addSp delSp modSp add mod">
+        <pc:chgData name="Robert Hunter" userId="0c412f1c-a1dd-4c74-a882-7f803c38f654" providerId="ADAL" clId="{D1EBBEB6-E0C3-2E4C-A3ED-9ABFED806046}" dt="2024-12-18T12:13:59.975" v="707" actId="208"/>
+        <pc:sldMkLst>
+          <pc:docMk/>
+          <pc:sldMk cId="1412051409" sldId="333"/>
+        </pc:sldMkLst>
+        <pc:spChg chg="add del mod topLvl">
+          <ac:chgData name="Robert Hunter" userId="0c412f1c-a1dd-4c74-a882-7f803c38f654" providerId="ADAL" clId="{D1EBBEB6-E0C3-2E4C-A3ED-9ABFED806046}" dt="2024-12-18T09:41:16.876" v="330" actId="478"/>
+          <ac:spMkLst>
+            <pc:docMk/>
+            <pc:sldMk cId="1412051409" sldId="333"/>
+            <ac:spMk id="2" creationId="{EFF3492C-263B-847C-C6CA-ED9E3DB3424E}"/>
+          </ac:spMkLst>
+        </pc:spChg>
+        <pc:spChg chg="add del mod">
+          <ac:chgData name="Robert Hunter" userId="0c412f1c-a1dd-4c74-a882-7f803c38f654" providerId="ADAL" clId="{D1EBBEB6-E0C3-2E4C-A3ED-9ABFED806046}" dt="2024-12-18T09:24:33.558" v="55" actId="478"/>
+          <ac:spMkLst>
+            <pc:docMk/>
+            <pc:sldMk cId="1412051409" sldId="333"/>
+            <ac:spMk id="3" creationId="{CCB90B48-2784-5A17-54A0-C7D5A88EEA39}"/>
+          </ac:spMkLst>
+        </pc:spChg>
+        <pc:spChg chg="mod topLvl">
+          <ac:chgData name="Robert Hunter" userId="0c412f1c-a1dd-4c74-a882-7f803c38f654" providerId="ADAL" clId="{D1EBBEB6-E0C3-2E4C-A3ED-9ABFED806046}" dt="2024-12-18T09:35:20.159" v="187" actId="20577"/>
+          <ac:spMkLst>
+            <pc:docMk/>
+            <pc:sldMk cId="1412051409" sldId="333"/>
+            <ac:spMk id="6" creationId="{9C2EAC0A-A7A8-9341-8C33-002078C9E95D}"/>
+          </ac:spMkLst>
+        </pc:spChg>
+        <pc:spChg chg="mod topLvl">
+          <ac:chgData name="Robert Hunter" userId="0c412f1c-a1dd-4c74-a882-7f803c38f654" providerId="ADAL" clId="{D1EBBEB6-E0C3-2E4C-A3ED-9ABFED806046}" dt="2024-12-18T09:48:06.821" v="469" actId="1076"/>
+          <ac:spMkLst>
+            <pc:docMk/>
+            <pc:sldMk cId="1412051409" sldId="333"/>
+            <ac:spMk id="7" creationId="{DCED646A-69AB-FF43-9757-284E305C01AC}"/>
+          </ac:spMkLst>
+        </pc:spChg>
+        <pc:spChg chg="del mod topLvl">
+          <ac:chgData name="Robert Hunter" userId="0c412f1c-a1dd-4c74-a882-7f803c38f654" providerId="ADAL" clId="{D1EBBEB6-E0C3-2E4C-A3ED-9ABFED806046}" dt="2024-12-18T09:26:55.746" v="130" actId="478"/>
+          <ac:spMkLst>
+            <pc:docMk/>
+            <pc:sldMk cId="1412051409" sldId="333"/>
+            <ac:spMk id="8" creationId="{8E8DE660-A880-8242-BC36-1B7D2E08AA14}"/>
+          </ac:spMkLst>
+        </pc:spChg>
+        <pc:spChg chg="mod topLvl">
+          <ac:chgData name="Robert Hunter" userId="0c412f1c-a1dd-4c74-a882-7f803c38f654" providerId="ADAL" clId="{D1EBBEB6-E0C3-2E4C-A3ED-9ABFED806046}" dt="2024-12-18T09:55:54.591" v="603" actId="1076"/>
+          <ac:spMkLst>
+            <pc:docMk/>
+            <pc:sldMk cId="1412051409" sldId="333"/>
+            <ac:spMk id="9" creationId="{B384938B-A43B-694D-A140-D185485DCF69}"/>
+          </ac:spMkLst>
+        </pc:spChg>
+        <pc:spChg chg="add mod topLvl">
+          <ac:chgData name="Robert Hunter" userId="0c412f1c-a1dd-4c74-a882-7f803c38f654" providerId="ADAL" clId="{D1EBBEB6-E0C3-2E4C-A3ED-9ABFED806046}" dt="2024-12-18T09:46:57.822" v="463" actId="1076"/>
+          <ac:spMkLst>
+            <pc:docMk/>
+            <pc:sldMk cId="1412051409" sldId="333"/>
+            <ac:spMk id="10" creationId="{CCD8AD02-8F3B-9F3D-4398-4E6ECC09A8A5}"/>
+          </ac:spMkLst>
+        </pc:spChg>
+        <pc:spChg chg="add del mod">
+          <ac:chgData name="Robert Hunter" userId="0c412f1c-a1dd-4c74-a882-7f803c38f654" providerId="ADAL" clId="{D1EBBEB6-E0C3-2E4C-A3ED-9ABFED806046}" dt="2024-12-18T09:24:38.115" v="57" actId="478"/>
+          <ac:spMkLst>
+            <pc:docMk/>
+            <pc:sldMk cId="1412051409" sldId="333"/>
+            <ac:spMk id="11" creationId="{65ADFD9D-8E71-CD6D-CE38-7452B0E73267}"/>
+          </ac:spMkLst>
+        </pc:spChg>
+        <pc:spChg chg="add mod">
+          <ac:chgData name="Robert Hunter" userId="0c412f1c-a1dd-4c74-a882-7f803c38f654" providerId="ADAL" clId="{D1EBBEB6-E0C3-2E4C-A3ED-9ABFED806046}" dt="2024-12-18T09:48:10.907" v="470" actId="1076"/>
+          <ac:spMkLst>
+            <pc:docMk/>
+            <pc:sldMk cId="1412051409" sldId="333"/>
+            <ac:spMk id="18" creationId="{BA728E2A-52BC-12FC-D0AA-B5B00CBD10CA}"/>
+          </ac:spMkLst>
+        </pc:spChg>
+        <pc:spChg chg="del mod topLvl">
+          <ac:chgData name="Robert Hunter" userId="0c412f1c-a1dd-4c74-a882-7f803c38f654" providerId="ADAL" clId="{D1EBBEB6-E0C3-2E4C-A3ED-9ABFED806046}" dt="2024-12-18T09:24:36.180" v="56" actId="478"/>
+          <ac:spMkLst>
+            <pc:docMk/>
+            <pc:sldMk cId="1412051409" sldId="333"/>
+            <ac:spMk id="19" creationId="{A4F6A482-8533-4F40-B81C-8B43DCA2763C}"/>
+          </ac:spMkLst>
+        </pc:spChg>
+        <pc:spChg chg="del mod">
+          <ac:chgData name="Robert Hunter" userId="0c412f1c-a1dd-4c74-a882-7f803c38f654" providerId="ADAL" clId="{D1EBBEB6-E0C3-2E4C-A3ED-9ABFED806046}" dt="2024-12-18T09:24:40.376" v="58" actId="478"/>
+          <ac:spMkLst>
+            <pc:docMk/>
+            <pc:sldMk cId="1412051409" sldId="333"/>
+            <ac:spMk id="20" creationId="{197902AA-47D2-514A-BB1F-DF2890973866}"/>
+          </ac:spMkLst>
+        </pc:spChg>
+        <pc:spChg chg="add mod">
+          <ac:chgData name="Robert Hunter" userId="0c412f1c-a1dd-4c74-a882-7f803c38f654" providerId="ADAL" clId="{D1EBBEB6-E0C3-2E4C-A3ED-9ABFED806046}" dt="2024-12-18T09:46:57.822" v="463" actId="1076"/>
+          <ac:spMkLst>
+            <pc:docMk/>
+            <pc:sldMk cId="1412051409" sldId="333"/>
+            <ac:spMk id="21" creationId="{788F3E30-BACB-9EE3-6165-61AAC0C439EE}"/>
+          </ac:spMkLst>
+        </pc:spChg>
+        <pc:spChg chg="del mod topLvl">
+          <ac:chgData name="Robert Hunter" userId="0c412f1c-a1dd-4c74-a882-7f803c38f654" providerId="ADAL" clId="{D1EBBEB6-E0C3-2E4C-A3ED-9ABFED806046}" dt="2024-12-18T09:24:45.844" v="59" actId="478"/>
+          <ac:spMkLst>
+            <pc:docMk/>
+            <pc:sldMk cId="1412051409" sldId="333"/>
+            <ac:spMk id="23" creationId="{001ACC23-C143-0948-A2DA-EA0493FF3E87}"/>
+          </ac:spMkLst>
+        </pc:spChg>
+        <pc:spChg chg="del mod topLvl">
+          <ac:chgData name="Robert Hunter" userId="0c412f1c-a1dd-4c74-a882-7f803c38f654" providerId="ADAL" clId="{D1EBBEB6-E0C3-2E4C-A3ED-9ABFED806046}" dt="2024-12-18T09:34:34.465" v="177" actId="478"/>
+          <ac:spMkLst>
+            <pc:docMk/>
+            <pc:sldMk cId="1412051409" sldId="333"/>
+            <ac:spMk id="24" creationId="{5FF3D410-9B45-7D48-807F-ABCC7B8BF2C1}"/>
+          </ac:spMkLst>
+        </pc:spChg>
+        <pc:spChg chg="del mod topLvl">
+          <ac:chgData name="Robert Hunter" userId="0c412f1c-a1dd-4c74-a882-7f803c38f654" providerId="ADAL" clId="{D1EBBEB6-E0C3-2E4C-A3ED-9ABFED806046}" dt="2024-12-18T09:34:33.138" v="176" actId="478"/>
+          <ac:spMkLst>
+            <pc:docMk/>
+            <pc:sldMk cId="1412051409" sldId="333"/>
+            <ac:spMk id="25" creationId="{FCF5F39F-2856-EA46-BA58-637B53685D49}"/>
+          </ac:spMkLst>
+        </pc:spChg>
+        <pc:spChg chg="del mod topLvl">
+          <ac:chgData name="Robert Hunter" userId="0c412f1c-a1dd-4c74-a882-7f803c38f654" providerId="ADAL" clId="{D1EBBEB6-E0C3-2E4C-A3ED-9ABFED806046}" dt="2024-12-18T09:34:31.439" v="175" actId="478"/>
+          <ac:spMkLst>
+            <pc:docMk/>
+            <pc:sldMk cId="1412051409" sldId="333"/>
+            <ac:spMk id="26" creationId="{2E15A9EC-25FB-AF4E-83E2-8FDA6C3DA208}"/>
+          </ac:spMkLst>
+        </pc:spChg>
+        <pc:spChg chg="del mod topLvl">
+          <ac:chgData name="Robert Hunter" userId="0c412f1c-a1dd-4c74-a882-7f803c38f654" providerId="ADAL" clId="{D1EBBEB6-E0C3-2E4C-A3ED-9ABFED806046}" dt="2024-12-18T09:22:43.291" v="41" actId="478"/>
+          <ac:spMkLst>
+            <pc:docMk/>
+            <pc:sldMk cId="1412051409" sldId="333"/>
+            <ac:spMk id="27" creationId="{9BCB30BD-7C1F-1D45-89A5-B32F962DB62B}"/>
+          </ac:spMkLst>
+        </pc:spChg>
+        <pc:spChg chg="add del">
+          <ac:chgData name="Robert Hunter" userId="0c412f1c-a1dd-4c74-a882-7f803c38f654" providerId="ADAL" clId="{D1EBBEB6-E0C3-2E4C-A3ED-9ABFED806046}" dt="2024-12-18T09:33:21.091" v="165" actId="478"/>
+          <ac:spMkLst>
+            <pc:docMk/>
+            <pc:sldMk cId="1412051409" sldId="333"/>
+            <ac:spMk id="30" creationId="{11705DC0-5259-50F9-07DA-5F7A36583555}"/>
+          </ac:spMkLst>
+        </pc:spChg>
+        <pc:spChg chg="add del">
+          <ac:chgData name="Robert Hunter" userId="0c412f1c-a1dd-4c74-a882-7f803c38f654" providerId="ADAL" clId="{D1EBBEB6-E0C3-2E4C-A3ED-9ABFED806046}" dt="2024-12-18T09:28:26.004" v="138" actId="11529"/>
+          <ac:spMkLst>
+            <pc:docMk/>
+            <pc:sldMk cId="1412051409" sldId="333"/>
+            <ac:spMk id="31" creationId="{F41C9228-E4EB-3CFF-61C3-8963AD997506}"/>
+          </ac:spMkLst>
+        </pc:spChg>
+        <pc:spChg chg="mod topLvl">
+          <ac:chgData name="Robert Hunter" userId="0c412f1c-a1dd-4c74-a882-7f803c38f654" providerId="ADAL" clId="{D1EBBEB6-E0C3-2E4C-A3ED-9ABFED806046}" dt="2024-12-18T09:46:57.822" v="463" actId="1076"/>
+          <ac:spMkLst>
+            <pc:docMk/>
+            <pc:sldMk cId="1412051409" sldId="333"/>
+            <ac:spMk id="32" creationId="{98E07249-CA09-6E44-830F-73562E883885}"/>
+          </ac:spMkLst>
+        </pc:spChg>
+        <pc:spChg chg="mod topLvl">
+          <ac:chgData name="Robert Hunter" userId="0c412f1c-a1dd-4c74-a882-7f803c38f654" providerId="ADAL" clId="{D1EBBEB6-E0C3-2E4C-A3ED-9ABFED806046}" dt="2024-12-18T09:43:42.580" v="423" actId="1076"/>
+          <ac:spMkLst>
+            <pc:docMk/>
+            <pc:sldMk cId="1412051409" sldId="333"/>
+            <ac:spMk id="33" creationId="{83DF7B6A-2824-354B-9B3F-F2254F08663B}"/>
+          </ac:spMkLst>
+        </pc:spChg>
+        <pc:spChg chg="add del mod">
+          <ac:chgData name="Robert Hunter" userId="0c412f1c-a1dd-4c74-a882-7f803c38f654" providerId="ADAL" clId="{D1EBBEB6-E0C3-2E4C-A3ED-9ABFED806046}" dt="2024-12-18T09:33:20.313" v="164" actId="478"/>
+          <ac:spMkLst>
+            <pc:docMk/>
+            <pc:sldMk cId="1412051409" sldId="333"/>
+            <ac:spMk id="34" creationId="{8AC2FE67-08F0-E0ED-ED6C-818B3E1F3CC1}"/>
+          </ac:spMkLst>
+        </pc:spChg>
+        <pc:spChg chg="add del mod">
+          <ac:chgData name="Robert Hunter" userId="0c412f1c-a1dd-4c74-a882-7f803c38f654" providerId="ADAL" clId="{D1EBBEB6-E0C3-2E4C-A3ED-9ABFED806046}" dt="2024-12-18T09:33:19.222" v="163" actId="478"/>
+          <ac:spMkLst>
+            <pc:docMk/>
+            <pc:sldMk cId="1412051409" sldId="333"/>
+            <ac:spMk id="36" creationId="{0C4FD999-8BB4-CC40-A849-587C7C9FF3BB}"/>
+          </ac:spMkLst>
+        </pc:spChg>
+        <pc:spChg chg="add mod">
+          <ac:chgData name="Robert Hunter" userId="0c412f1c-a1dd-4c74-a882-7f803c38f654" providerId="ADAL" clId="{D1EBBEB6-E0C3-2E4C-A3ED-9ABFED806046}" dt="2024-12-18T09:54:57.893" v="597" actId="167"/>
+          <ac:spMkLst>
+            <pc:docMk/>
+            <pc:sldMk cId="1412051409" sldId="333"/>
+            <ac:spMk id="37" creationId="{B49001CD-A1DC-8141-7C50-E87452BE33DB}"/>
+          </ac:spMkLst>
+        </pc:spChg>
+        <pc:spChg chg="add del mod">
+          <ac:chgData name="Robert Hunter" userId="0c412f1c-a1dd-4c74-a882-7f803c38f654" providerId="ADAL" clId="{D1EBBEB6-E0C3-2E4C-A3ED-9ABFED806046}" dt="2024-12-18T09:37:11.726" v="304" actId="478"/>
+          <ac:spMkLst>
+            <pc:docMk/>
+            <pc:sldMk cId="1412051409" sldId="333"/>
+            <ac:spMk id="38" creationId="{AFF7E4DC-452A-CCEE-D6D6-58CCB5AFE198}"/>
+          </ac:spMkLst>
+        </pc:spChg>
+        <pc:spChg chg="add mod">
+          <ac:chgData name="Robert Hunter" userId="0c412f1c-a1dd-4c74-a882-7f803c38f654" providerId="ADAL" clId="{D1EBBEB6-E0C3-2E4C-A3ED-9ABFED806046}" dt="2024-12-18T09:37:58.356" v="312" actId="167"/>
+          <ac:spMkLst>
+            <pc:docMk/>
+            <pc:sldMk cId="1412051409" sldId="333"/>
+            <ac:spMk id="39" creationId="{AB2E6CE0-6060-28D3-1568-F10843F776FC}"/>
+          </ac:spMkLst>
+        </pc:spChg>
+        <pc:spChg chg="add mod">
+          <ac:chgData name="Robert Hunter" userId="0c412f1c-a1dd-4c74-a882-7f803c38f654" providerId="ADAL" clId="{D1EBBEB6-E0C3-2E4C-A3ED-9ABFED806046}" dt="2024-12-18T09:56:33.303" v="607" actId="166"/>
+          <ac:spMkLst>
+            <pc:docMk/>
+            <pc:sldMk cId="1412051409" sldId="333"/>
+            <ac:spMk id="43" creationId="{E1067A28-D536-0773-6D0F-AC5B1A2E9AA0}"/>
+          </ac:spMkLst>
+        </pc:spChg>
+        <pc:spChg chg="add del mod">
+          <ac:chgData name="Robert Hunter" userId="0c412f1c-a1dd-4c74-a882-7f803c38f654" providerId="ADAL" clId="{D1EBBEB6-E0C3-2E4C-A3ED-9ABFED806046}" dt="2024-12-18T09:36:06.285" v="299" actId="478"/>
+          <ac:spMkLst>
+            <pc:docMk/>
+            <pc:sldMk cId="1412051409" sldId="333"/>
+            <ac:spMk id="44" creationId="{9A0B5721-0DF6-6864-A9BB-1B3677DE85E7}"/>
+          </ac:spMkLst>
+        </pc:spChg>
+        <pc:spChg chg="add del mod">
+          <ac:chgData name="Robert Hunter" userId="0c412f1c-a1dd-4c74-a882-7f803c38f654" providerId="ADAL" clId="{D1EBBEB6-E0C3-2E4C-A3ED-9ABFED806046}" dt="2024-12-18T09:54:46.357" v="595" actId="478"/>
+          <ac:spMkLst>
+            <pc:docMk/>
+            <pc:sldMk cId="1412051409" sldId="333"/>
+            <ac:spMk id="46" creationId="{9D38E712-404B-9DAD-5238-ABF69ECB0584}"/>
+          </ac:spMkLst>
+        </pc:spChg>
+        <pc:spChg chg="add mod">
+          <ac:chgData name="Robert Hunter" userId="0c412f1c-a1dd-4c74-a882-7f803c38f654" providerId="ADAL" clId="{D1EBBEB6-E0C3-2E4C-A3ED-9ABFED806046}" dt="2024-12-18T09:37:49.683" v="311" actId="167"/>
+          <ac:spMkLst>
+            <pc:docMk/>
+            <pc:sldMk cId="1412051409" sldId="333"/>
+            <ac:spMk id="47" creationId="{37DC8A0C-1053-5F3A-30FF-306A482FBDAC}"/>
+          </ac:spMkLst>
+        </pc:spChg>
+        <pc:spChg chg="add mod">
+          <ac:chgData name="Robert Hunter" userId="0c412f1c-a1dd-4c74-a882-7f803c38f654" providerId="ADAL" clId="{D1EBBEB6-E0C3-2E4C-A3ED-9ABFED806046}" dt="2024-12-18T12:11:38.970" v="694" actId="108"/>
+          <ac:spMkLst>
+            <pc:docMk/>
+            <pc:sldMk cId="1412051409" sldId="333"/>
+            <ac:spMk id="48" creationId="{50D94841-7B56-2395-A729-024E14058B8D}"/>
+          </ac:spMkLst>
+        </pc:spChg>
+        <pc:spChg chg="add del">
+          <ac:chgData name="Robert Hunter" userId="0c412f1c-a1dd-4c74-a882-7f803c38f654" providerId="ADAL" clId="{D1EBBEB6-E0C3-2E4C-A3ED-9ABFED806046}" dt="2024-12-18T09:39:03.727" v="318" actId="478"/>
+          <ac:spMkLst>
+            <pc:docMk/>
+            <pc:sldMk cId="1412051409" sldId="333"/>
+            <ac:spMk id="49" creationId="{99B31578-D699-0DAB-3528-1066C6D7E364}"/>
+          </ac:spMkLst>
+        </pc:spChg>
+        <pc:spChg chg="add del">
+          <ac:chgData name="Robert Hunter" userId="0c412f1c-a1dd-4c74-a882-7f803c38f654" providerId="ADAL" clId="{D1EBBEB6-E0C3-2E4C-A3ED-9ABFED806046}" dt="2024-12-18T09:39:47.557" v="321" actId="478"/>
+          <ac:spMkLst>
+            <pc:docMk/>
+            <pc:sldMk cId="1412051409" sldId="333"/>
+            <ac:spMk id="50" creationId="{A7463875-67EB-8D9F-028E-7D453E017F0D}"/>
+          </ac:spMkLst>
+        </pc:spChg>
+        <pc:spChg chg="add del mod">
+          <ac:chgData name="Robert Hunter" userId="0c412f1c-a1dd-4c74-a882-7f803c38f654" providerId="ADAL" clId="{D1EBBEB6-E0C3-2E4C-A3ED-9ABFED806046}" dt="2024-12-18T09:40:36.675" v="325" actId="478"/>
+          <ac:spMkLst>
+            <pc:docMk/>
+            <pc:sldMk cId="1412051409" sldId="333"/>
+            <ac:spMk id="51" creationId="{657929C2-9DC6-0772-85F2-98D244EEF45C}"/>
+          </ac:spMkLst>
+        </pc:spChg>
+        <pc:spChg chg="add mod">
+          <ac:chgData name="Robert Hunter" userId="0c412f1c-a1dd-4c74-a882-7f803c38f654" providerId="ADAL" clId="{D1EBBEB6-E0C3-2E4C-A3ED-9ABFED806046}" dt="2024-12-18T12:11:04.903" v="688" actId="108"/>
+          <ac:spMkLst>
+            <pc:docMk/>
+            <pc:sldMk cId="1412051409" sldId="333"/>
+            <ac:spMk id="52" creationId="{D3EBE77E-F3EE-2657-E8F0-0F409C1D85C2}"/>
+          </ac:spMkLst>
+        </pc:spChg>
+        <pc:spChg chg="add mod">
+          <ac:chgData name="Robert Hunter" userId="0c412f1c-a1dd-4c74-a882-7f803c38f654" providerId="ADAL" clId="{D1EBBEB6-E0C3-2E4C-A3ED-9ABFED806046}" dt="2024-12-18T09:57:56.264" v="619" actId="1076"/>
+          <ac:spMkLst>
+            <pc:docMk/>
+            <pc:sldMk cId="1412051409" sldId="333"/>
+            <ac:spMk id="53" creationId="{1A346600-1928-96DD-BB45-74A49EB3456B}"/>
+          </ac:spMkLst>
+        </pc:spChg>
+        <pc:spChg chg="add mod">
+          <ac:chgData name="Robert Hunter" userId="0c412f1c-a1dd-4c74-a882-7f803c38f654" providerId="ADAL" clId="{D1EBBEB6-E0C3-2E4C-A3ED-9ABFED806046}" dt="2024-12-18T09:58:05.152" v="620" actId="1076"/>
+          <ac:spMkLst>
+            <pc:docMk/>
+            <pc:sldMk cId="1412051409" sldId="333"/>
+            <ac:spMk id="54" creationId="{964E6323-1DB4-F967-9DFE-C1630DFF9F5A}"/>
+          </ac:spMkLst>
+        </pc:spChg>
+        <pc:spChg chg="add mod">
+          <ac:chgData name="Robert Hunter" userId="0c412f1c-a1dd-4c74-a882-7f803c38f654" providerId="ADAL" clId="{D1EBBEB6-E0C3-2E4C-A3ED-9ABFED806046}" dt="2024-12-18T09:55:11.567" v="599" actId="404"/>
+          <ac:spMkLst>
+            <pc:docMk/>
+            <pc:sldMk cId="1412051409" sldId="333"/>
+            <ac:spMk id="55" creationId="{89F99431-CC28-B29B-C0E4-B2BB04FB6399}"/>
+          </ac:spMkLst>
+        </pc:spChg>
+        <pc:spChg chg="add mod">
+          <ac:chgData name="Robert Hunter" userId="0c412f1c-a1dd-4c74-a882-7f803c38f654" providerId="ADAL" clId="{D1EBBEB6-E0C3-2E4C-A3ED-9ABFED806046}" dt="2024-12-18T09:55:16.187" v="600" actId="404"/>
+          <ac:spMkLst>
+            <pc:docMk/>
+            <pc:sldMk cId="1412051409" sldId="333"/>
+            <ac:spMk id="56" creationId="{E74A7EE2-C709-AF8E-0397-56C2D6829665}"/>
+          </ac:spMkLst>
+        </pc:spChg>
+        <pc:spChg chg="add mod">
+          <ac:chgData name="Robert Hunter" userId="0c412f1c-a1dd-4c74-a882-7f803c38f654" providerId="ADAL" clId="{D1EBBEB6-E0C3-2E4C-A3ED-9ABFED806046}" dt="2024-12-18T09:55:16.187" v="600" actId="404"/>
+          <ac:spMkLst>
+            <pc:docMk/>
+            <pc:sldMk cId="1412051409" sldId="333"/>
+            <ac:spMk id="57" creationId="{8C917DF9-8BC9-0C33-A67B-4B07C4FEACCF}"/>
+          </ac:spMkLst>
+        </pc:spChg>
+        <pc:spChg chg="add mod">
+          <ac:chgData name="Robert Hunter" userId="0c412f1c-a1dd-4c74-a882-7f803c38f654" providerId="ADAL" clId="{D1EBBEB6-E0C3-2E4C-A3ED-9ABFED806046}" dt="2024-12-18T09:48:51.419" v="491" actId="1076"/>
+          <ac:spMkLst>
+            <pc:docMk/>
+            <pc:sldMk cId="1412051409" sldId="333"/>
+            <ac:spMk id="78" creationId="{ED076559-E107-E04B-C181-63F4D713E3FA}"/>
+          </ac:spMkLst>
+        </pc:spChg>
+        <pc:spChg chg="add mod">
+          <ac:chgData name="Robert Hunter" userId="0c412f1c-a1dd-4c74-a882-7f803c38f654" providerId="ADAL" clId="{D1EBBEB6-E0C3-2E4C-A3ED-9ABFED806046}" dt="2024-12-18T09:49:48.960" v="521" actId="1076"/>
+          <ac:spMkLst>
+            <pc:docMk/>
+            <pc:sldMk cId="1412051409" sldId="333"/>
+            <ac:spMk id="80" creationId="{FE327135-FAF4-98B9-5F6A-FB1207BCA3E4}"/>
+          </ac:spMkLst>
+        </pc:spChg>
+        <pc:spChg chg="add mod">
+          <ac:chgData name="Robert Hunter" userId="0c412f1c-a1dd-4c74-a882-7f803c38f654" providerId="ADAL" clId="{D1EBBEB6-E0C3-2E4C-A3ED-9ABFED806046}" dt="2024-12-18T09:55:41.770" v="602" actId="1076"/>
+          <ac:spMkLst>
+            <pc:docMk/>
+            <pc:sldMk cId="1412051409" sldId="333"/>
+            <ac:spMk id="81" creationId="{2601446B-0BB4-2BD2-434D-79140B4F7137}"/>
+          </ac:spMkLst>
+        </pc:spChg>
+        <pc:spChg chg="add mod">
+          <ac:chgData name="Robert Hunter" userId="0c412f1c-a1dd-4c74-a882-7f803c38f654" providerId="ADAL" clId="{D1EBBEB6-E0C3-2E4C-A3ED-9ABFED806046}" dt="2024-12-18T12:13:35.885" v="704" actId="207"/>
+          <ac:spMkLst>
+            <pc:docMk/>
+            <pc:sldMk cId="1412051409" sldId="333"/>
+            <ac:spMk id="82" creationId="{12658567-DBE8-CD06-59B7-3105FC492A8D}"/>
+          </ac:spMkLst>
+        </pc:spChg>
+        <pc:spChg chg="add mod">
+          <ac:chgData name="Robert Hunter" userId="0c412f1c-a1dd-4c74-a882-7f803c38f654" providerId="ADAL" clId="{D1EBBEB6-E0C3-2E4C-A3ED-9ABFED806046}" dt="2024-12-18T12:13:38.984" v="705" actId="207"/>
+          <ac:spMkLst>
+            <pc:docMk/>
+            <pc:sldMk cId="1412051409" sldId="333"/>
+            <ac:spMk id="83" creationId="{9AF02466-F092-BB5A-FC17-45E360D095AD}"/>
+          </ac:spMkLst>
+        </pc:spChg>
+        <pc:spChg chg="add mod">
+          <ac:chgData name="Robert Hunter" userId="0c412f1c-a1dd-4c74-a882-7f803c38f654" providerId="ADAL" clId="{D1EBBEB6-E0C3-2E4C-A3ED-9ABFED806046}" dt="2024-12-18T09:54:50.728" v="596" actId="167"/>
+          <ac:spMkLst>
+            <pc:docMk/>
+            <pc:sldMk cId="1412051409" sldId="333"/>
+            <ac:spMk id="84" creationId="{BB8DB68C-BA6C-2195-EFDF-F90431038565}"/>
+          </ac:spMkLst>
+        </pc:spChg>
+        <pc:spChg chg="add mod">
+          <ac:chgData name="Robert Hunter" userId="0c412f1c-a1dd-4c74-a882-7f803c38f654" providerId="ADAL" clId="{D1EBBEB6-E0C3-2E4C-A3ED-9ABFED806046}" dt="2024-12-18T09:56:49.981" v="612" actId="14100"/>
+          <ac:spMkLst>
+            <pc:docMk/>
+            <pc:sldMk cId="1412051409" sldId="333"/>
+            <ac:spMk id="85" creationId="{9FEFAED8-1F44-4943-4CB7-AD330F7E2374}"/>
+          </ac:spMkLst>
+        </pc:spChg>
+        <pc:spChg chg="add mod">
+          <ac:chgData name="Robert Hunter" userId="0c412f1c-a1dd-4c74-a882-7f803c38f654" providerId="ADAL" clId="{D1EBBEB6-E0C3-2E4C-A3ED-9ABFED806046}" dt="2024-12-18T12:09:30.349" v="676" actId="122"/>
+          <ac:spMkLst>
+            <pc:docMk/>
+            <pc:sldMk cId="1412051409" sldId="333"/>
+            <ac:spMk id="89" creationId="{AAEA0DBB-CEB2-A097-30BC-77956B63F11F}"/>
+          </ac:spMkLst>
+        </pc:spChg>
+        <pc:spChg chg="add del">
+          <ac:chgData name="Robert Hunter" userId="0c412f1c-a1dd-4c74-a882-7f803c38f654" providerId="ADAL" clId="{D1EBBEB6-E0C3-2E4C-A3ED-9ABFED806046}" dt="2024-12-18T12:09:58.711" v="678" actId="478"/>
+          <ac:spMkLst>
+            <pc:docMk/>
+            <pc:sldMk cId="1412051409" sldId="333"/>
+            <ac:spMk id="90" creationId="{05219033-5D04-9AC4-C535-5F3FB6134CAB}"/>
+          </ac:spMkLst>
+        </pc:spChg>
+        <pc:spChg chg="add mod">
+          <ac:chgData name="Robert Hunter" userId="0c412f1c-a1dd-4c74-a882-7f803c38f654" providerId="ADAL" clId="{D1EBBEB6-E0C3-2E4C-A3ED-9ABFED806046}" dt="2024-12-18T12:11:20.294" v="690"/>
+          <ac:spMkLst>
+            <pc:docMk/>
+            <pc:sldMk cId="1412051409" sldId="333"/>
+            <ac:spMk id="91" creationId="{92E55129-58F0-F08F-3912-4471182DF810}"/>
+          </ac:spMkLst>
+        </pc:spChg>
+        <pc:spChg chg="add del">
+          <ac:chgData name="Robert Hunter" userId="0c412f1c-a1dd-4c74-a882-7f803c38f654" providerId="ADAL" clId="{D1EBBEB6-E0C3-2E4C-A3ED-9ABFED806046}" dt="2024-12-18T12:10:27.820" v="681" actId="478"/>
+          <ac:spMkLst>
+            <pc:docMk/>
+            <pc:sldMk cId="1412051409" sldId="333"/>
+            <ac:spMk id="92" creationId="{AB6BA561-4588-4ABA-62B2-C4224D3F3E6C}"/>
+          </ac:spMkLst>
+        </pc:spChg>
+        <pc:spChg chg="add mod">
+          <ac:chgData name="Robert Hunter" userId="0c412f1c-a1dd-4c74-a882-7f803c38f654" providerId="ADAL" clId="{D1EBBEB6-E0C3-2E4C-A3ED-9ABFED806046}" dt="2024-12-18T12:11:54.903" v="697" actId="1582"/>
+          <ac:spMkLst>
+            <pc:docMk/>
+            <pc:sldMk cId="1412051409" sldId="333"/>
+            <ac:spMk id="93" creationId="{621629FA-45E2-845D-F538-AF02831C1EDE}"/>
+          </ac:spMkLst>
+        </pc:spChg>
+        <pc:grpChg chg="add del mod">
+          <ac:chgData name="Robert Hunter" userId="0c412f1c-a1dd-4c74-a882-7f803c38f654" providerId="ADAL" clId="{D1EBBEB6-E0C3-2E4C-A3ED-9ABFED806046}" dt="2024-12-18T09:35:34.109" v="190" actId="165"/>
+          <ac:grpSpMkLst>
+            <pc:docMk/>
+            <pc:sldMk cId="1412051409" sldId="333"/>
+            <ac:grpSpMk id="41" creationId="{3B683A98-BB3B-5000-8D1A-21E2F8525274}"/>
+          </ac:grpSpMkLst>
+        </pc:grpChg>
+        <pc:cxnChg chg="mod topLvl">
+          <ac:chgData name="Robert Hunter" userId="0c412f1c-a1dd-4c74-a882-7f803c38f654" providerId="ADAL" clId="{D1EBBEB6-E0C3-2E4C-A3ED-9ABFED806046}" dt="2024-12-18T09:35:34.109" v="190" actId="165"/>
+          <ac:cxnSpMkLst>
+            <pc:docMk/>
+            <pc:sldMk cId="1412051409" sldId="333"/>
+            <ac:cxnSpMk id="4" creationId="{CCE5E792-9FD4-8A4C-9768-7BEEC0348EFB}"/>
+          </ac:cxnSpMkLst>
+        </pc:cxnChg>
+        <pc:cxnChg chg="mod topLvl">
+          <ac:chgData name="Robert Hunter" userId="0c412f1c-a1dd-4c74-a882-7f803c38f654" providerId="ADAL" clId="{D1EBBEB6-E0C3-2E4C-A3ED-9ABFED806046}" dt="2024-12-18T09:35:34.109" v="190" actId="165"/>
+          <ac:cxnSpMkLst>
+            <pc:docMk/>
+            <pc:sldMk cId="1412051409" sldId="333"/>
+            <ac:cxnSpMk id="5" creationId="{04D59E32-07D7-A346-B4CF-2B474DFA1C41}"/>
+          </ac:cxnSpMkLst>
+        </pc:cxnChg>
+        <pc:cxnChg chg="add mod">
+          <ac:chgData name="Robert Hunter" userId="0c412f1c-a1dd-4c74-a882-7f803c38f654" providerId="ADAL" clId="{D1EBBEB6-E0C3-2E4C-A3ED-9ABFED806046}" dt="2024-12-18T09:35:06.584" v="180" actId="1076"/>
+          <ac:cxnSpMkLst>
+            <pc:docMk/>
+            <pc:sldMk cId="1412051409" sldId="333"/>
+            <ac:cxnSpMk id="15" creationId="{55FECE09-F555-EEE8-E442-CB5970299793}"/>
+          </ac:cxnSpMkLst>
+        </pc:cxnChg>
+        <pc:cxnChg chg="mod topLvl">
+          <ac:chgData name="Robert Hunter" userId="0c412f1c-a1dd-4c74-a882-7f803c38f654" providerId="ADAL" clId="{D1EBBEB6-E0C3-2E4C-A3ED-9ABFED806046}" dt="2024-12-18T09:47:47.740" v="466" actId="693"/>
+          <ac:cxnSpMkLst>
+            <pc:docMk/>
+            <pc:sldMk cId="1412051409" sldId="333"/>
+            <ac:cxnSpMk id="16" creationId="{9B2859F6-DF1D-8C4F-A08B-0D72BB729250}"/>
+          </ac:cxnSpMkLst>
+        </pc:cxnChg>
+        <pc:cxnChg chg="del">
+          <ac:chgData name="Robert Hunter" userId="0c412f1c-a1dd-4c74-a882-7f803c38f654" providerId="ADAL" clId="{D1EBBEB6-E0C3-2E4C-A3ED-9ABFED806046}" dt="2024-12-18T09:22:41.401" v="40" actId="478"/>
+          <ac:cxnSpMkLst>
+            <pc:docMk/>
+            <pc:sldMk cId="1412051409" sldId="333"/>
+            <ac:cxnSpMk id="29" creationId="{274919B4-1E62-3E43-9AAD-4024094ECBF0}"/>
+          </ac:cxnSpMkLst>
+        </pc:cxnChg>
+        <pc:cxnChg chg="add mod">
+          <ac:chgData name="Robert Hunter" userId="0c412f1c-a1dd-4c74-a882-7f803c38f654" providerId="ADAL" clId="{D1EBBEB6-E0C3-2E4C-A3ED-9ABFED806046}" dt="2024-12-18T09:36:02.080" v="298" actId="1076"/>
+          <ac:cxnSpMkLst>
+            <pc:docMk/>
+            <pc:sldMk cId="1412051409" sldId="333"/>
+            <ac:cxnSpMk id="45" creationId="{F048E8BA-7A8F-0366-3AD3-1013B28DA664}"/>
+          </ac:cxnSpMkLst>
+        </pc:cxnChg>
+        <pc:cxnChg chg="add mod">
+          <ac:chgData name="Robert Hunter" userId="0c412f1c-a1dd-4c74-a882-7f803c38f654" providerId="ADAL" clId="{D1EBBEB6-E0C3-2E4C-A3ED-9ABFED806046}" dt="2024-12-18T12:12:55.860" v="701" actId="208"/>
+          <ac:cxnSpMkLst>
+            <pc:docMk/>
+            <pc:sldMk cId="1412051409" sldId="333"/>
+            <ac:cxnSpMk id="59" creationId="{AE145418-A085-A909-058A-67E8412506EF}"/>
+          </ac:cxnSpMkLst>
+        </pc:cxnChg>
+        <pc:cxnChg chg="add mod">
+          <ac:chgData name="Robert Hunter" userId="0c412f1c-a1dd-4c74-a882-7f803c38f654" providerId="ADAL" clId="{D1EBBEB6-E0C3-2E4C-A3ED-9ABFED806046}" dt="2024-12-18T12:13:00.454" v="702" actId="208"/>
+          <ac:cxnSpMkLst>
+            <pc:docMk/>
+            <pc:sldMk cId="1412051409" sldId="333"/>
+            <ac:cxnSpMk id="60" creationId="{E8B38541-B1AC-A8A5-514C-9CCDCD4D4C4F}"/>
+          </ac:cxnSpMkLst>
+        </pc:cxnChg>
+        <pc:cxnChg chg="add mod">
+          <ac:chgData name="Robert Hunter" userId="0c412f1c-a1dd-4c74-a882-7f803c38f654" providerId="ADAL" clId="{D1EBBEB6-E0C3-2E4C-A3ED-9ABFED806046}" dt="2024-12-18T12:13:17.214" v="703" actId="208"/>
+          <ac:cxnSpMkLst>
+            <pc:docMk/>
+            <pc:sldMk cId="1412051409" sldId="333"/>
+            <ac:cxnSpMk id="62" creationId="{3CDCF2E8-BDD4-7E7B-DE4B-D885A177F35B}"/>
+          </ac:cxnSpMkLst>
+        </pc:cxnChg>
+        <pc:cxnChg chg="add del mod">
+          <ac:chgData name="Robert Hunter" userId="0c412f1c-a1dd-4c74-a882-7f803c38f654" providerId="ADAL" clId="{D1EBBEB6-E0C3-2E4C-A3ED-9ABFED806046}" dt="2024-12-18T09:45:35.944" v="444" actId="478"/>
+          <ac:cxnSpMkLst>
+            <pc:docMk/>
+            <pc:sldMk cId="1412051409" sldId="333"/>
+            <ac:cxnSpMk id="63" creationId="{43345CF5-73F1-3A47-B026-2103B4B9485A}"/>
+          </ac:cxnSpMkLst>
+        </pc:cxnChg>
+        <pc:cxnChg chg="add del mod">
+          <ac:chgData name="Robert Hunter" userId="0c412f1c-a1dd-4c74-a882-7f803c38f654" providerId="ADAL" clId="{D1EBBEB6-E0C3-2E4C-A3ED-9ABFED806046}" dt="2024-12-18T12:12:43.907" v="698" actId="208"/>
+          <ac:cxnSpMkLst>
+            <pc:docMk/>
+            <pc:sldMk cId="1412051409" sldId="333"/>
+            <ac:cxnSpMk id="64" creationId="{EDC9C9F1-99E6-A4B0-119C-403CE90AA559}"/>
+          </ac:cxnSpMkLst>
+        </pc:cxnChg>
+        <pc:cxnChg chg="add mod">
+          <ac:chgData name="Robert Hunter" userId="0c412f1c-a1dd-4c74-a882-7f803c38f654" providerId="ADAL" clId="{D1EBBEB6-E0C3-2E4C-A3ED-9ABFED806046}" dt="2024-12-18T12:12:48.344" v="699" actId="208"/>
+          <ac:cxnSpMkLst>
+            <pc:docMk/>
+            <pc:sldMk cId="1412051409" sldId="333"/>
+            <ac:cxnSpMk id="68" creationId="{6C442C80-C8C1-D6F7-686D-63259BD3A710}"/>
+          </ac:cxnSpMkLst>
+        </pc:cxnChg>
+        <pc:cxnChg chg="add mod">
+          <ac:chgData name="Robert Hunter" userId="0c412f1c-a1dd-4c74-a882-7f803c38f654" providerId="ADAL" clId="{D1EBBEB6-E0C3-2E4C-A3ED-9ABFED806046}" dt="2024-12-18T12:13:42.865" v="706" actId="208"/>
+          <ac:cxnSpMkLst>
+            <pc:docMk/>
+            <pc:sldMk cId="1412051409" sldId="333"/>
+            <ac:cxnSpMk id="69" creationId="{015ED370-A00C-13F7-696E-A05185C55162}"/>
+          </ac:cxnSpMkLst>
+        </pc:cxnChg>
+        <pc:cxnChg chg="add del mod">
+          <ac:chgData name="Robert Hunter" userId="0c412f1c-a1dd-4c74-a882-7f803c38f654" providerId="ADAL" clId="{D1EBBEB6-E0C3-2E4C-A3ED-9ABFED806046}" dt="2024-12-18T09:48:59.637" v="493" actId="478"/>
+          <ac:cxnSpMkLst>
+            <pc:docMk/>
+            <pc:sldMk cId="1412051409" sldId="333"/>
+            <ac:cxnSpMk id="79" creationId="{B05C84C3-9BBE-7C6A-0F69-5206AB548CF2}"/>
+          </ac:cxnSpMkLst>
+        </pc:cxnChg>
+        <pc:cxnChg chg="add mod">
+          <ac:chgData name="Robert Hunter" userId="0c412f1c-a1dd-4c74-a882-7f803c38f654" providerId="ADAL" clId="{D1EBBEB6-E0C3-2E4C-A3ED-9ABFED806046}" dt="2024-12-18T12:13:59.975" v="707" actId="208"/>
+          <ac:cxnSpMkLst>
+            <pc:docMk/>
+            <pc:sldMk cId="1412051409" sldId="333"/>
+            <ac:cxnSpMk id="87" creationId="{ED2C04DD-6FAA-065E-A191-57C431EE00F1}"/>
+          </ac:cxnSpMkLst>
+        </pc:cxnChg>
+      </pc:sldChg>
+    </pc:docChg>
+  </pc:docChgLst>
+</pc:chgInfo>
 </file>
 
 <file path=ppt/notesMasters/notesMaster1.xml><?xml version="1.0" encoding="utf-8"?>
@@ -211,7 +843,7 @@
           <a:p>
             <a:fld id="{127C5AEA-E3F8-8D45-90D3-D641212FD6AD}" type="datetimeFigureOut">
               <a:rPr lang="en-GB" smtClean="0"/>
-              <a:t>28/04/20</a:t>
+              <a:t>18/12/2024</a:t>
             </a:fld>
             <a:endParaRPr lang="en-GB"/>
           </a:p>
@@ -1091,6 +1723,174 @@
 </p:notes>
 </file>
 
+<file path=ppt/notesSlides/notesSlide5.xml><?xml version="1.0" encoding="utf-8"?>
+<p:notes xmlns:a="http://schemas.openxmlformats.org/drawingml/2006/main" xmlns:r="http://schemas.openxmlformats.org/officeDocument/2006/relationships" xmlns:p="http://schemas.openxmlformats.org/presentationml/2006/main">
+  <p:cSld>
+    <p:spTree>
+      <p:nvGrpSpPr>
+        <p:cNvPr id="1" name=""/>
+        <p:cNvGrpSpPr/>
+        <p:nvPr/>
+      </p:nvGrpSpPr>
+      <p:grpSpPr>
+        <a:xfrm>
+          <a:off x="0" y="0"/>
+          <a:ext cx="0" cy="0"/>
+          <a:chOff x="0" y="0"/>
+          <a:chExt cx="0" cy="0"/>
+        </a:xfrm>
+      </p:grpSpPr>
+      <p:sp>
+        <p:nvSpPr>
+          <p:cNvPr id="2" name="Slide Image Placeholder 1"/>
+          <p:cNvSpPr>
+            <a:spLocks noGrp="1" noRot="1" noChangeAspect="1"/>
+          </p:cNvSpPr>
+          <p:nvPr>
+            <p:ph type="sldImg"/>
+          </p:nvPr>
+        </p:nvSpPr>
+        <p:spPr/>
+      </p:sp>
+      <p:sp>
+        <p:nvSpPr>
+          <p:cNvPr id="3" name="Notes Placeholder 2"/>
+          <p:cNvSpPr>
+            <a:spLocks noGrp="1"/>
+          </p:cNvSpPr>
+          <p:nvPr>
+            <p:ph type="body" idx="1"/>
+          </p:nvPr>
+        </p:nvSpPr>
+        <p:spPr/>
+        <p:txBody>
+          <a:bodyPr/>
+          <a:lstStyle/>
+          <a:p>
+            <a:endParaRPr lang="en-GB" dirty="0"/>
+          </a:p>
+        </p:txBody>
+      </p:sp>
+      <p:sp>
+        <p:nvSpPr>
+          <p:cNvPr id="4" name="Slide Number Placeholder 3"/>
+          <p:cNvSpPr>
+            <a:spLocks noGrp="1"/>
+          </p:cNvSpPr>
+          <p:nvPr>
+            <p:ph type="sldNum" sz="quarter" idx="5"/>
+          </p:nvPr>
+        </p:nvSpPr>
+        <p:spPr/>
+        <p:txBody>
+          <a:bodyPr/>
+          <a:lstStyle/>
+          <a:p>
+            <a:fld id="{C8546EAE-35C6-544C-85F4-27C4359C6327}" type="slidenum">
+              <a:rPr lang="en-US" smtClean="0"/>
+              <a:t>16</a:t>
+            </a:fld>
+            <a:endParaRPr lang="en-US"/>
+          </a:p>
+        </p:txBody>
+      </p:sp>
+    </p:spTree>
+    <p:extLst>
+      <p:ext uri="{BB962C8B-B14F-4D97-AF65-F5344CB8AC3E}">
+        <p14:creationId xmlns:p14="http://schemas.microsoft.com/office/powerpoint/2010/main" val="786417184"/>
+      </p:ext>
+    </p:extLst>
+  </p:cSld>
+  <p:clrMapOvr>
+    <a:masterClrMapping/>
+  </p:clrMapOvr>
+</p:notes>
+</file>
+
+<file path=ppt/notesSlides/notesSlide6.xml><?xml version="1.0" encoding="utf-8"?>
+<p:notes xmlns:a="http://schemas.openxmlformats.org/drawingml/2006/main" xmlns:r="http://schemas.openxmlformats.org/officeDocument/2006/relationships" xmlns:p="http://schemas.openxmlformats.org/presentationml/2006/main">
+  <p:cSld>
+    <p:spTree>
+      <p:nvGrpSpPr>
+        <p:cNvPr id="1" name=""/>
+        <p:cNvGrpSpPr/>
+        <p:nvPr/>
+      </p:nvGrpSpPr>
+      <p:grpSpPr>
+        <a:xfrm>
+          <a:off x="0" y="0"/>
+          <a:ext cx="0" cy="0"/>
+          <a:chOff x="0" y="0"/>
+          <a:chExt cx="0" cy="0"/>
+        </a:xfrm>
+      </p:grpSpPr>
+      <p:sp>
+        <p:nvSpPr>
+          <p:cNvPr id="2" name="Slide Image Placeholder 1"/>
+          <p:cNvSpPr>
+            <a:spLocks noGrp="1" noRot="1" noChangeAspect="1"/>
+          </p:cNvSpPr>
+          <p:nvPr>
+            <p:ph type="sldImg"/>
+          </p:nvPr>
+        </p:nvSpPr>
+        <p:spPr/>
+      </p:sp>
+      <p:sp>
+        <p:nvSpPr>
+          <p:cNvPr id="3" name="Notes Placeholder 2"/>
+          <p:cNvSpPr>
+            <a:spLocks noGrp="1"/>
+          </p:cNvSpPr>
+          <p:nvPr>
+            <p:ph type="body" idx="1"/>
+          </p:nvPr>
+        </p:nvSpPr>
+        <p:spPr/>
+        <p:txBody>
+          <a:bodyPr/>
+          <a:lstStyle/>
+          <a:p>
+            <a:endParaRPr lang="en-GB" dirty="0"/>
+          </a:p>
+        </p:txBody>
+      </p:sp>
+      <p:sp>
+        <p:nvSpPr>
+          <p:cNvPr id="4" name="Slide Number Placeholder 3"/>
+          <p:cNvSpPr>
+            <a:spLocks noGrp="1"/>
+          </p:cNvSpPr>
+          <p:nvPr>
+            <p:ph type="sldNum" sz="quarter" idx="5"/>
+          </p:nvPr>
+        </p:nvSpPr>
+        <p:spPr/>
+        <p:txBody>
+          <a:bodyPr/>
+          <a:lstStyle/>
+          <a:p>
+            <a:fld id="{C8546EAE-35C6-544C-85F4-27C4359C6327}" type="slidenum">
+              <a:rPr lang="en-US" smtClean="0"/>
+              <a:t>17</a:t>
+            </a:fld>
+            <a:endParaRPr lang="en-US"/>
+          </a:p>
+        </p:txBody>
+      </p:sp>
+    </p:spTree>
+    <p:extLst>
+      <p:ext uri="{BB962C8B-B14F-4D97-AF65-F5344CB8AC3E}">
+        <p14:creationId xmlns:p14="http://schemas.microsoft.com/office/powerpoint/2010/main" val="786417184"/>
+      </p:ext>
+    </p:extLst>
+  </p:cSld>
+  <p:clrMapOvr>
+    <a:masterClrMapping/>
+  </p:clrMapOvr>
+</p:notes>
+</file>
+
 <file path=ppt/slideLayouts/slideLayout1.xml><?xml version="1.0" encoding="utf-8"?>
 <p:sldLayout xmlns:a="http://schemas.openxmlformats.org/drawingml/2006/main" xmlns:r="http://schemas.openxmlformats.org/officeDocument/2006/relationships" xmlns:p="http://schemas.openxmlformats.org/presentationml/2006/main" type="title" preserve="1">
   <p:cSld name="Title Slide">
@@ -1222,7 +2022,7 @@
           <a:p>
             <a:fld id="{421C066B-DB43-CF4F-8541-8454BEF32DA5}" type="datetimeFigureOut">
               <a:rPr lang="en-GB" smtClean="0"/>
-              <a:t>28/04/20</a:t>
+              <a:t>18/12/2024</a:t>
             </a:fld>
             <a:endParaRPr lang="en-GB"/>
           </a:p>
@@ -1392,7 +2192,7 @@
           <a:p>
             <a:fld id="{421C066B-DB43-CF4F-8541-8454BEF32DA5}" type="datetimeFigureOut">
               <a:rPr lang="en-GB" smtClean="0"/>
-              <a:t>28/04/20</a:t>
+              <a:t>18/12/2024</a:t>
             </a:fld>
             <a:endParaRPr lang="en-GB"/>
           </a:p>
@@ -1572,7 +2372,7 @@
           <a:p>
             <a:fld id="{421C066B-DB43-CF4F-8541-8454BEF32DA5}" type="datetimeFigureOut">
               <a:rPr lang="en-GB" smtClean="0"/>
-              <a:t>28/04/20</a:t>
+              <a:t>18/12/2024</a:t>
             </a:fld>
             <a:endParaRPr lang="en-GB"/>
           </a:p>
@@ -1742,7 +2542,7 @@
           <a:p>
             <a:fld id="{421C066B-DB43-CF4F-8541-8454BEF32DA5}" type="datetimeFigureOut">
               <a:rPr lang="en-GB" smtClean="0"/>
-              <a:t>28/04/20</a:t>
+              <a:t>18/12/2024</a:t>
             </a:fld>
             <a:endParaRPr lang="en-GB"/>
           </a:p>
@@ -1986,7 +2786,7 @@
           <a:p>
             <a:fld id="{421C066B-DB43-CF4F-8541-8454BEF32DA5}" type="datetimeFigureOut">
               <a:rPr lang="en-GB" smtClean="0"/>
-              <a:t>28/04/20</a:t>
+              <a:t>18/12/2024</a:t>
             </a:fld>
             <a:endParaRPr lang="en-GB"/>
           </a:p>
@@ -2218,7 +3018,7 @@
           <a:p>
             <a:fld id="{421C066B-DB43-CF4F-8541-8454BEF32DA5}" type="datetimeFigureOut">
               <a:rPr lang="en-GB" smtClean="0"/>
-              <a:t>28/04/20</a:t>
+              <a:t>18/12/2024</a:t>
             </a:fld>
             <a:endParaRPr lang="en-GB"/>
           </a:p>
@@ -2585,7 +3385,7 @@
           <a:p>
             <a:fld id="{421C066B-DB43-CF4F-8541-8454BEF32DA5}" type="datetimeFigureOut">
               <a:rPr lang="en-GB" smtClean="0"/>
-              <a:t>28/04/20</a:t>
+              <a:t>18/12/2024</a:t>
             </a:fld>
             <a:endParaRPr lang="en-GB"/>
           </a:p>
@@ -2703,7 +3503,7 @@
           <a:p>
             <a:fld id="{421C066B-DB43-CF4F-8541-8454BEF32DA5}" type="datetimeFigureOut">
               <a:rPr lang="en-GB" smtClean="0"/>
-              <a:t>28/04/20</a:t>
+              <a:t>18/12/2024</a:t>
             </a:fld>
             <a:endParaRPr lang="en-GB"/>
           </a:p>
@@ -2798,7 +3598,7 @@
           <a:p>
             <a:fld id="{421C066B-DB43-CF4F-8541-8454BEF32DA5}" type="datetimeFigureOut">
               <a:rPr lang="en-GB" smtClean="0"/>
-              <a:t>28/04/20</a:t>
+              <a:t>18/12/2024</a:t>
             </a:fld>
             <a:endParaRPr lang="en-GB"/>
           </a:p>
@@ -3075,7 +3875,7 @@
           <a:p>
             <a:fld id="{421C066B-DB43-CF4F-8541-8454BEF32DA5}" type="datetimeFigureOut">
               <a:rPr lang="en-GB" smtClean="0"/>
-              <a:t>28/04/20</a:t>
+              <a:t>18/12/2024</a:t>
             </a:fld>
             <a:endParaRPr lang="en-GB"/>
           </a:p>
@@ -3332,7 +4132,7 @@
           <a:p>
             <a:fld id="{421C066B-DB43-CF4F-8541-8454BEF32DA5}" type="datetimeFigureOut">
               <a:rPr lang="en-GB" smtClean="0"/>
-              <a:t>28/04/20</a:t>
+              <a:t>18/12/2024</a:t>
             </a:fld>
             <a:endParaRPr lang="en-GB"/>
           </a:p>
@@ -3545,7 +4345,7 @@
           <a:p>
             <a:fld id="{421C066B-DB43-CF4F-8541-8454BEF32DA5}" type="datetimeFigureOut">
               <a:rPr lang="en-GB" smtClean="0"/>
-              <a:t>28/04/20</a:t>
+              <a:t>18/12/2024</a:t>
             </a:fld>
             <a:endParaRPr lang="en-GB"/>
           </a:p>
@@ -3985,14 +4785,14 @@
           </a:ln>
           <a:extLst>
             <a:ext uri="{909E8E84-426E-40dd-AFC4-6F175D3DCCD1}">
-              <a14:hiddenFill xmlns:a14="http://schemas.microsoft.com/office/drawing/2010/main">
+              <a14:hiddenFill xmlns:a14="http://schemas.microsoft.com/office/drawing/2010/main" xmlns="">
                 <a:solidFill>
                   <a:srgbClr val="FFFFFF"/>
                 </a:solidFill>
               </a14:hiddenFill>
             </a:ext>
             <a:ext uri="{91240B29-F687-4f45-9708-019B960494DF}">
-              <a14:hiddenLine xmlns:a14="http://schemas.microsoft.com/office/drawing/2010/main" w="9525">
+              <a14:hiddenLine xmlns:a14="http://schemas.microsoft.com/office/drawing/2010/main" xmlns="" w="9525">
                 <a:solidFill>
                   <a:srgbClr val="000000"/>
                 </a:solidFill>
@@ -5366,7 +6166,7 @@
   <p:timing>
     <p:tnLst>
       <p:par>
-        <p:cTn xmlns:p14="http://schemas.microsoft.com/office/powerpoint/2010/main" id="1" dur="indefinite" restart="never" nodeType="tmRoot">
+        <p:cTn id="1" dur="indefinite" restart="never" nodeType="tmRoot">
           <p:childTnLst>
             <p:seq concurrent="1" nextAc="seek">
               <p:cTn id="2" dur="indefinite" nodeType="mainSeq">
@@ -9776,7 +10576,7 @@
           <p:cNvPr id="39" name="TextBox 38">
             <a:extLst>
               <a:ext uri="{FF2B5EF4-FFF2-40B4-BE49-F238E27FC236}">
-                <a16:creationId xmlns:a16="http://schemas.microsoft.com/office/drawing/2014/main" xmlns="" id="{1AFD016A-A3D4-D946-A355-5D8285CE64D7}"/>
+                <a16:creationId xmlns:a16="http://schemas.microsoft.com/office/drawing/2014/main" id="{1AFD016A-A3D4-D946-A355-5D8285CE64D7}"/>
               </a:ext>
             </a:extLst>
           </p:cNvPr>
@@ -9821,7 +10621,7 @@
           <p:cNvPr id="45" name="TextBox 44">
             <a:extLst>
               <a:ext uri="{FF2B5EF4-FFF2-40B4-BE49-F238E27FC236}">
-                <a16:creationId xmlns:a16="http://schemas.microsoft.com/office/drawing/2014/main" xmlns="" id="{7CA002D1-D820-1D41-96F1-FDD5CDB09128}"/>
+                <a16:creationId xmlns:a16="http://schemas.microsoft.com/office/drawing/2014/main" id="{7CA002D1-D820-1D41-96F1-FDD5CDB09128}"/>
               </a:ext>
             </a:extLst>
           </p:cNvPr>
@@ -13203,6 +14003,5036 @@
     <p:extLst>
       <p:ext uri="{BB962C8B-B14F-4D97-AF65-F5344CB8AC3E}">
         <p14:creationId xmlns:p14="http://schemas.microsoft.com/office/powerpoint/2010/main" val="446613072"/>
+      </p:ext>
+    </p:extLst>
+  </p:cSld>
+  <p:clrMapOvr>
+    <a:masterClrMapping/>
+  </p:clrMapOvr>
+</p:sld>
+</file>
+
+<file path=ppt/slides/slide16.xml><?xml version="1.0" encoding="utf-8"?>
+<p:sld xmlns:a="http://schemas.openxmlformats.org/drawingml/2006/main" xmlns:r="http://schemas.openxmlformats.org/officeDocument/2006/relationships" xmlns:p="http://schemas.openxmlformats.org/presentationml/2006/main">
+  <p:cSld>
+    <p:spTree>
+      <p:nvGrpSpPr>
+        <p:cNvPr id="1" name=""/>
+        <p:cNvGrpSpPr/>
+        <p:nvPr/>
+      </p:nvGrpSpPr>
+      <p:grpSpPr>
+        <a:xfrm>
+          <a:off x="0" y="0"/>
+          <a:ext cx="0" cy="0"/>
+          <a:chOff x="0" y="0"/>
+          <a:chExt cx="0" cy="0"/>
+        </a:xfrm>
+      </p:grpSpPr>
+      <p:grpSp>
+        <p:nvGrpSpPr>
+          <p:cNvPr id="35" name="Group 34">
+            <a:extLst>
+              <a:ext uri="{FF2B5EF4-FFF2-40B4-BE49-F238E27FC236}">
+                <a16:creationId xmlns:a16="http://schemas.microsoft.com/office/drawing/2014/main" id="{1D1A118A-CF87-384E-999E-9E2FF0F80A63}"/>
+              </a:ext>
+            </a:extLst>
+          </p:cNvPr>
+          <p:cNvGrpSpPr/>
+          <p:nvPr/>
+        </p:nvGrpSpPr>
+        <p:grpSpPr>
+          <a:xfrm>
+            <a:off x="1747755" y="220005"/>
+            <a:ext cx="6965939" cy="5608120"/>
+            <a:chOff x="1613284" y="303861"/>
+            <a:chExt cx="6965939" cy="5608120"/>
+          </a:xfrm>
+        </p:grpSpPr>
+        <p:sp>
+          <p:nvSpPr>
+            <p:cNvPr id="33" name="Freeform 32">
+              <a:extLst>
+                <a:ext uri="{FF2B5EF4-FFF2-40B4-BE49-F238E27FC236}">
+                  <a16:creationId xmlns:a16="http://schemas.microsoft.com/office/drawing/2014/main" id="{83DF7B6A-2824-354B-9B3F-F2254F08663B}"/>
+                </a:ext>
+              </a:extLst>
+            </p:cNvPr>
+            <p:cNvSpPr/>
+            <p:nvPr/>
+          </p:nvSpPr>
+          <p:spPr>
+            <a:xfrm>
+              <a:off x="3731513" y="1942404"/>
+              <a:ext cx="3664889" cy="3171560"/>
+            </a:xfrm>
+            <a:custGeom>
+              <a:avLst/>
+              <a:gdLst>
+                <a:gd name="connsiteX0" fmla="*/ 6770 w 3664889"/>
+                <a:gd name="connsiteY0" fmla="*/ 3167478 h 3171560"/>
+                <a:gd name="connsiteX1" fmla="*/ 544652 w 3664889"/>
+                <a:gd name="connsiteY1" fmla="*/ 2979219 h 3171560"/>
+                <a:gd name="connsiteX2" fmla="*/ 1445605 w 3664889"/>
+                <a:gd name="connsiteY2" fmla="*/ 2481678 h 3171560"/>
+                <a:gd name="connsiteX3" fmla="*/ 2413793 w 3664889"/>
+                <a:gd name="connsiteY3" fmla="*/ 1473149 h 3171560"/>
+                <a:gd name="connsiteX4" fmla="*/ 3247511 w 3664889"/>
+                <a:gd name="connsiteY4" fmla="*/ 74655 h 3171560"/>
+                <a:gd name="connsiteX5" fmla="*/ 3637475 w 3664889"/>
+                <a:gd name="connsiteY5" fmla="*/ 303255 h 3171560"/>
+                <a:gd name="connsiteX6" fmla="*/ 3570240 w 3664889"/>
+                <a:gd name="connsiteY6" fmla="*/ 1257996 h 3171560"/>
+                <a:gd name="connsiteX7" fmla="*/ 3072699 w 3664889"/>
+                <a:gd name="connsiteY7" fmla="*/ 1742090 h 3171560"/>
+                <a:gd name="connsiteX8" fmla="*/ 2534817 w 3664889"/>
+                <a:gd name="connsiteY8" fmla="*/ 2226184 h 3171560"/>
+                <a:gd name="connsiteX9" fmla="*/ 1754887 w 3664889"/>
+                <a:gd name="connsiteY9" fmla="*/ 2710278 h 3171560"/>
+                <a:gd name="connsiteX10" fmla="*/ 907723 w 3664889"/>
+                <a:gd name="connsiteY10" fmla="*/ 3073349 h 3171560"/>
+                <a:gd name="connsiteX11" fmla="*/ 6770 w 3664889"/>
+                <a:gd name="connsiteY11" fmla="*/ 3167478 h 3171560"/>
+              </a:gdLst>
+              <a:ahLst/>
+              <a:cxnLst>
+                <a:cxn ang="0">
+                  <a:pos x="connsiteX0" y="connsiteY0"/>
+                </a:cxn>
+                <a:cxn ang="0">
+                  <a:pos x="connsiteX1" y="connsiteY1"/>
+                </a:cxn>
+                <a:cxn ang="0">
+                  <a:pos x="connsiteX2" y="connsiteY2"/>
+                </a:cxn>
+                <a:cxn ang="0">
+                  <a:pos x="connsiteX3" y="connsiteY3"/>
+                </a:cxn>
+                <a:cxn ang="0">
+                  <a:pos x="connsiteX4" y="connsiteY4"/>
+                </a:cxn>
+                <a:cxn ang="0">
+                  <a:pos x="connsiteX5" y="connsiteY5"/>
+                </a:cxn>
+                <a:cxn ang="0">
+                  <a:pos x="connsiteX6" y="connsiteY6"/>
+                </a:cxn>
+                <a:cxn ang="0">
+                  <a:pos x="connsiteX7" y="connsiteY7"/>
+                </a:cxn>
+                <a:cxn ang="0">
+                  <a:pos x="connsiteX8" y="connsiteY8"/>
+                </a:cxn>
+                <a:cxn ang="0">
+                  <a:pos x="connsiteX9" y="connsiteY9"/>
+                </a:cxn>
+                <a:cxn ang="0">
+                  <a:pos x="connsiteX10" y="connsiteY10"/>
+                </a:cxn>
+                <a:cxn ang="0">
+                  <a:pos x="connsiteX11" y="connsiteY11"/>
+                </a:cxn>
+              </a:cxnLst>
+              <a:rect l="l" t="t" r="r" b="b"/>
+              <a:pathLst>
+                <a:path w="3664889" h="3171560">
+                  <a:moveTo>
+                    <a:pt x="6770" y="3167478"/>
+                  </a:moveTo>
+                  <a:cubicBezTo>
+                    <a:pt x="-53742" y="3151790"/>
+                    <a:pt x="304846" y="3093519"/>
+                    <a:pt x="544652" y="2979219"/>
+                  </a:cubicBezTo>
+                  <a:cubicBezTo>
+                    <a:pt x="784458" y="2864919"/>
+                    <a:pt x="1134082" y="2732690"/>
+                    <a:pt x="1445605" y="2481678"/>
+                  </a:cubicBezTo>
+                  <a:cubicBezTo>
+                    <a:pt x="1757128" y="2230666"/>
+                    <a:pt x="2113475" y="1874319"/>
+                    <a:pt x="2413793" y="1473149"/>
+                  </a:cubicBezTo>
+                  <a:cubicBezTo>
+                    <a:pt x="2714111" y="1071979"/>
+                    <a:pt x="3043564" y="269637"/>
+                    <a:pt x="3247511" y="74655"/>
+                  </a:cubicBezTo>
+                  <a:cubicBezTo>
+                    <a:pt x="3451458" y="-120327"/>
+                    <a:pt x="3583687" y="106031"/>
+                    <a:pt x="3637475" y="303255"/>
+                  </a:cubicBezTo>
+                  <a:cubicBezTo>
+                    <a:pt x="3691263" y="500478"/>
+                    <a:pt x="3664369" y="1018190"/>
+                    <a:pt x="3570240" y="1257996"/>
+                  </a:cubicBezTo>
+                  <a:cubicBezTo>
+                    <a:pt x="3476111" y="1497802"/>
+                    <a:pt x="3245269" y="1580725"/>
+                    <a:pt x="3072699" y="1742090"/>
+                  </a:cubicBezTo>
+                  <a:cubicBezTo>
+                    <a:pt x="2900129" y="1903455"/>
+                    <a:pt x="2754452" y="2064819"/>
+                    <a:pt x="2534817" y="2226184"/>
+                  </a:cubicBezTo>
+                  <a:cubicBezTo>
+                    <a:pt x="2315182" y="2387549"/>
+                    <a:pt x="2026069" y="2569084"/>
+                    <a:pt x="1754887" y="2710278"/>
+                  </a:cubicBezTo>
+                  <a:cubicBezTo>
+                    <a:pt x="1483705" y="2851472"/>
+                    <a:pt x="1203558" y="2992667"/>
+                    <a:pt x="907723" y="3073349"/>
+                  </a:cubicBezTo>
+                  <a:cubicBezTo>
+                    <a:pt x="611888" y="3154031"/>
+                    <a:pt x="67282" y="3183166"/>
+                    <a:pt x="6770" y="3167478"/>
+                  </a:cubicBezTo>
+                  <a:close/>
+                </a:path>
+              </a:pathLst>
+            </a:custGeom>
+            <a:solidFill>
+              <a:srgbClr val="FF0000">
+                <a:alpha val="10000"/>
+              </a:srgbClr>
+            </a:solidFill>
+            <a:ln>
+              <a:noFill/>
+            </a:ln>
+          </p:spPr>
+          <p:style>
+            <a:lnRef idx="2">
+              <a:schemeClr val="accent1">
+                <a:shade val="50000"/>
+              </a:schemeClr>
+            </a:lnRef>
+            <a:fillRef idx="1">
+              <a:schemeClr val="accent1"/>
+            </a:fillRef>
+            <a:effectRef idx="0">
+              <a:schemeClr val="accent1"/>
+            </a:effectRef>
+            <a:fontRef idx="minor">
+              <a:schemeClr val="lt1"/>
+            </a:fontRef>
+          </p:style>
+          <p:txBody>
+            <a:bodyPr rtlCol="0" anchor="ctr"/>
+            <a:lstStyle/>
+            <a:p>
+              <a:pPr algn="ctr"/>
+              <a:endParaRPr lang="en-GB"/>
+            </a:p>
+          </p:txBody>
+        </p:sp>
+        <p:sp>
+          <p:nvSpPr>
+            <p:cNvPr id="32" name="Freeform 31">
+              <a:extLst>
+                <a:ext uri="{FF2B5EF4-FFF2-40B4-BE49-F238E27FC236}">
+                  <a16:creationId xmlns:a16="http://schemas.microsoft.com/office/drawing/2014/main" id="{98E07249-CA09-6E44-830F-73562E883885}"/>
+                </a:ext>
+              </a:extLst>
+            </p:cNvPr>
+            <p:cNvSpPr/>
+            <p:nvPr/>
+          </p:nvSpPr>
+          <p:spPr>
+            <a:xfrm>
+              <a:off x="3751729" y="2437220"/>
+              <a:ext cx="4098160" cy="1314509"/>
+            </a:xfrm>
+            <a:custGeom>
+              <a:avLst/>
+              <a:gdLst>
+                <a:gd name="connsiteX0" fmla="*/ 161365 w 4098160"/>
+                <a:gd name="connsiteY0" fmla="*/ 1193485 h 1314509"/>
+                <a:gd name="connsiteX1" fmla="*/ 806824 w 4098160"/>
+                <a:gd name="connsiteY1" fmla="*/ 763180 h 1314509"/>
+                <a:gd name="connsiteX2" fmla="*/ 1304365 w 4098160"/>
+                <a:gd name="connsiteY2" fmla="*/ 507685 h 1314509"/>
+                <a:gd name="connsiteX3" fmla="*/ 2178424 w 4098160"/>
+                <a:gd name="connsiteY3" fmla="*/ 184956 h 1314509"/>
+                <a:gd name="connsiteX4" fmla="*/ 2998695 w 4098160"/>
+                <a:gd name="connsiteY4" fmla="*/ 63933 h 1314509"/>
+                <a:gd name="connsiteX5" fmla="*/ 3751730 w 4098160"/>
+                <a:gd name="connsiteY5" fmla="*/ 10144 h 1314509"/>
+                <a:gd name="connsiteX6" fmla="*/ 4020671 w 4098160"/>
+                <a:gd name="connsiteY6" fmla="*/ 265638 h 1314509"/>
+                <a:gd name="connsiteX7" fmla="*/ 3993777 w 4098160"/>
+                <a:gd name="connsiteY7" fmla="*/ 749733 h 1314509"/>
+                <a:gd name="connsiteX8" fmla="*/ 2864224 w 4098160"/>
+                <a:gd name="connsiteY8" fmla="*/ 816968 h 1314509"/>
+                <a:gd name="connsiteX9" fmla="*/ 1815353 w 4098160"/>
+                <a:gd name="connsiteY9" fmla="*/ 816968 h 1314509"/>
+                <a:gd name="connsiteX10" fmla="*/ 995083 w 4098160"/>
+                <a:gd name="connsiteY10" fmla="*/ 924544 h 1314509"/>
+                <a:gd name="connsiteX11" fmla="*/ 389965 w 4098160"/>
+                <a:gd name="connsiteY11" fmla="*/ 1126250 h 1314509"/>
+                <a:gd name="connsiteX12" fmla="*/ 0 w 4098160"/>
+                <a:gd name="connsiteY12" fmla="*/ 1314509 h 1314509"/>
+              </a:gdLst>
+              <a:ahLst/>
+              <a:cxnLst>
+                <a:cxn ang="0">
+                  <a:pos x="connsiteX0" y="connsiteY0"/>
+                </a:cxn>
+                <a:cxn ang="0">
+                  <a:pos x="connsiteX1" y="connsiteY1"/>
+                </a:cxn>
+                <a:cxn ang="0">
+                  <a:pos x="connsiteX2" y="connsiteY2"/>
+                </a:cxn>
+                <a:cxn ang="0">
+                  <a:pos x="connsiteX3" y="connsiteY3"/>
+                </a:cxn>
+                <a:cxn ang="0">
+                  <a:pos x="connsiteX4" y="connsiteY4"/>
+                </a:cxn>
+                <a:cxn ang="0">
+                  <a:pos x="connsiteX5" y="connsiteY5"/>
+                </a:cxn>
+                <a:cxn ang="0">
+                  <a:pos x="connsiteX6" y="connsiteY6"/>
+                </a:cxn>
+                <a:cxn ang="0">
+                  <a:pos x="connsiteX7" y="connsiteY7"/>
+                </a:cxn>
+                <a:cxn ang="0">
+                  <a:pos x="connsiteX8" y="connsiteY8"/>
+                </a:cxn>
+                <a:cxn ang="0">
+                  <a:pos x="connsiteX9" y="connsiteY9"/>
+                </a:cxn>
+                <a:cxn ang="0">
+                  <a:pos x="connsiteX10" y="connsiteY10"/>
+                </a:cxn>
+                <a:cxn ang="0">
+                  <a:pos x="connsiteX11" y="connsiteY11"/>
+                </a:cxn>
+                <a:cxn ang="0">
+                  <a:pos x="connsiteX12" y="connsiteY12"/>
+                </a:cxn>
+              </a:cxnLst>
+              <a:rect l="l" t="t" r="r" b="b"/>
+              <a:pathLst>
+                <a:path w="4098160" h="1314509">
+                  <a:moveTo>
+                    <a:pt x="161365" y="1193485"/>
+                  </a:moveTo>
+                  <a:cubicBezTo>
+                    <a:pt x="388844" y="1035482"/>
+                    <a:pt x="616324" y="877480"/>
+                    <a:pt x="806824" y="763180"/>
+                  </a:cubicBezTo>
+                  <a:cubicBezTo>
+                    <a:pt x="997324" y="648880"/>
+                    <a:pt x="1075765" y="604056"/>
+                    <a:pt x="1304365" y="507685"/>
+                  </a:cubicBezTo>
+                  <a:cubicBezTo>
+                    <a:pt x="1532965" y="411314"/>
+                    <a:pt x="1896036" y="258915"/>
+                    <a:pt x="2178424" y="184956"/>
+                  </a:cubicBezTo>
+                  <a:cubicBezTo>
+                    <a:pt x="2460812" y="110997"/>
+                    <a:pt x="2736477" y="93068"/>
+                    <a:pt x="2998695" y="63933"/>
+                  </a:cubicBezTo>
+                  <a:cubicBezTo>
+                    <a:pt x="3260913" y="34798"/>
+                    <a:pt x="3581401" y="-23473"/>
+                    <a:pt x="3751730" y="10144"/>
+                  </a:cubicBezTo>
+                  <a:cubicBezTo>
+                    <a:pt x="3922059" y="43761"/>
+                    <a:pt x="3980330" y="142373"/>
+                    <a:pt x="4020671" y="265638"/>
+                  </a:cubicBezTo>
+                  <a:cubicBezTo>
+                    <a:pt x="4061012" y="388903"/>
+                    <a:pt x="4186518" y="657845"/>
+                    <a:pt x="3993777" y="749733"/>
+                  </a:cubicBezTo>
+                  <a:cubicBezTo>
+                    <a:pt x="3801036" y="841621"/>
+                    <a:pt x="3227295" y="805762"/>
+                    <a:pt x="2864224" y="816968"/>
+                  </a:cubicBezTo>
+                  <a:cubicBezTo>
+                    <a:pt x="2501153" y="828174"/>
+                    <a:pt x="2126876" y="799039"/>
+                    <a:pt x="1815353" y="816968"/>
+                  </a:cubicBezTo>
+                  <a:cubicBezTo>
+                    <a:pt x="1503830" y="834897"/>
+                    <a:pt x="1232648" y="872997"/>
+                    <a:pt x="995083" y="924544"/>
+                  </a:cubicBezTo>
+                  <a:cubicBezTo>
+                    <a:pt x="757518" y="976091"/>
+                    <a:pt x="555812" y="1061256"/>
+                    <a:pt x="389965" y="1126250"/>
+                  </a:cubicBezTo>
+                  <a:cubicBezTo>
+                    <a:pt x="224118" y="1191244"/>
+                    <a:pt x="112059" y="1252876"/>
+                    <a:pt x="0" y="1314509"/>
+                  </a:cubicBezTo>
+                </a:path>
+              </a:pathLst>
+            </a:custGeom>
+            <a:solidFill>
+              <a:srgbClr val="0070C0">
+                <a:alpha val="10000"/>
+              </a:srgbClr>
+            </a:solidFill>
+            <a:ln>
+              <a:noFill/>
+            </a:ln>
+          </p:spPr>
+          <p:style>
+            <a:lnRef idx="2">
+              <a:schemeClr val="accent1">
+                <a:shade val="50000"/>
+              </a:schemeClr>
+            </a:lnRef>
+            <a:fillRef idx="1">
+              <a:schemeClr val="accent1"/>
+            </a:fillRef>
+            <a:effectRef idx="0">
+              <a:schemeClr val="accent1"/>
+            </a:effectRef>
+            <a:fontRef idx="minor">
+              <a:schemeClr val="lt1"/>
+            </a:fontRef>
+          </p:style>
+          <p:txBody>
+            <a:bodyPr rtlCol="0" anchor="ctr"/>
+            <a:lstStyle/>
+            <a:p>
+              <a:pPr algn="ctr"/>
+              <a:endParaRPr lang="en-GB"/>
+            </a:p>
+          </p:txBody>
+        </p:sp>
+        <p:sp>
+          <p:nvSpPr>
+            <p:cNvPr id="6" name="TextBox 5">
+              <a:extLst>
+                <a:ext uri="{FF2B5EF4-FFF2-40B4-BE49-F238E27FC236}">
+                  <a16:creationId xmlns:a16="http://schemas.microsoft.com/office/drawing/2014/main" id="{9C2EAC0A-A7A8-9341-8C33-002078C9E95D}"/>
+                </a:ext>
+              </a:extLst>
+            </p:cNvPr>
+            <p:cNvSpPr txBox="1"/>
+            <p:nvPr/>
+          </p:nvSpPr>
+          <p:spPr>
+            <a:xfrm>
+              <a:off x="2436183" y="5190707"/>
+              <a:ext cx="4532227" cy="369332"/>
+            </a:xfrm>
+            <a:prstGeom prst="rect">
+              <a:avLst/>
+            </a:prstGeom>
+            <a:noFill/>
+          </p:spPr>
+          <p:txBody>
+            <a:bodyPr wrap="square" rtlCol="0">
+              <a:spAutoFit/>
+            </a:bodyPr>
+            <a:lstStyle/>
+            <a:p>
+              <a:pPr defTabSz="720000"/>
+              <a:r>
+                <a:rPr lang="en-US" dirty="0"/>
+                <a:t>0	10	20	30	40	50</a:t>
+              </a:r>
+              <a:endParaRPr lang="en-US" b="1" dirty="0"/>
+            </a:p>
+          </p:txBody>
+        </p:sp>
+        <p:sp>
+          <p:nvSpPr>
+            <p:cNvPr id="7" name="TextBox 6">
+              <a:extLst>
+                <a:ext uri="{FF2B5EF4-FFF2-40B4-BE49-F238E27FC236}">
+                  <a16:creationId xmlns:a16="http://schemas.microsoft.com/office/drawing/2014/main" id="{DCED646A-69AB-FF43-9757-284E305C01AC}"/>
+                </a:ext>
+              </a:extLst>
+            </p:cNvPr>
+            <p:cNvSpPr txBox="1"/>
+            <p:nvPr/>
+          </p:nvSpPr>
+          <p:spPr>
+            <a:xfrm rot="16200000">
+              <a:off x="332645" y="2616609"/>
+              <a:ext cx="2930610" cy="369332"/>
+            </a:xfrm>
+            <a:prstGeom prst="rect">
+              <a:avLst/>
+            </a:prstGeom>
+            <a:noFill/>
+          </p:spPr>
+          <p:txBody>
+            <a:bodyPr wrap="none" rtlCol="0">
+              <a:spAutoFit/>
+            </a:bodyPr>
+            <a:lstStyle/>
+            <a:p>
+              <a:pPr algn="r">
+                <a:tabLst>
+                  <a:tab pos="887413" algn="l"/>
+                  <a:tab pos="1819275" algn="l"/>
+                  <a:tab pos="2708275" algn="l"/>
+                  <a:tab pos="3197225" algn="l"/>
+                </a:tabLst>
+              </a:pPr>
+              <a:r>
+                <a:rPr lang="en-US" b="1" i="1" dirty="0"/>
+                <a:t>HCO</a:t>
+              </a:r>
+              <a:r>
+                <a:rPr lang="en-US" b="1" i="1" baseline="-25000" dirty="0"/>
+                <a:t>3</a:t>
+              </a:r>
+              <a:r>
+                <a:rPr lang="en-US" b="1" i="1" baseline="30000" dirty="0"/>
+                <a:t>–</a:t>
+              </a:r>
+              <a:r>
+                <a:rPr lang="en-US" b="1" i="1" dirty="0"/>
+                <a:t> flux / mmol per min</a:t>
+              </a:r>
+            </a:p>
+          </p:txBody>
+        </p:sp>
+        <p:sp>
+          <p:nvSpPr>
+            <p:cNvPr id="8" name="TextBox 7">
+              <a:extLst>
+                <a:ext uri="{FF2B5EF4-FFF2-40B4-BE49-F238E27FC236}">
+                  <a16:creationId xmlns:a16="http://schemas.microsoft.com/office/drawing/2014/main" id="{8E8DE660-A880-8242-BC36-1B7D2E08AA14}"/>
+                </a:ext>
+              </a:extLst>
+            </p:cNvPr>
+            <p:cNvSpPr txBox="1"/>
+            <p:nvPr/>
+          </p:nvSpPr>
+          <p:spPr>
+            <a:xfrm>
+              <a:off x="1995779" y="397990"/>
+              <a:ext cx="300082" cy="4994829"/>
+            </a:xfrm>
+            <a:prstGeom prst="rect">
+              <a:avLst/>
+            </a:prstGeom>
+            <a:noFill/>
+          </p:spPr>
+          <p:txBody>
+            <a:bodyPr wrap="none" rtlCol="0">
+              <a:spAutoFit/>
+            </a:bodyPr>
+            <a:lstStyle/>
+            <a:p>
+              <a:pPr algn="r">
+                <a:lnSpc>
+                  <a:spcPct val="200000"/>
+                </a:lnSpc>
+                <a:tabLst>
+                  <a:tab pos="887413" algn="l"/>
+                  <a:tab pos="1819275" algn="l"/>
+                  <a:tab pos="2708275" algn="l"/>
+                  <a:tab pos="3197225" algn="l"/>
+                </a:tabLst>
+              </a:pPr>
+              <a:endParaRPr lang="en-US" dirty="0"/>
+            </a:p>
+            <a:p>
+              <a:pPr algn="r">
+                <a:lnSpc>
+                  <a:spcPct val="200000"/>
+                </a:lnSpc>
+                <a:tabLst>
+                  <a:tab pos="887413" algn="l"/>
+                  <a:tab pos="1819275" algn="l"/>
+                  <a:tab pos="2708275" algn="l"/>
+                  <a:tab pos="3197225" algn="l"/>
+                </a:tabLst>
+              </a:pPr>
+              <a:endParaRPr lang="en-US" dirty="0"/>
+            </a:p>
+            <a:p>
+              <a:pPr algn="r">
+                <a:lnSpc>
+                  <a:spcPct val="200000"/>
+                </a:lnSpc>
+                <a:tabLst>
+                  <a:tab pos="887413" algn="l"/>
+                  <a:tab pos="1819275" algn="l"/>
+                  <a:tab pos="2708275" algn="l"/>
+                  <a:tab pos="3197225" algn="l"/>
+                </a:tabLst>
+              </a:pPr>
+              <a:r>
+                <a:rPr lang="en-US" dirty="0"/>
+                <a:t>6</a:t>
+              </a:r>
+            </a:p>
+            <a:p>
+              <a:pPr algn="r">
+                <a:lnSpc>
+                  <a:spcPct val="200000"/>
+                </a:lnSpc>
+                <a:tabLst>
+                  <a:tab pos="887413" algn="l"/>
+                  <a:tab pos="1819275" algn="l"/>
+                  <a:tab pos="2708275" algn="l"/>
+                  <a:tab pos="3197225" algn="l"/>
+                </a:tabLst>
+              </a:pPr>
+              <a:r>
+                <a:rPr lang="en-US" dirty="0"/>
+                <a:t>5</a:t>
+              </a:r>
+            </a:p>
+            <a:p>
+              <a:pPr algn="r">
+                <a:lnSpc>
+                  <a:spcPct val="200000"/>
+                </a:lnSpc>
+                <a:tabLst>
+                  <a:tab pos="887413" algn="l"/>
+                  <a:tab pos="1819275" algn="l"/>
+                  <a:tab pos="2708275" algn="l"/>
+                  <a:tab pos="3197225" algn="l"/>
+                </a:tabLst>
+              </a:pPr>
+              <a:r>
+                <a:rPr lang="en-US" dirty="0"/>
+                <a:t>4</a:t>
+              </a:r>
+            </a:p>
+            <a:p>
+              <a:pPr algn="r">
+                <a:lnSpc>
+                  <a:spcPct val="200000"/>
+                </a:lnSpc>
+                <a:tabLst>
+                  <a:tab pos="887413" algn="l"/>
+                  <a:tab pos="1819275" algn="l"/>
+                  <a:tab pos="2708275" algn="l"/>
+                  <a:tab pos="3197225" algn="l"/>
+                </a:tabLst>
+              </a:pPr>
+              <a:r>
+                <a:rPr lang="en-US" dirty="0"/>
+                <a:t>3</a:t>
+              </a:r>
+            </a:p>
+            <a:p>
+              <a:pPr algn="r">
+                <a:lnSpc>
+                  <a:spcPct val="200000"/>
+                </a:lnSpc>
+                <a:tabLst>
+                  <a:tab pos="887413" algn="l"/>
+                  <a:tab pos="1819275" algn="l"/>
+                  <a:tab pos="2708275" algn="l"/>
+                  <a:tab pos="3197225" algn="l"/>
+                </a:tabLst>
+              </a:pPr>
+              <a:r>
+                <a:rPr lang="en-US" dirty="0"/>
+                <a:t>2</a:t>
+              </a:r>
+            </a:p>
+            <a:p>
+              <a:pPr algn="r">
+                <a:lnSpc>
+                  <a:spcPct val="200000"/>
+                </a:lnSpc>
+                <a:tabLst>
+                  <a:tab pos="887413" algn="l"/>
+                  <a:tab pos="1819275" algn="l"/>
+                  <a:tab pos="2708275" algn="l"/>
+                  <a:tab pos="3197225" algn="l"/>
+                </a:tabLst>
+              </a:pPr>
+              <a:r>
+                <a:rPr lang="en-US" dirty="0"/>
+                <a:t>1</a:t>
+              </a:r>
+            </a:p>
+            <a:p>
+              <a:pPr algn="r">
+                <a:lnSpc>
+                  <a:spcPct val="200000"/>
+                </a:lnSpc>
+                <a:tabLst>
+                  <a:tab pos="887413" algn="l"/>
+                  <a:tab pos="1819275" algn="l"/>
+                  <a:tab pos="2708275" algn="l"/>
+                  <a:tab pos="3197225" algn="l"/>
+                </a:tabLst>
+              </a:pPr>
+              <a:r>
+                <a:rPr lang="en-US" dirty="0"/>
+                <a:t>0</a:t>
+              </a:r>
+            </a:p>
+          </p:txBody>
+        </p:sp>
+        <p:sp>
+          <p:nvSpPr>
+            <p:cNvPr id="9" name="TextBox 8">
+              <a:extLst>
+                <a:ext uri="{FF2B5EF4-FFF2-40B4-BE49-F238E27FC236}">
+                  <a16:creationId xmlns:a16="http://schemas.microsoft.com/office/drawing/2014/main" id="{B384938B-A43B-694D-A140-D185485DCF69}"/>
+                </a:ext>
+              </a:extLst>
+            </p:cNvPr>
+            <p:cNvSpPr txBox="1"/>
+            <p:nvPr/>
+          </p:nvSpPr>
+          <p:spPr>
+            <a:xfrm>
+              <a:off x="4456647" y="5542649"/>
+              <a:ext cx="2441694" cy="369332"/>
+            </a:xfrm>
+            <a:prstGeom prst="rect">
+              <a:avLst/>
+            </a:prstGeom>
+            <a:noFill/>
+          </p:spPr>
+          <p:txBody>
+            <a:bodyPr wrap="none" rtlCol="0">
+              <a:spAutoFit/>
+            </a:bodyPr>
+            <a:lstStyle/>
+            <a:p>
+              <a:pPr algn="r">
+                <a:tabLst>
+                  <a:tab pos="887413" algn="l"/>
+                  <a:tab pos="1819275" algn="l"/>
+                  <a:tab pos="2708275" algn="l"/>
+                  <a:tab pos="3197225" algn="l"/>
+                </a:tabLst>
+              </a:pPr>
+              <a:r>
+                <a:rPr lang="en-US" b="1" i="1" dirty="0"/>
+                <a:t>plasma [HCO</a:t>
+              </a:r>
+              <a:r>
+                <a:rPr lang="en-US" b="1" i="1" baseline="-25000" dirty="0"/>
+                <a:t>3</a:t>
+              </a:r>
+              <a:r>
+                <a:rPr lang="en-US" b="1" i="1" baseline="30000" dirty="0"/>
+                <a:t>–</a:t>
+              </a:r>
+              <a:r>
+                <a:rPr lang="en-US" b="1" i="1" dirty="0"/>
+                <a:t>] / mM</a:t>
+              </a:r>
+              <a:endParaRPr lang="en-US" b="1" i="1" baseline="30000" dirty="0"/>
+            </a:p>
+          </p:txBody>
+        </p:sp>
+        <p:cxnSp>
+          <p:nvCxnSpPr>
+            <p:cNvPr id="16" name="Straight Connector 15">
+              <a:extLst>
+                <a:ext uri="{FF2B5EF4-FFF2-40B4-BE49-F238E27FC236}">
+                  <a16:creationId xmlns:a16="http://schemas.microsoft.com/office/drawing/2014/main" id="{9B2859F6-DF1D-8C4F-A08B-0D72BB729250}"/>
+                </a:ext>
+              </a:extLst>
+            </p:cNvPr>
+            <p:cNvCxnSpPr>
+              <a:cxnSpLocks/>
+            </p:cNvCxnSpPr>
+            <p:nvPr/>
+          </p:nvCxnSpPr>
+          <p:spPr>
+            <a:xfrm flipV="1">
+              <a:off x="2366114" y="1687821"/>
+              <a:ext cx="3604380" cy="3434571"/>
+            </a:xfrm>
+            <a:prstGeom prst="line">
+              <a:avLst/>
+            </a:prstGeom>
+            <a:ln w="38100">
+              <a:solidFill>
+                <a:srgbClr val="00B050"/>
+              </a:solidFill>
+              <a:prstDash val="solid"/>
+            </a:ln>
+          </p:spPr>
+          <p:style>
+            <a:lnRef idx="1">
+              <a:schemeClr val="accent1"/>
+            </a:lnRef>
+            <a:fillRef idx="0">
+              <a:schemeClr val="accent1"/>
+            </a:fillRef>
+            <a:effectRef idx="0">
+              <a:schemeClr val="accent1"/>
+            </a:effectRef>
+            <a:fontRef idx="minor">
+              <a:schemeClr val="tx1"/>
+            </a:fontRef>
+          </p:style>
+        </p:cxnSp>
+        <p:sp>
+          <p:nvSpPr>
+            <p:cNvPr id="19" name="Freeform 18">
+              <a:extLst>
+                <a:ext uri="{FF2B5EF4-FFF2-40B4-BE49-F238E27FC236}">
+                  <a16:creationId xmlns:a16="http://schemas.microsoft.com/office/drawing/2014/main" id="{A4F6A482-8533-4F40-B81C-8B43DCA2763C}"/>
+                </a:ext>
+              </a:extLst>
+            </p:cNvPr>
+            <p:cNvSpPr/>
+            <p:nvPr/>
+          </p:nvSpPr>
+          <p:spPr>
+            <a:xfrm rot="21540000">
+              <a:off x="2407023" y="1807149"/>
+              <a:ext cx="5728447" cy="3299418"/>
+            </a:xfrm>
+            <a:custGeom>
+              <a:avLst/>
+              <a:gdLst>
+                <a:gd name="connsiteX0" fmla="*/ 0 w 5728447"/>
+                <a:gd name="connsiteY0" fmla="*/ 3281083 h 3299418"/>
+                <a:gd name="connsiteX1" fmla="*/ 833718 w 5728447"/>
+                <a:gd name="connsiteY1" fmla="*/ 3281083 h 3299418"/>
+                <a:gd name="connsiteX2" fmla="*/ 1465730 w 5728447"/>
+                <a:gd name="connsiteY2" fmla="*/ 3294530 h 3299418"/>
+                <a:gd name="connsiteX3" fmla="*/ 1949824 w 5728447"/>
+                <a:gd name="connsiteY3" fmla="*/ 3186953 h 3299418"/>
+                <a:gd name="connsiteX4" fmla="*/ 2689412 w 5728447"/>
+                <a:gd name="connsiteY4" fmla="*/ 2918012 h 3299418"/>
+                <a:gd name="connsiteX5" fmla="*/ 3442447 w 5728447"/>
+                <a:gd name="connsiteY5" fmla="*/ 2353236 h 3299418"/>
+                <a:gd name="connsiteX6" fmla="*/ 4020671 w 5728447"/>
+                <a:gd name="connsiteY6" fmla="*/ 1748118 h 3299418"/>
+                <a:gd name="connsiteX7" fmla="*/ 5728447 w 5728447"/>
+                <a:gd name="connsiteY7" fmla="*/ 0 h 3299418"/>
+              </a:gdLst>
+              <a:ahLst/>
+              <a:cxnLst>
+                <a:cxn ang="0">
+                  <a:pos x="connsiteX0" y="connsiteY0"/>
+                </a:cxn>
+                <a:cxn ang="0">
+                  <a:pos x="connsiteX1" y="connsiteY1"/>
+                </a:cxn>
+                <a:cxn ang="0">
+                  <a:pos x="connsiteX2" y="connsiteY2"/>
+                </a:cxn>
+                <a:cxn ang="0">
+                  <a:pos x="connsiteX3" y="connsiteY3"/>
+                </a:cxn>
+                <a:cxn ang="0">
+                  <a:pos x="connsiteX4" y="connsiteY4"/>
+                </a:cxn>
+                <a:cxn ang="0">
+                  <a:pos x="connsiteX5" y="connsiteY5"/>
+                </a:cxn>
+                <a:cxn ang="0">
+                  <a:pos x="connsiteX6" y="connsiteY6"/>
+                </a:cxn>
+                <a:cxn ang="0">
+                  <a:pos x="connsiteX7" y="connsiteY7"/>
+                </a:cxn>
+              </a:cxnLst>
+              <a:rect l="l" t="t" r="r" b="b"/>
+              <a:pathLst>
+                <a:path w="5728447" h="3299418">
+                  <a:moveTo>
+                    <a:pt x="0" y="3281083"/>
+                  </a:moveTo>
+                  <a:lnTo>
+                    <a:pt x="833718" y="3281083"/>
+                  </a:lnTo>
+                  <a:cubicBezTo>
+                    <a:pt x="1078006" y="3283324"/>
+                    <a:pt x="1279712" y="3310218"/>
+                    <a:pt x="1465730" y="3294530"/>
+                  </a:cubicBezTo>
+                  <a:cubicBezTo>
+                    <a:pt x="1651748" y="3278842"/>
+                    <a:pt x="1745877" y="3249706"/>
+                    <a:pt x="1949824" y="3186953"/>
+                  </a:cubicBezTo>
+                  <a:cubicBezTo>
+                    <a:pt x="2153771" y="3124200"/>
+                    <a:pt x="2440642" y="3056965"/>
+                    <a:pt x="2689412" y="2918012"/>
+                  </a:cubicBezTo>
+                  <a:cubicBezTo>
+                    <a:pt x="2938183" y="2779059"/>
+                    <a:pt x="3220571" y="2548218"/>
+                    <a:pt x="3442447" y="2353236"/>
+                  </a:cubicBezTo>
+                  <a:cubicBezTo>
+                    <a:pt x="3664323" y="2158254"/>
+                    <a:pt x="4020671" y="1748118"/>
+                    <a:pt x="4020671" y="1748118"/>
+                  </a:cubicBezTo>
+                  <a:lnTo>
+                    <a:pt x="5728447" y="0"/>
+                  </a:lnTo>
+                </a:path>
+              </a:pathLst>
+            </a:custGeom>
+            <a:ln w="38100">
+              <a:solidFill>
+                <a:srgbClr val="FF0000"/>
+              </a:solidFill>
+            </a:ln>
+          </p:spPr>
+          <p:style>
+            <a:lnRef idx="1">
+              <a:schemeClr val="accent1"/>
+            </a:lnRef>
+            <a:fillRef idx="0">
+              <a:schemeClr val="accent1"/>
+            </a:fillRef>
+            <a:effectRef idx="0">
+              <a:schemeClr val="accent1"/>
+            </a:effectRef>
+            <a:fontRef idx="minor">
+              <a:schemeClr val="tx1"/>
+            </a:fontRef>
+          </p:style>
+          <p:txBody>
+            <a:bodyPr rtlCol="0" anchor="ctr"/>
+            <a:lstStyle/>
+            <a:p>
+              <a:pPr algn="ctr"/>
+              <a:endParaRPr lang="en-GB"/>
+            </a:p>
+          </p:txBody>
+        </p:sp>
+        <p:sp>
+          <p:nvSpPr>
+            <p:cNvPr id="20" name="Freeform 19">
+              <a:extLst>
+                <a:ext uri="{FF2B5EF4-FFF2-40B4-BE49-F238E27FC236}">
+                  <a16:creationId xmlns:a16="http://schemas.microsoft.com/office/drawing/2014/main" id="{197902AA-47D2-514A-BB1F-DF2890973866}"/>
+                </a:ext>
+              </a:extLst>
+            </p:cNvPr>
+            <p:cNvSpPr/>
+            <p:nvPr/>
+          </p:nvSpPr>
+          <p:spPr>
+            <a:xfrm>
+              <a:off x="2339788" y="2950149"/>
+              <a:ext cx="5567082" cy="2191870"/>
+            </a:xfrm>
+            <a:custGeom>
+              <a:avLst/>
+              <a:gdLst>
+                <a:gd name="connsiteX0" fmla="*/ 0 w 5567082"/>
+                <a:gd name="connsiteY0" fmla="*/ 2191870 h 2191870"/>
+                <a:gd name="connsiteX1" fmla="*/ 618565 w 5567082"/>
+                <a:gd name="connsiteY1" fmla="*/ 1640541 h 2191870"/>
+                <a:gd name="connsiteX2" fmla="*/ 1344706 w 5567082"/>
+                <a:gd name="connsiteY2" fmla="*/ 914400 h 2191870"/>
+                <a:gd name="connsiteX3" fmla="*/ 1882588 w 5567082"/>
+                <a:gd name="connsiteY3" fmla="*/ 551329 h 2191870"/>
+                <a:gd name="connsiteX4" fmla="*/ 2541494 w 5567082"/>
+                <a:gd name="connsiteY4" fmla="*/ 228600 h 2191870"/>
+                <a:gd name="connsiteX5" fmla="*/ 3092823 w 5567082"/>
+                <a:gd name="connsiteY5" fmla="*/ 94129 h 2191870"/>
+                <a:gd name="connsiteX6" fmla="*/ 3603812 w 5567082"/>
+                <a:gd name="connsiteY6" fmla="*/ 26894 h 2191870"/>
+                <a:gd name="connsiteX7" fmla="*/ 4182035 w 5567082"/>
+                <a:gd name="connsiteY7" fmla="*/ 13447 h 2191870"/>
+                <a:gd name="connsiteX8" fmla="*/ 5567082 w 5567082"/>
+                <a:gd name="connsiteY8" fmla="*/ 0 h 2191870"/>
+              </a:gdLst>
+              <a:ahLst/>
+              <a:cxnLst>
+                <a:cxn ang="0">
+                  <a:pos x="connsiteX0" y="connsiteY0"/>
+                </a:cxn>
+                <a:cxn ang="0">
+                  <a:pos x="connsiteX1" y="connsiteY1"/>
+                </a:cxn>
+                <a:cxn ang="0">
+                  <a:pos x="connsiteX2" y="connsiteY2"/>
+                </a:cxn>
+                <a:cxn ang="0">
+                  <a:pos x="connsiteX3" y="connsiteY3"/>
+                </a:cxn>
+                <a:cxn ang="0">
+                  <a:pos x="connsiteX4" y="connsiteY4"/>
+                </a:cxn>
+                <a:cxn ang="0">
+                  <a:pos x="connsiteX5" y="connsiteY5"/>
+                </a:cxn>
+                <a:cxn ang="0">
+                  <a:pos x="connsiteX6" y="connsiteY6"/>
+                </a:cxn>
+                <a:cxn ang="0">
+                  <a:pos x="connsiteX7" y="connsiteY7"/>
+                </a:cxn>
+                <a:cxn ang="0">
+                  <a:pos x="connsiteX8" y="connsiteY8"/>
+                </a:cxn>
+              </a:cxnLst>
+              <a:rect l="l" t="t" r="r" b="b"/>
+              <a:pathLst>
+                <a:path w="5567082" h="2191870">
+                  <a:moveTo>
+                    <a:pt x="0" y="2191870"/>
+                  </a:moveTo>
+                  <a:cubicBezTo>
+                    <a:pt x="197223" y="2022661"/>
+                    <a:pt x="394447" y="1853453"/>
+                    <a:pt x="618565" y="1640541"/>
+                  </a:cubicBezTo>
+                  <a:cubicBezTo>
+                    <a:pt x="842683" y="1427629"/>
+                    <a:pt x="1134036" y="1095935"/>
+                    <a:pt x="1344706" y="914400"/>
+                  </a:cubicBezTo>
+                  <a:cubicBezTo>
+                    <a:pt x="1555377" y="732865"/>
+                    <a:pt x="1683123" y="665629"/>
+                    <a:pt x="1882588" y="551329"/>
+                  </a:cubicBezTo>
+                  <a:cubicBezTo>
+                    <a:pt x="2082053" y="437029"/>
+                    <a:pt x="2339788" y="304800"/>
+                    <a:pt x="2541494" y="228600"/>
+                  </a:cubicBezTo>
+                  <a:cubicBezTo>
+                    <a:pt x="2743200" y="152400"/>
+                    <a:pt x="2915770" y="127747"/>
+                    <a:pt x="3092823" y="94129"/>
+                  </a:cubicBezTo>
+                  <a:cubicBezTo>
+                    <a:pt x="3269876" y="60511"/>
+                    <a:pt x="3422277" y="40341"/>
+                    <a:pt x="3603812" y="26894"/>
+                  </a:cubicBezTo>
+                  <a:cubicBezTo>
+                    <a:pt x="3785347" y="13447"/>
+                    <a:pt x="4182035" y="13447"/>
+                    <a:pt x="4182035" y="13447"/>
+                  </a:cubicBezTo>
+                  <a:lnTo>
+                    <a:pt x="5567082" y="0"/>
+                  </a:lnTo>
+                </a:path>
+              </a:pathLst>
+            </a:custGeom>
+            <a:ln w="38100">
+              <a:solidFill>
+                <a:srgbClr val="0070C0"/>
+              </a:solidFill>
+              <a:prstDash val="solid"/>
+            </a:ln>
+          </p:spPr>
+          <p:style>
+            <a:lnRef idx="1">
+              <a:schemeClr val="accent1"/>
+            </a:lnRef>
+            <a:fillRef idx="0">
+              <a:schemeClr val="accent1"/>
+            </a:fillRef>
+            <a:effectRef idx="0">
+              <a:schemeClr val="accent1"/>
+            </a:effectRef>
+            <a:fontRef idx="minor">
+              <a:schemeClr val="tx1"/>
+            </a:fontRef>
+          </p:style>
+          <p:txBody>
+            <a:bodyPr rtlCol="0" anchor="ctr"/>
+            <a:lstStyle/>
+            <a:p>
+              <a:pPr algn="ctr"/>
+              <a:endParaRPr lang="en-GB"/>
+            </a:p>
+          </p:txBody>
+        </p:sp>
+        <p:sp>
+          <p:nvSpPr>
+            <p:cNvPr id="23" name="Rectangle 22">
+              <a:extLst>
+                <a:ext uri="{FF2B5EF4-FFF2-40B4-BE49-F238E27FC236}">
+                  <a16:creationId xmlns:a16="http://schemas.microsoft.com/office/drawing/2014/main" id="{001ACC23-C143-0948-A2DA-EA0493FF3E87}"/>
+                </a:ext>
+              </a:extLst>
+            </p:cNvPr>
+            <p:cNvSpPr/>
+            <p:nvPr/>
+          </p:nvSpPr>
+          <p:spPr>
+            <a:xfrm>
+              <a:off x="6683188" y="303861"/>
+              <a:ext cx="1896035" cy="4609559"/>
+            </a:xfrm>
+            <a:prstGeom prst="rect">
+              <a:avLst/>
+            </a:prstGeom>
+            <a:solidFill>
+              <a:schemeClr val="bg1"/>
+            </a:solidFill>
+            <a:ln>
+              <a:noFill/>
+            </a:ln>
+          </p:spPr>
+          <p:style>
+            <a:lnRef idx="2">
+              <a:schemeClr val="accent1">
+                <a:shade val="50000"/>
+              </a:schemeClr>
+            </a:lnRef>
+            <a:fillRef idx="1">
+              <a:schemeClr val="accent1"/>
+            </a:fillRef>
+            <a:effectRef idx="0">
+              <a:schemeClr val="accent1"/>
+            </a:effectRef>
+            <a:fontRef idx="minor">
+              <a:schemeClr val="lt1"/>
+            </a:fontRef>
+          </p:style>
+          <p:txBody>
+            <a:bodyPr rtlCol="0" anchor="ctr"/>
+            <a:lstStyle/>
+            <a:p>
+              <a:pPr algn="ctr"/>
+              <a:endParaRPr lang="en-GB"/>
+            </a:p>
+          </p:txBody>
+        </p:sp>
+        <p:sp>
+          <p:nvSpPr>
+            <p:cNvPr id="24" name="TextBox 23">
+              <a:extLst>
+                <a:ext uri="{FF2B5EF4-FFF2-40B4-BE49-F238E27FC236}">
+                  <a16:creationId xmlns:a16="http://schemas.microsoft.com/office/drawing/2014/main" id="{5FF3D410-9B45-7D48-807F-ABCC7B8BF2C1}"/>
+                </a:ext>
+              </a:extLst>
+            </p:cNvPr>
+            <p:cNvSpPr txBox="1"/>
+            <p:nvPr/>
+          </p:nvSpPr>
+          <p:spPr>
+            <a:xfrm>
+              <a:off x="4643774" y="1656563"/>
+              <a:ext cx="959109" cy="369332"/>
+            </a:xfrm>
+            <a:prstGeom prst="rect">
+              <a:avLst/>
+            </a:prstGeom>
+            <a:noFill/>
+          </p:spPr>
+          <p:txBody>
+            <a:bodyPr wrap="none" rtlCol="0">
+              <a:spAutoFit/>
+            </a:bodyPr>
+            <a:lstStyle/>
+            <a:p>
+              <a:pPr algn="r">
+                <a:tabLst>
+                  <a:tab pos="887413" algn="l"/>
+                  <a:tab pos="1819275" algn="l"/>
+                  <a:tab pos="2708275" algn="l"/>
+                  <a:tab pos="3197225" algn="l"/>
+                </a:tabLst>
+              </a:pPr>
+              <a:r>
+                <a:rPr lang="en-US" b="1" dirty="0">
+                  <a:solidFill>
+                    <a:srgbClr val="00B050"/>
+                  </a:solidFill>
+                </a:rPr>
+                <a:t>filtered</a:t>
+              </a:r>
+              <a:endParaRPr lang="en-US" b="1" baseline="30000" dirty="0">
+                <a:solidFill>
+                  <a:srgbClr val="00B050"/>
+                </a:solidFill>
+              </a:endParaRPr>
+            </a:p>
+          </p:txBody>
+        </p:sp>
+        <p:sp>
+          <p:nvSpPr>
+            <p:cNvPr id="25" name="TextBox 24">
+              <a:extLst>
+                <a:ext uri="{FF2B5EF4-FFF2-40B4-BE49-F238E27FC236}">
+                  <a16:creationId xmlns:a16="http://schemas.microsoft.com/office/drawing/2014/main" id="{FCF5F39F-2856-EA46-BA58-637B53685D49}"/>
+                </a:ext>
+              </a:extLst>
+            </p:cNvPr>
+            <p:cNvSpPr txBox="1"/>
+            <p:nvPr/>
+          </p:nvSpPr>
+          <p:spPr>
+            <a:xfrm>
+              <a:off x="5656915" y="2105309"/>
+              <a:ext cx="1403141" cy="369332"/>
+            </a:xfrm>
+            <a:prstGeom prst="rect">
+              <a:avLst/>
+            </a:prstGeom>
+            <a:noFill/>
+          </p:spPr>
+          <p:txBody>
+            <a:bodyPr wrap="none" rtlCol="0">
+              <a:spAutoFit/>
+            </a:bodyPr>
+            <a:lstStyle/>
+            <a:p>
+              <a:pPr algn="r">
+                <a:tabLst>
+                  <a:tab pos="887413" algn="l"/>
+                  <a:tab pos="1819275" algn="l"/>
+                  <a:tab pos="2708275" algn="l"/>
+                  <a:tab pos="3197225" algn="l"/>
+                </a:tabLst>
+              </a:pPr>
+              <a:r>
+                <a:rPr lang="en-US" b="1" dirty="0">
+                  <a:solidFill>
+                    <a:srgbClr val="0070C0"/>
+                  </a:solidFill>
+                </a:rPr>
+                <a:t>reabsorbed</a:t>
+              </a:r>
+              <a:endParaRPr lang="en-US" b="1" baseline="30000" dirty="0">
+                <a:solidFill>
+                  <a:srgbClr val="0070C0"/>
+                </a:solidFill>
+              </a:endParaRPr>
+            </a:p>
+          </p:txBody>
+        </p:sp>
+        <p:sp>
+          <p:nvSpPr>
+            <p:cNvPr id="26" name="TextBox 25">
+              <a:extLst>
+                <a:ext uri="{FF2B5EF4-FFF2-40B4-BE49-F238E27FC236}">
+                  <a16:creationId xmlns:a16="http://schemas.microsoft.com/office/drawing/2014/main" id="{2E15A9EC-25FB-AF4E-83E2-8FDA6C3DA208}"/>
+                </a:ext>
+              </a:extLst>
+            </p:cNvPr>
+            <p:cNvSpPr txBox="1"/>
+            <p:nvPr/>
+          </p:nvSpPr>
+          <p:spPr>
+            <a:xfrm>
+              <a:off x="5677494" y="4535393"/>
+              <a:ext cx="1131592" cy="369332"/>
+            </a:xfrm>
+            <a:prstGeom prst="rect">
+              <a:avLst/>
+            </a:prstGeom>
+            <a:noFill/>
+          </p:spPr>
+          <p:txBody>
+            <a:bodyPr wrap="none" rtlCol="0">
+              <a:spAutoFit/>
+            </a:bodyPr>
+            <a:lstStyle/>
+            <a:p>
+              <a:pPr algn="r">
+                <a:tabLst>
+                  <a:tab pos="887413" algn="l"/>
+                  <a:tab pos="1819275" algn="l"/>
+                  <a:tab pos="2708275" algn="l"/>
+                  <a:tab pos="3197225" algn="l"/>
+                </a:tabLst>
+              </a:pPr>
+              <a:r>
+                <a:rPr lang="en-US" b="1" dirty="0">
+                  <a:solidFill>
+                    <a:srgbClr val="FF0000"/>
+                  </a:solidFill>
+                </a:rPr>
+                <a:t>excreted</a:t>
+              </a:r>
+              <a:endParaRPr lang="en-US" b="1" baseline="30000" dirty="0">
+                <a:solidFill>
+                  <a:srgbClr val="FF0000"/>
+                </a:solidFill>
+              </a:endParaRPr>
+            </a:p>
+          </p:txBody>
+        </p:sp>
+        <p:sp>
+          <p:nvSpPr>
+            <p:cNvPr id="27" name="TextBox 26">
+              <a:extLst>
+                <a:ext uri="{FF2B5EF4-FFF2-40B4-BE49-F238E27FC236}">
+                  <a16:creationId xmlns:a16="http://schemas.microsoft.com/office/drawing/2014/main" id="{9BCB30BD-7C1F-1D45-89A5-B32F962DB62B}"/>
+                </a:ext>
+              </a:extLst>
+            </p:cNvPr>
+            <p:cNvSpPr txBox="1"/>
+            <p:nvPr/>
+          </p:nvSpPr>
+          <p:spPr>
+            <a:xfrm>
+              <a:off x="2493676" y="2518169"/>
+              <a:ext cx="498855" cy="369332"/>
+            </a:xfrm>
+            <a:prstGeom prst="rect">
+              <a:avLst/>
+            </a:prstGeom>
+            <a:noFill/>
+          </p:spPr>
+          <p:txBody>
+            <a:bodyPr wrap="none" rtlCol="0">
+              <a:spAutoFit/>
+            </a:bodyPr>
+            <a:lstStyle/>
+            <a:p>
+              <a:pPr algn="r">
+                <a:tabLst>
+                  <a:tab pos="887413" algn="l"/>
+                  <a:tab pos="1819275" algn="l"/>
+                  <a:tab pos="2708275" algn="l"/>
+                  <a:tab pos="3197225" algn="l"/>
+                </a:tabLst>
+              </a:pPr>
+              <a:r>
+                <a:rPr lang="en-US" b="1" dirty="0">
+                  <a:solidFill>
+                    <a:schemeClr val="tx1">
+                      <a:lumMod val="50000"/>
+                      <a:lumOff val="50000"/>
+                    </a:schemeClr>
+                  </a:solidFill>
+                </a:rPr>
+                <a:t>T</a:t>
+              </a:r>
+              <a:r>
+                <a:rPr lang="en-US" b="1" baseline="-25000" dirty="0">
+                  <a:solidFill>
+                    <a:schemeClr val="tx1">
+                      <a:lumMod val="50000"/>
+                      <a:lumOff val="50000"/>
+                    </a:schemeClr>
+                  </a:solidFill>
+                </a:rPr>
+                <a:t>m</a:t>
+              </a:r>
+            </a:p>
+          </p:txBody>
+        </p:sp>
+        <p:cxnSp>
+          <p:nvCxnSpPr>
+            <p:cNvPr id="29" name="Straight Connector 28">
+              <a:extLst>
+                <a:ext uri="{FF2B5EF4-FFF2-40B4-BE49-F238E27FC236}">
+                  <a16:creationId xmlns:a16="http://schemas.microsoft.com/office/drawing/2014/main" id="{274919B4-1E62-3E43-9AAD-4024094ECBF0}"/>
+                </a:ext>
+              </a:extLst>
+            </p:cNvPr>
+            <p:cNvCxnSpPr>
+              <a:cxnSpLocks/>
+            </p:cNvCxnSpPr>
+            <p:nvPr/>
+          </p:nvCxnSpPr>
+          <p:spPr>
+            <a:xfrm flipH="1">
+              <a:off x="2366115" y="2948647"/>
+              <a:ext cx="4602295" cy="0"/>
+            </a:xfrm>
+            <a:prstGeom prst="line">
+              <a:avLst/>
+            </a:prstGeom>
+            <a:ln w="12700">
+              <a:solidFill>
+                <a:schemeClr val="tx1">
+                  <a:lumMod val="50000"/>
+                  <a:lumOff val="50000"/>
+                </a:schemeClr>
+              </a:solidFill>
+              <a:prstDash val="dash"/>
+            </a:ln>
+          </p:spPr>
+          <p:style>
+            <a:lnRef idx="1">
+              <a:schemeClr val="accent1"/>
+            </a:lnRef>
+            <a:fillRef idx="0">
+              <a:schemeClr val="accent1"/>
+            </a:fillRef>
+            <a:effectRef idx="0">
+              <a:schemeClr val="accent1"/>
+            </a:effectRef>
+            <a:fontRef idx="minor">
+              <a:schemeClr val="tx1"/>
+            </a:fontRef>
+          </p:style>
+        </p:cxnSp>
+        <p:cxnSp>
+          <p:nvCxnSpPr>
+            <p:cNvPr id="4" name="Straight Arrow Connector 3">
+              <a:extLst>
+                <a:ext uri="{FF2B5EF4-FFF2-40B4-BE49-F238E27FC236}">
+                  <a16:creationId xmlns:a16="http://schemas.microsoft.com/office/drawing/2014/main" id="{CCE5E792-9FD4-8A4C-9768-7BEEC0348EFB}"/>
+                </a:ext>
+              </a:extLst>
+            </p:cNvPr>
+            <p:cNvCxnSpPr>
+              <a:cxnSpLocks/>
+            </p:cNvCxnSpPr>
+            <p:nvPr/>
+          </p:nvCxnSpPr>
+          <p:spPr>
+            <a:xfrm flipV="1">
+              <a:off x="2366114" y="1470972"/>
+              <a:ext cx="0" cy="3664867"/>
+            </a:xfrm>
+            <a:prstGeom prst="straightConnector1">
+              <a:avLst/>
+            </a:prstGeom>
+            <a:ln w="38100">
+              <a:solidFill>
+                <a:schemeClr val="tx1"/>
+              </a:solidFill>
+              <a:tailEnd type="triangle"/>
+            </a:ln>
+          </p:spPr>
+          <p:style>
+            <a:lnRef idx="1">
+              <a:schemeClr val="accent1"/>
+            </a:lnRef>
+            <a:fillRef idx="0">
+              <a:schemeClr val="accent1"/>
+            </a:fillRef>
+            <a:effectRef idx="0">
+              <a:schemeClr val="accent1"/>
+            </a:effectRef>
+            <a:fontRef idx="minor">
+              <a:schemeClr val="tx1"/>
+            </a:fontRef>
+          </p:style>
+        </p:cxnSp>
+        <p:cxnSp>
+          <p:nvCxnSpPr>
+            <p:cNvPr id="5" name="Straight Arrow Connector 4">
+              <a:extLst>
+                <a:ext uri="{FF2B5EF4-FFF2-40B4-BE49-F238E27FC236}">
+                  <a16:creationId xmlns:a16="http://schemas.microsoft.com/office/drawing/2014/main" id="{04D59E32-07D7-A346-B4CF-2B474DFA1C41}"/>
+                </a:ext>
+              </a:extLst>
+            </p:cNvPr>
+            <p:cNvCxnSpPr>
+              <a:cxnSpLocks/>
+            </p:cNvCxnSpPr>
+            <p:nvPr/>
+          </p:nvCxnSpPr>
+          <p:spPr>
+            <a:xfrm>
+              <a:off x="2366114" y="5146092"/>
+              <a:ext cx="4532227" cy="0"/>
+            </a:xfrm>
+            <a:prstGeom prst="straightConnector1">
+              <a:avLst/>
+            </a:prstGeom>
+            <a:ln w="38100">
+              <a:solidFill>
+                <a:schemeClr val="tx1"/>
+              </a:solidFill>
+              <a:tailEnd type="triangle"/>
+            </a:ln>
+          </p:spPr>
+          <p:style>
+            <a:lnRef idx="1">
+              <a:schemeClr val="accent1"/>
+            </a:lnRef>
+            <a:fillRef idx="0">
+              <a:schemeClr val="accent1"/>
+            </a:fillRef>
+            <a:effectRef idx="0">
+              <a:schemeClr val="accent1"/>
+            </a:effectRef>
+            <a:fontRef idx="minor">
+              <a:schemeClr val="tx1"/>
+            </a:fontRef>
+          </p:style>
+        </p:cxnSp>
+      </p:grpSp>
+      <p:cxnSp>
+        <p:nvCxnSpPr>
+          <p:cNvPr id="2" name="Straight Connector 1">
+            <a:extLst>
+              <a:ext uri="{FF2B5EF4-FFF2-40B4-BE49-F238E27FC236}">
+                <a16:creationId xmlns:a16="http://schemas.microsoft.com/office/drawing/2014/main" id="{55518CEB-4CEE-14BB-27D7-30190E4C62E1}"/>
+              </a:ext>
+            </a:extLst>
+          </p:cNvPr>
+          <p:cNvCxnSpPr>
+            <a:cxnSpLocks/>
+          </p:cNvCxnSpPr>
+          <p:nvPr/>
+        </p:nvCxnSpPr>
+        <p:spPr>
+          <a:xfrm flipV="1">
+            <a:off x="4070292" y="2353364"/>
+            <a:ext cx="0" cy="2726274"/>
+          </a:xfrm>
+          <a:prstGeom prst="line">
+            <a:avLst/>
+          </a:prstGeom>
+          <a:ln w="12700">
+            <a:solidFill>
+              <a:schemeClr val="tx1">
+                <a:lumMod val="50000"/>
+                <a:lumOff val="50000"/>
+              </a:schemeClr>
+            </a:solidFill>
+            <a:prstDash val="dash"/>
+          </a:ln>
+        </p:spPr>
+        <p:style>
+          <a:lnRef idx="1">
+            <a:schemeClr val="accent1"/>
+          </a:lnRef>
+          <a:fillRef idx="0">
+            <a:schemeClr val="accent1"/>
+          </a:fillRef>
+          <a:effectRef idx="0">
+            <a:schemeClr val="accent1"/>
+          </a:effectRef>
+          <a:fontRef idx="minor">
+            <a:schemeClr val="tx1"/>
+          </a:fontRef>
+        </p:style>
+      </p:cxnSp>
+      <p:sp>
+        <p:nvSpPr>
+          <p:cNvPr id="12" name="TextBox 11">
+            <a:extLst>
+              <a:ext uri="{FF2B5EF4-FFF2-40B4-BE49-F238E27FC236}">
+                <a16:creationId xmlns:a16="http://schemas.microsoft.com/office/drawing/2014/main" id="{DE6437E1-2062-48EA-4A7E-D14A6A7F2BEF}"/>
+              </a:ext>
+            </a:extLst>
+          </p:cNvPr>
+          <p:cNvSpPr txBox="1"/>
+          <p:nvPr/>
+        </p:nvSpPr>
+        <p:spPr>
+          <a:xfrm>
+            <a:off x="3439504" y="1960749"/>
+            <a:ext cx="1205972" cy="369332"/>
+          </a:xfrm>
+          <a:prstGeom prst="rect">
+            <a:avLst/>
+          </a:prstGeom>
+          <a:noFill/>
+        </p:spPr>
+        <p:txBody>
+          <a:bodyPr wrap="none" rtlCol="0">
+            <a:spAutoFit/>
+          </a:bodyPr>
+          <a:lstStyle/>
+          <a:p>
+            <a:pPr algn="r">
+              <a:tabLst>
+                <a:tab pos="887413" algn="l"/>
+                <a:tab pos="1819275" algn="l"/>
+                <a:tab pos="2708275" algn="l"/>
+                <a:tab pos="3197225" algn="l"/>
+              </a:tabLst>
+            </a:pPr>
+            <a:r>
+              <a:rPr lang="en-US" b="1" dirty="0">
+                <a:solidFill>
+                  <a:schemeClr val="tx1">
+                    <a:lumMod val="50000"/>
+                    <a:lumOff val="50000"/>
+                  </a:schemeClr>
+                </a:solidFill>
+              </a:rPr>
+              <a:t>threshold</a:t>
+            </a:r>
+            <a:endParaRPr lang="en-US" b="1" baseline="-25000" dirty="0">
+              <a:solidFill>
+                <a:schemeClr val="tx1">
+                  <a:lumMod val="50000"/>
+                  <a:lumOff val="50000"/>
+                </a:schemeClr>
+              </a:solidFill>
+            </a:endParaRPr>
+          </a:p>
+        </p:txBody>
+      </p:sp>
+    </p:spTree>
+    <p:extLst>
+      <p:ext uri="{BB962C8B-B14F-4D97-AF65-F5344CB8AC3E}">
+        <p14:creationId xmlns:p14="http://schemas.microsoft.com/office/powerpoint/2010/main" val="4194734517"/>
+      </p:ext>
+    </p:extLst>
+  </p:cSld>
+  <p:clrMapOvr>
+    <a:masterClrMapping/>
+  </p:clrMapOvr>
+</p:sld>
+</file>
+
+<file path=ppt/slides/slide17.xml><?xml version="1.0" encoding="utf-8"?>
+<p:sld xmlns:a="http://schemas.openxmlformats.org/drawingml/2006/main" xmlns:r="http://schemas.openxmlformats.org/officeDocument/2006/relationships" xmlns:p="http://schemas.openxmlformats.org/presentationml/2006/main">
+  <p:cSld>
+    <p:spTree>
+      <p:nvGrpSpPr>
+        <p:cNvPr id="1" name=""/>
+        <p:cNvGrpSpPr/>
+        <p:nvPr/>
+      </p:nvGrpSpPr>
+      <p:grpSpPr>
+        <a:xfrm>
+          <a:off x="0" y="0"/>
+          <a:ext cx="0" cy="0"/>
+          <a:chOff x="0" y="0"/>
+          <a:chExt cx="0" cy="0"/>
+        </a:xfrm>
+      </p:grpSpPr>
+      <p:cxnSp>
+        <p:nvCxnSpPr>
+          <p:cNvPr id="87" name="Straight Connector 86">
+            <a:extLst>
+              <a:ext uri="{FF2B5EF4-FFF2-40B4-BE49-F238E27FC236}">
+                <a16:creationId xmlns:a16="http://schemas.microsoft.com/office/drawing/2014/main" id="{ED2C04DD-6FAA-065E-A191-57C431EE00F1}"/>
+              </a:ext>
+            </a:extLst>
+          </p:cNvPr>
+          <p:cNvCxnSpPr>
+            <a:cxnSpLocks/>
+          </p:cNvCxnSpPr>
+          <p:nvPr/>
+        </p:nvCxnSpPr>
+        <p:spPr>
+          <a:xfrm>
+            <a:off x="2048522" y="1104958"/>
+            <a:ext cx="4748239" cy="0"/>
+          </a:xfrm>
+          <a:prstGeom prst="line">
+            <a:avLst/>
+          </a:prstGeom>
+          <a:ln>
+            <a:solidFill>
+              <a:srgbClr val="FF0000"/>
+            </a:solidFill>
+            <a:prstDash val="sysDot"/>
+          </a:ln>
+        </p:spPr>
+        <p:style>
+          <a:lnRef idx="1">
+            <a:schemeClr val="accent1"/>
+          </a:lnRef>
+          <a:fillRef idx="0">
+            <a:schemeClr val="accent1"/>
+          </a:fillRef>
+          <a:effectRef idx="0">
+            <a:schemeClr val="accent1"/>
+          </a:effectRef>
+          <a:fontRef idx="minor">
+            <a:schemeClr val="tx1"/>
+          </a:fontRef>
+        </p:style>
+      </p:cxnSp>
+      <p:sp>
+        <p:nvSpPr>
+          <p:cNvPr id="37" name="Freeform 36">
+            <a:extLst>
+              <a:ext uri="{FF2B5EF4-FFF2-40B4-BE49-F238E27FC236}">
+                <a16:creationId xmlns:a16="http://schemas.microsoft.com/office/drawing/2014/main" id="{B49001CD-A1DC-8141-7C50-E87452BE33DB}"/>
+              </a:ext>
+            </a:extLst>
+          </p:cNvPr>
+          <p:cNvSpPr/>
+          <p:nvPr/>
+        </p:nvSpPr>
+        <p:spPr>
+          <a:xfrm>
+            <a:off x="1937212" y="499668"/>
+            <a:ext cx="5690943" cy="2080575"/>
+          </a:xfrm>
+          <a:custGeom>
+            <a:avLst/>
+            <a:gdLst>
+              <a:gd name="connsiteX0" fmla="*/ 4533811 w 5690943"/>
+              <a:gd name="connsiteY0" fmla="*/ 1954407 h 2080575"/>
+              <a:gd name="connsiteX1" fmla="*/ 4133118 w 5690943"/>
+              <a:gd name="connsiteY1" fmla="*/ 1954407 h 2080575"/>
+              <a:gd name="connsiteX2" fmla="*/ 3547491 w 5690943"/>
+              <a:gd name="connsiteY2" fmla="*/ 1964681 h 2080575"/>
+              <a:gd name="connsiteX3" fmla="*/ 3044058 w 5690943"/>
+              <a:gd name="connsiteY3" fmla="*/ 1913310 h 2080575"/>
+              <a:gd name="connsiteX4" fmla="*/ 2776930 w 5690943"/>
+              <a:gd name="connsiteY4" fmla="*/ 1779746 h 2080575"/>
+              <a:gd name="connsiteX5" fmla="*/ 2294044 w 5690943"/>
+              <a:gd name="connsiteY5" fmla="*/ 1204393 h 2080575"/>
+              <a:gd name="connsiteX6" fmla="*/ 1975545 w 5690943"/>
+              <a:gd name="connsiteY6" fmla="*/ 700960 h 2080575"/>
+              <a:gd name="connsiteX7" fmla="*/ 1585127 w 5690943"/>
+              <a:gd name="connsiteY7" fmla="*/ 320816 h 2080575"/>
+              <a:gd name="connsiteX8" fmla="*/ 1246080 w 5690943"/>
+              <a:gd name="connsiteY8" fmla="*/ 94784 h 2080575"/>
+              <a:gd name="connsiteX9" fmla="*/ 814566 w 5690943"/>
+              <a:gd name="connsiteY9" fmla="*/ 12591 h 2080575"/>
+              <a:gd name="connsiteX10" fmla="*/ 208390 w 5690943"/>
+              <a:gd name="connsiteY10" fmla="*/ 2317 h 2080575"/>
+              <a:gd name="connsiteX11" fmla="*/ 2907 w 5690943"/>
+              <a:gd name="connsiteY11" fmla="*/ 33139 h 2080575"/>
+              <a:gd name="connsiteX12" fmla="*/ 105649 w 5690943"/>
+              <a:gd name="connsiteY12" fmla="*/ 84510 h 2080575"/>
+              <a:gd name="connsiteX13" fmla="*/ 352228 w 5690943"/>
+              <a:gd name="connsiteY13" fmla="*/ 105058 h 2080575"/>
+              <a:gd name="connsiteX14" fmla="*/ 763195 w 5690943"/>
+              <a:gd name="connsiteY14" fmla="*/ 115333 h 2080575"/>
+              <a:gd name="connsiteX15" fmla="*/ 1112516 w 5690943"/>
+              <a:gd name="connsiteY15" fmla="*/ 156429 h 2080575"/>
+              <a:gd name="connsiteX16" fmla="*/ 1389918 w 5690943"/>
+              <a:gd name="connsiteY16" fmla="*/ 351638 h 2080575"/>
+              <a:gd name="connsiteX17" fmla="*/ 1677595 w 5690943"/>
+              <a:gd name="connsiteY17" fmla="*/ 629040 h 2080575"/>
+              <a:gd name="connsiteX18" fmla="*/ 1996094 w 5690943"/>
+              <a:gd name="connsiteY18" fmla="*/ 1081103 h 2080575"/>
+              <a:gd name="connsiteX19" fmla="*/ 2252948 w 5690943"/>
+              <a:gd name="connsiteY19" fmla="*/ 1502344 h 2080575"/>
+              <a:gd name="connsiteX20" fmla="*/ 2561172 w 5690943"/>
+              <a:gd name="connsiteY20" fmla="*/ 1831117 h 2080575"/>
+              <a:gd name="connsiteX21" fmla="*/ 2889945 w 5690943"/>
+              <a:gd name="connsiteY21" fmla="*/ 2016052 h 2080575"/>
+              <a:gd name="connsiteX22" fmla="*/ 3311186 w 5690943"/>
+              <a:gd name="connsiteY22" fmla="*/ 2026326 h 2080575"/>
+              <a:gd name="connsiteX23" fmla="*/ 3681055 w 5690943"/>
+              <a:gd name="connsiteY23" fmla="*/ 2046874 h 2080575"/>
+              <a:gd name="connsiteX24" fmla="*/ 4020103 w 5690943"/>
+              <a:gd name="connsiteY24" fmla="*/ 2057148 h 2080575"/>
+              <a:gd name="connsiteX25" fmla="*/ 4451617 w 5690943"/>
+              <a:gd name="connsiteY25" fmla="*/ 2057148 h 2080575"/>
+              <a:gd name="connsiteX26" fmla="*/ 5057793 w 5690943"/>
+              <a:gd name="connsiteY26" fmla="*/ 2057148 h 2080575"/>
+              <a:gd name="connsiteX27" fmla="*/ 5622871 w 5690943"/>
+              <a:gd name="connsiteY27" fmla="*/ 2077697 h 2080575"/>
+              <a:gd name="connsiteX28" fmla="*/ 5633145 w 5690943"/>
+              <a:gd name="connsiteY28" fmla="*/ 1985229 h 2080575"/>
+              <a:gd name="connsiteX29" fmla="*/ 5191357 w 5690943"/>
+              <a:gd name="connsiteY29" fmla="*/ 1964681 h 2080575"/>
+              <a:gd name="connsiteX30" fmla="*/ 4718745 w 5690943"/>
+              <a:gd name="connsiteY30" fmla="*/ 1954407 h 2080575"/>
+              <a:gd name="connsiteX31" fmla="*/ 4533811 w 5690943"/>
+              <a:gd name="connsiteY31" fmla="*/ 1954407 h 2080575"/>
+            </a:gdLst>
+            <a:ahLst/>
+            <a:cxnLst>
+              <a:cxn ang="0">
+                <a:pos x="connsiteX0" y="connsiteY0"/>
+              </a:cxn>
+              <a:cxn ang="0">
+                <a:pos x="connsiteX1" y="connsiteY1"/>
+              </a:cxn>
+              <a:cxn ang="0">
+                <a:pos x="connsiteX2" y="connsiteY2"/>
+              </a:cxn>
+              <a:cxn ang="0">
+                <a:pos x="connsiteX3" y="connsiteY3"/>
+              </a:cxn>
+              <a:cxn ang="0">
+                <a:pos x="connsiteX4" y="connsiteY4"/>
+              </a:cxn>
+              <a:cxn ang="0">
+                <a:pos x="connsiteX5" y="connsiteY5"/>
+              </a:cxn>
+              <a:cxn ang="0">
+                <a:pos x="connsiteX6" y="connsiteY6"/>
+              </a:cxn>
+              <a:cxn ang="0">
+                <a:pos x="connsiteX7" y="connsiteY7"/>
+              </a:cxn>
+              <a:cxn ang="0">
+                <a:pos x="connsiteX8" y="connsiteY8"/>
+              </a:cxn>
+              <a:cxn ang="0">
+                <a:pos x="connsiteX9" y="connsiteY9"/>
+              </a:cxn>
+              <a:cxn ang="0">
+                <a:pos x="connsiteX10" y="connsiteY10"/>
+              </a:cxn>
+              <a:cxn ang="0">
+                <a:pos x="connsiteX11" y="connsiteY11"/>
+              </a:cxn>
+              <a:cxn ang="0">
+                <a:pos x="connsiteX12" y="connsiteY12"/>
+              </a:cxn>
+              <a:cxn ang="0">
+                <a:pos x="connsiteX13" y="connsiteY13"/>
+              </a:cxn>
+              <a:cxn ang="0">
+                <a:pos x="connsiteX14" y="connsiteY14"/>
+              </a:cxn>
+              <a:cxn ang="0">
+                <a:pos x="connsiteX15" y="connsiteY15"/>
+              </a:cxn>
+              <a:cxn ang="0">
+                <a:pos x="connsiteX16" y="connsiteY16"/>
+              </a:cxn>
+              <a:cxn ang="0">
+                <a:pos x="connsiteX17" y="connsiteY17"/>
+              </a:cxn>
+              <a:cxn ang="0">
+                <a:pos x="connsiteX18" y="connsiteY18"/>
+              </a:cxn>
+              <a:cxn ang="0">
+                <a:pos x="connsiteX19" y="connsiteY19"/>
+              </a:cxn>
+              <a:cxn ang="0">
+                <a:pos x="connsiteX20" y="connsiteY20"/>
+              </a:cxn>
+              <a:cxn ang="0">
+                <a:pos x="connsiteX21" y="connsiteY21"/>
+              </a:cxn>
+              <a:cxn ang="0">
+                <a:pos x="connsiteX22" y="connsiteY22"/>
+              </a:cxn>
+              <a:cxn ang="0">
+                <a:pos x="connsiteX23" y="connsiteY23"/>
+              </a:cxn>
+              <a:cxn ang="0">
+                <a:pos x="connsiteX24" y="connsiteY24"/>
+              </a:cxn>
+              <a:cxn ang="0">
+                <a:pos x="connsiteX25" y="connsiteY25"/>
+              </a:cxn>
+              <a:cxn ang="0">
+                <a:pos x="connsiteX26" y="connsiteY26"/>
+              </a:cxn>
+              <a:cxn ang="0">
+                <a:pos x="connsiteX27" y="connsiteY27"/>
+              </a:cxn>
+              <a:cxn ang="0">
+                <a:pos x="connsiteX28" y="connsiteY28"/>
+              </a:cxn>
+              <a:cxn ang="0">
+                <a:pos x="connsiteX29" y="connsiteY29"/>
+              </a:cxn>
+              <a:cxn ang="0">
+                <a:pos x="connsiteX30" y="connsiteY30"/>
+              </a:cxn>
+              <a:cxn ang="0">
+                <a:pos x="connsiteX31" y="connsiteY31"/>
+              </a:cxn>
+            </a:cxnLst>
+            <a:rect l="l" t="t" r="r" b="b"/>
+            <a:pathLst>
+              <a:path w="5690943" h="2080575">
+                <a:moveTo>
+                  <a:pt x="4533811" y="1954407"/>
+                </a:moveTo>
+                <a:lnTo>
+                  <a:pt x="4133118" y="1954407"/>
+                </a:lnTo>
+                <a:cubicBezTo>
+                  <a:pt x="3968731" y="1956119"/>
+                  <a:pt x="3729001" y="1971531"/>
+                  <a:pt x="3547491" y="1964681"/>
+                </a:cubicBezTo>
+                <a:cubicBezTo>
+                  <a:pt x="3365981" y="1957831"/>
+                  <a:pt x="3172485" y="1944132"/>
+                  <a:pt x="3044058" y="1913310"/>
+                </a:cubicBezTo>
+                <a:cubicBezTo>
+                  <a:pt x="2915631" y="1882488"/>
+                  <a:pt x="2901932" y="1897899"/>
+                  <a:pt x="2776930" y="1779746"/>
+                </a:cubicBezTo>
+                <a:cubicBezTo>
+                  <a:pt x="2651928" y="1661593"/>
+                  <a:pt x="2427608" y="1384191"/>
+                  <a:pt x="2294044" y="1204393"/>
+                </a:cubicBezTo>
+                <a:cubicBezTo>
+                  <a:pt x="2160480" y="1024595"/>
+                  <a:pt x="2093698" y="848223"/>
+                  <a:pt x="1975545" y="700960"/>
+                </a:cubicBezTo>
+                <a:cubicBezTo>
+                  <a:pt x="1857392" y="553697"/>
+                  <a:pt x="1706704" y="421845"/>
+                  <a:pt x="1585127" y="320816"/>
+                </a:cubicBezTo>
+                <a:cubicBezTo>
+                  <a:pt x="1463549" y="219787"/>
+                  <a:pt x="1374507" y="146155"/>
+                  <a:pt x="1246080" y="94784"/>
+                </a:cubicBezTo>
+                <a:cubicBezTo>
+                  <a:pt x="1117653" y="43413"/>
+                  <a:pt x="987514" y="28002"/>
+                  <a:pt x="814566" y="12591"/>
+                </a:cubicBezTo>
+                <a:cubicBezTo>
+                  <a:pt x="641618" y="-2820"/>
+                  <a:pt x="343666" y="-1108"/>
+                  <a:pt x="208390" y="2317"/>
+                </a:cubicBezTo>
+                <a:cubicBezTo>
+                  <a:pt x="73114" y="5742"/>
+                  <a:pt x="20030" y="19440"/>
+                  <a:pt x="2907" y="33139"/>
+                </a:cubicBezTo>
+                <a:cubicBezTo>
+                  <a:pt x="-14216" y="46838"/>
+                  <a:pt x="47429" y="72523"/>
+                  <a:pt x="105649" y="84510"/>
+                </a:cubicBezTo>
+                <a:cubicBezTo>
+                  <a:pt x="163869" y="96496"/>
+                  <a:pt x="242637" y="99921"/>
+                  <a:pt x="352228" y="105058"/>
+                </a:cubicBezTo>
+                <a:cubicBezTo>
+                  <a:pt x="461819" y="110195"/>
+                  <a:pt x="636480" y="106771"/>
+                  <a:pt x="763195" y="115333"/>
+                </a:cubicBezTo>
+                <a:cubicBezTo>
+                  <a:pt x="889910" y="123895"/>
+                  <a:pt x="1008062" y="117045"/>
+                  <a:pt x="1112516" y="156429"/>
+                </a:cubicBezTo>
+                <a:cubicBezTo>
+                  <a:pt x="1216970" y="195813"/>
+                  <a:pt x="1295738" y="272870"/>
+                  <a:pt x="1389918" y="351638"/>
+                </a:cubicBezTo>
+                <a:cubicBezTo>
+                  <a:pt x="1484098" y="430406"/>
+                  <a:pt x="1576566" y="507462"/>
+                  <a:pt x="1677595" y="629040"/>
+                </a:cubicBezTo>
+                <a:cubicBezTo>
+                  <a:pt x="1778624" y="750617"/>
+                  <a:pt x="1900202" y="935552"/>
+                  <a:pt x="1996094" y="1081103"/>
+                </a:cubicBezTo>
+                <a:cubicBezTo>
+                  <a:pt x="2091986" y="1226654"/>
+                  <a:pt x="2158768" y="1377342"/>
+                  <a:pt x="2252948" y="1502344"/>
+                </a:cubicBezTo>
+                <a:cubicBezTo>
+                  <a:pt x="2347128" y="1627346"/>
+                  <a:pt x="2455006" y="1745499"/>
+                  <a:pt x="2561172" y="1831117"/>
+                </a:cubicBezTo>
+                <a:cubicBezTo>
+                  <a:pt x="2667338" y="1916735"/>
+                  <a:pt x="2764943" y="1983517"/>
+                  <a:pt x="2889945" y="2016052"/>
+                </a:cubicBezTo>
+                <a:cubicBezTo>
+                  <a:pt x="3014947" y="2048587"/>
+                  <a:pt x="3179334" y="2021189"/>
+                  <a:pt x="3311186" y="2026326"/>
+                </a:cubicBezTo>
+                <a:cubicBezTo>
+                  <a:pt x="3443038" y="2031463"/>
+                  <a:pt x="3562902" y="2041737"/>
+                  <a:pt x="3681055" y="2046874"/>
+                </a:cubicBezTo>
+                <a:cubicBezTo>
+                  <a:pt x="3799208" y="2052011"/>
+                  <a:pt x="3891676" y="2055436"/>
+                  <a:pt x="4020103" y="2057148"/>
+                </a:cubicBezTo>
+                <a:cubicBezTo>
+                  <a:pt x="4148530" y="2058860"/>
+                  <a:pt x="4451617" y="2057148"/>
+                  <a:pt x="4451617" y="2057148"/>
+                </a:cubicBezTo>
+                <a:lnTo>
+                  <a:pt x="5057793" y="2057148"/>
+                </a:lnTo>
+                <a:cubicBezTo>
+                  <a:pt x="5253002" y="2060573"/>
+                  <a:pt x="5526979" y="2089683"/>
+                  <a:pt x="5622871" y="2077697"/>
+                </a:cubicBezTo>
+                <a:cubicBezTo>
+                  <a:pt x="5718763" y="2065711"/>
+                  <a:pt x="5705064" y="2004065"/>
+                  <a:pt x="5633145" y="1985229"/>
+                </a:cubicBezTo>
+                <a:cubicBezTo>
+                  <a:pt x="5561226" y="1966393"/>
+                  <a:pt x="5343757" y="1969818"/>
+                  <a:pt x="5191357" y="1964681"/>
+                </a:cubicBezTo>
+                <a:cubicBezTo>
+                  <a:pt x="5038957" y="1959544"/>
+                  <a:pt x="4830048" y="1956119"/>
+                  <a:pt x="4718745" y="1954407"/>
+                </a:cubicBezTo>
+                <a:cubicBezTo>
+                  <a:pt x="4607442" y="1952695"/>
+                  <a:pt x="4631415" y="1954407"/>
+                  <a:pt x="4533811" y="1954407"/>
+                </a:cubicBezTo>
+                <a:close/>
+              </a:path>
+            </a:pathLst>
+          </a:custGeom>
+          <a:solidFill>
+            <a:srgbClr val="000000">
+              <a:alpha val="50196"/>
+            </a:srgbClr>
+          </a:solidFill>
+          <a:ln>
+            <a:noFill/>
+          </a:ln>
+        </p:spPr>
+        <p:style>
+          <a:lnRef idx="2">
+            <a:schemeClr val="accent1">
+              <a:shade val="15000"/>
+            </a:schemeClr>
+          </a:lnRef>
+          <a:fillRef idx="1">
+            <a:schemeClr val="accent1"/>
+          </a:fillRef>
+          <a:effectRef idx="0">
+            <a:schemeClr val="accent1"/>
+          </a:effectRef>
+          <a:fontRef idx="minor">
+            <a:schemeClr val="lt1"/>
+          </a:fontRef>
+        </p:style>
+        <p:txBody>
+          <a:bodyPr rtlCol="0" anchor="ctr"/>
+          <a:lstStyle/>
+          <a:p>
+            <a:pPr algn="ctr"/>
+            <a:endParaRPr lang="en-US" dirty="0"/>
+          </a:p>
+        </p:txBody>
+      </p:sp>
+      <p:sp>
+        <p:nvSpPr>
+          <p:cNvPr id="84" name="Freeform 83">
+            <a:extLst>
+              <a:ext uri="{FF2B5EF4-FFF2-40B4-BE49-F238E27FC236}">
+                <a16:creationId xmlns:a16="http://schemas.microsoft.com/office/drawing/2014/main" id="{BB8DB68C-BA6C-2195-EFDF-F90431038565}"/>
+              </a:ext>
+            </a:extLst>
+          </p:cNvPr>
+          <p:cNvSpPr/>
+          <p:nvPr/>
+        </p:nvSpPr>
+        <p:spPr>
+          <a:xfrm>
+            <a:off x="1941816" y="725660"/>
+            <a:ext cx="3042885" cy="1863592"/>
+          </a:xfrm>
+          <a:custGeom>
+            <a:avLst/>
+            <a:gdLst>
+              <a:gd name="connsiteX0" fmla="*/ 2887038 w 3042885"/>
+              <a:gd name="connsiteY0" fmla="*/ 1791509 h 1863592"/>
+              <a:gd name="connsiteX1" fmla="*/ 3010328 w 3042885"/>
+              <a:gd name="connsiteY1" fmla="*/ 1801783 h 1863592"/>
+              <a:gd name="connsiteX2" fmla="*/ 3010328 w 3042885"/>
+              <a:gd name="connsiteY2" fmla="*/ 1842879 h 1863592"/>
+              <a:gd name="connsiteX3" fmla="*/ 2640458 w 3042885"/>
+              <a:gd name="connsiteY3" fmla="*/ 1863428 h 1863592"/>
+              <a:gd name="connsiteX4" fmla="*/ 2291137 w 3042885"/>
+              <a:gd name="connsiteY4" fmla="*/ 1832605 h 1863592"/>
+              <a:gd name="connsiteX5" fmla="*/ 1880171 w 3042885"/>
+              <a:gd name="connsiteY5" fmla="*/ 1832605 h 1863592"/>
+              <a:gd name="connsiteX6" fmla="*/ 1541123 w 3042885"/>
+              <a:gd name="connsiteY6" fmla="*/ 1657944 h 1863592"/>
+              <a:gd name="connsiteX7" fmla="*/ 1335640 w 3042885"/>
+              <a:gd name="connsiteY7" fmla="*/ 1390816 h 1863592"/>
+              <a:gd name="connsiteX8" fmla="*/ 986319 w 3042885"/>
+              <a:gd name="connsiteY8" fmla="*/ 928479 h 1863592"/>
+              <a:gd name="connsiteX9" fmla="*/ 523982 w 3042885"/>
+              <a:gd name="connsiteY9" fmla="*/ 445594 h 1863592"/>
+              <a:gd name="connsiteX10" fmla="*/ 154112 w 3042885"/>
+              <a:gd name="connsiteY10" fmla="*/ 199014 h 1863592"/>
+              <a:gd name="connsiteX11" fmla="*/ 0 w 3042885"/>
+              <a:gd name="connsiteY11" fmla="*/ 65450 h 1863592"/>
+              <a:gd name="connsiteX12" fmla="*/ 154112 w 3042885"/>
+              <a:gd name="connsiteY12" fmla="*/ 3805 h 1863592"/>
+              <a:gd name="connsiteX13" fmla="*/ 431514 w 3042885"/>
+              <a:gd name="connsiteY13" fmla="*/ 24353 h 1863592"/>
+              <a:gd name="connsiteX14" fmla="*/ 811658 w 3042885"/>
+              <a:gd name="connsiteY14" fmla="*/ 168192 h 1863592"/>
+              <a:gd name="connsiteX15" fmla="*/ 1232899 w 3042885"/>
+              <a:gd name="connsiteY15" fmla="*/ 620255 h 1863592"/>
+              <a:gd name="connsiteX16" fmla="*/ 1571946 w 3042885"/>
+              <a:gd name="connsiteY16" fmla="*/ 1164785 h 1863592"/>
+              <a:gd name="connsiteX17" fmla="*/ 1952090 w 3042885"/>
+              <a:gd name="connsiteY17" fmla="*/ 1647670 h 1863592"/>
+              <a:gd name="connsiteX18" fmla="*/ 2393878 w 3042885"/>
+              <a:gd name="connsiteY18" fmla="*/ 1760686 h 1863592"/>
+              <a:gd name="connsiteX19" fmla="*/ 2887038 w 3042885"/>
+              <a:gd name="connsiteY19" fmla="*/ 1791509 h 1863592"/>
+            </a:gdLst>
+            <a:ahLst/>
+            <a:cxnLst>
+              <a:cxn ang="0">
+                <a:pos x="connsiteX0" y="connsiteY0"/>
+              </a:cxn>
+              <a:cxn ang="0">
+                <a:pos x="connsiteX1" y="connsiteY1"/>
+              </a:cxn>
+              <a:cxn ang="0">
+                <a:pos x="connsiteX2" y="connsiteY2"/>
+              </a:cxn>
+              <a:cxn ang="0">
+                <a:pos x="connsiteX3" y="connsiteY3"/>
+              </a:cxn>
+              <a:cxn ang="0">
+                <a:pos x="connsiteX4" y="connsiteY4"/>
+              </a:cxn>
+              <a:cxn ang="0">
+                <a:pos x="connsiteX5" y="connsiteY5"/>
+              </a:cxn>
+              <a:cxn ang="0">
+                <a:pos x="connsiteX6" y="connsiteY6"/>
+              </a:cxn>
+              <a:cxn ang="0">
+                <a:pos x="connsiteX7" y="connsiteY7"/>
+              </a:cxn>
+              <a:cxn ang="0">
+                <a:pos x="connsiteX8" y="connsiteY8"/>
+              </a:cxn>
+              <a:cxn ang="0">
+                <a:pos x="connsiteX9" y="connsiteY9"/>
+              </a:cxn>
+              <a:cxn ang="0">
+                <a:pos x="connsiteX10" y="connsiteY10"/>
+              </a:cxn>
+              <a:cxn ang="0">
+                <a:pos x="connsiteX11" y="connsiteY11"/>
+              </a:cxn>
+              <a:cxn ang="0">
+                <a:pos x="connsiteX12" y="connsiteY12"/>
+              </a:cxn>
+              <a:cxn ang="0">
+                <a:pos x="connsiteX13" y="connsiteY13"/>
+              </a:cxn>
+              <a:cxn ang="0">
+                <a:pos x="connsiteX14" y="connsiteY14"/>
+              </a:cxn>
+              <a:cxn ang="0">
+                <a:pos x="connsiteX15" y="connsiteY15"/>
+              </a:cxn>
+              <a:cxn ang="0">
+                <a:pos x="connsiteX16" y="connsiteY16"/>
+              </a:cxn>
+              <a:cxn ang="0">
+                <a:pos x="connsiteX17" y="connsiteY17"/>
+              </a:cxn>
+              <a:cxn ang="0">
+                <a:pos x="connsiteX18" y="connsiteY18"/>
+              </a:cxn>
+              <a:cxn ang="0">
+                <a:pos x="connsiteX19" y="connsiteY19"/>
+              </a:cxn>
+            </a:cxnLst>
+            <a:rect l="l" t="t" r="r" b="b"/>
+            <a:pathLst>
+              <a:path w="3042885" h="1863592">
+                <a:moveTo>
+                  <a:pt x="2887038" y="1791509"/>
+                </a:moveTo>
+                <a:cubicBezTo>
+                  <a:pt x="2989780" y="1798359"/>
+                  <a:pt x="3010328" y="1801783"/>
+                  <a:pt x="3010328" y="1801783"/>
+                </a:cubicBezTo>
+                <a:cubicBezTo>
+                  <a:pt x="3030876" y="1810345"/>
+                  <a:pt x="3071973" y="1832605"/>
+                  <a:pt x="3010328" y="1842879"/>
+                </a:cubicBezTo>
+                <a:cubicBezTo>
+                  <a:pt x="2948683" y="1853153"/>
+                  <a:pt x="2760323" y="1865140"/>
+                  <a:pt x="2640458" y="1863428"/>
+                </a:cubicBezTo>
+                <a:cubicBezTo>
+                  <a:pt x="2520593" y="1861716"/>
+                  <a:pt x="2417851" y="1837742"/>
+                  <a:pt x="2291137" y="1832605"/>
+                </a:cubicBezTo>
+                <a:cubicBezTo>
+                  <a:pt x="2164422" y="1827468"/>
+                  <a:pt x="2005173" y="1861715"/>
+                  <a:pt x="1880171" y="1832605"/>
+                </a:cubicBezTo>
+                <a:cubicBezTo>
+                  <a:pt x="1755169" y="1803495"/>
+                  <a:pt x="1631878" y="1731575"/>
+                  <a:pt x="1541123" y="1657944"/>
+                </a:cubicBezTo>
+                <a:cubicBezTo>
+                  <a:pt x="1450368" y="1584313"/>
+                  <a:pt x="1335640" y="1390816"/>
+                  <a:pt x="1335640" y="1390816"/>
+                </a:cubicBezTo>
+                <a:cubicBezTo>
+                  <a:pt x="1243173" y="1269238"/>
+                  <a:pt x="1121595" y="1086016"/>
+                  <a:pt x="986319" y="928479"/>
+                </a:cubicBezTo>
+                <a:cubicBezTo>
+                  <a:pt x="851043" y="770942"/>
+                  <a:pt x="662683" y="567171"/>
+                  <a:pt x="523982" y="445594"/>
+                </a:cubicBezTo>
+                <a:cubicBezTo>
+                  <a:pt x="385281" y="324017"/>
+                  <a:pt x="241442" y="262371"/>
+                  <a:pt x="154112" y="199014"/>
+                </a:cubicBezTo>
+                <a:cubicBezTo>
+                  <a:pt x="66782" y="135657"/>
+                  <a:pt x="0" y="97985"/>
+                  <a:pt x="0" y="65450"/>
+                </a:cubicBezTo>
+                <a:cubicBezTo>
+                  <a:pt x="0" y="32915"/>
+                  <a:pt x="82193" y="10654"/>
+                  <a:pt x="154112" y="3805"/>
+                </a:cubicBezTo>
+                <a:cubicBezTo>
+                  <a:pt x="226031" y="-3044"/>
+                  <a:pt x="321923" y="-3045"/>
+                  <a:pt x="431514" y="24353"/>
+                </a:cubicBezTo>
+                <a:cubicBezTo>
+                  <a:pt x="541105" y="51751"/>
+                  <a:pt x="678094" y="68875"/>
+                  <a:pt x="811658" y="168192"/>
+                </a:cubicBezTo>
+                <a:cubicBezTo>
+                  <a:pt x="945222" y="267509"/>
+                  <a:pt x="1106184" y="454156"/>
+                  <a:pt x="1232899" y="620255"/>
+                </a:cubicBezTo>
+                <a:cubicBezTo>
+                  <a:pt x="1359614" y="786354"/>
+                  <a:pt x="1452081" y="993549"/>
+                  <a:pt x="1571946" y="1164785"/>
+                </a:cubicBezTo>
+                <a:cubicBezTo>
+                  <a:pt x="1691811" y="1336021"/>
+                  <a:pt x="1815101" y="1548353"/>
+                  <a:pt x="1952090" y="1647670"/>
+                </a:cubicBezTo>
+                <a:cubicBezTo>
+                  <a:pt x="2089079" y="1746987"/>
+                  <a:pt x="2239766" y="1738425"/>
+                  <a:pt x="2393878" y="1760686"/>
+                </a:cubicBezTo>
+                <a:cubicBezTo>
+                  <a:pt x="2547990" y="1782947"/>
+                  <a:pt x="2784296" y="1784659"/>
+                  <a:pt x="2887038" y="1791509"/>
+                </a:cubicBezTo>
+                <a:close/>
+              </a:path>
+            </a:pathLst>
+          </a:custGeom>
+          <a:solidFill>
+            <a:srgbClr val="0070C0">
+              <a:alpha val="50196"/>
+            </a:srgbClr>
+          </a:solidFill>
+          <a:ln>
+            <a:noFill/>
+          </a:ln>
+        </p:spPr>
+        <p:style>
+          <a:lnRef idx="2">
+            <a:schemeClr val="accent1">
+              <a:shade val="15000"/>
+            </a:schemeClr>
+          </a:lnRef>
+          <a:fillRef idx="1">
+            <a:schemeClr val="accent1"/>
+          </a:fillRef>
+          <a:effectRef idx="0">
+            <a:schemeClr val="accent1"/>
+          </a:effectRef>
+          <a:fontRef idx="minor">
+            <a:schemeClr val="lt1"/>
+          </a:fontRef>
+        </p:style>
+        <p:txBody>
+          <a:bodyPr rtlCol="0" anchor="ctr"/>
+          <a:lstStyle/>
+          <a:p>
+            <a:pPr algn="ctr"/>
+            <a:endParaRPr lang="en-US"/>
+          </a:p>
+        </p:txBody>
+      </p:sp>
+      <p:cxnSp>
+        <p:nvCxnSpPr>
+          <p:cNvPr id="59" name="Straight Connector 58">
+            <a:extLst>
+              <a:ext uri="{FF2B5EF4-FFF2-40B4-BE49-F238E27FC236}">
+                <a16:creationId xmlns:a16="http://schemas.microsoft.com/office/drawing/2014/main" id="{AE145418-A085-A909-058A-67E8412506EF}"/>
+              </a:ext>
+            </a:extLst>
+          </p:cNvPr>
+          <p:cNvCxnSpPr>
+            <a:cxnSpLocks/>
+          </p:cNvCxnSpPr>
+          <p:nvPr/>
+        </p:nvCxnSpPr>
+        <p:spPr>
+          <a:xfrm flipV="1">
+            <a:off x="4782683" y="163693"/>
+            <a:ext cx="0" cy="6397961"/>
+          </a:xfrm>
+          <a:prstGeom prst="line">
+            <a:avLst/>
+          </a:prstGeom>
+          <a:ln w="12700">
+            <a:solidFill>
+              <a:schemeClr val="tx1">
+                <a:lumMod val="50000"/>
+                <a:lumOff val="50000"/>
+              </a:schemeClr>
+            </a:solidFill>
+            <a:prstDash val="dash"/>
+          </a:ln>
+        </p:spPr>
+        <p:style>
+          <a:lnRef idx="1">
+            <a:schemeClr val="accent1"/>
+          </a:lnRef>
+          <a:fillRef idx="0">
+            <a:schemeClr val="accent1"/>
+          </a:fillRef>
+          <a:effectRef idx="0">
+            <a:schemeClr val="accent1"/>
+          </a:effectRef>
+          <a:fontRef idx="minor">
+            <a:schemeClr val="tx1"/>
+          </a:fontRef>
+        </p:style>
+      </p:cxnSp>
+      <p:cxnSp>
+        <p:nvCxnSpPr>
+          <p:cNvPr id="60" name="Straight Connector 59">
+            <a:extLst>
+              <a:ext uri="{FF2B5EF4-FFF2-40B4-BE49-F238E27FC236}">
+                <a16:creationId xmlns:a16="http://schemas.microsoft.com/office/drawing/2014/main" id="{E8B38541-B1AC-A8A5-514C-9CCDCD4D4C4F}"/>
+              </a:ext>
+            </a:extLst>
+          </p:cNvPr>
+          <p:cNvCxnSpPr>
+            <a:cxnSpLocks/>
+          </p:cNvCxnSpPr>
+          <p:nvPr/>
+        </p:nvCxnSpPr>
+        <p:spPr>
+          <a:xfrm flipV="1">
+            <a:off x="3465852" y="163484"/>
+            <a:ext cx="0" cy="6398170"/>
+          </a:xfrm>
+          <a:prstGeom prst="line">
+            <a:avLst/>
+          </a:prstGeom>
+          <a:ln w="12700">
+            <a:solidFill>
+              <a:srgbClr val="0070C0"/>
+            </a:solidFill>
+            <a:prstDash val="dash"/>
+          </a:ln>
+        </p:spPr>
+        <p:style>
+          <a:lnRef idx="1">
+            <a:schemeClr val="accent1"/>
+          </a:lnRef>
+          <a:fillRef idx="0">
+            <a:schemeClr val="accent1"/>
+          </a:fillRef>
+          <a:effectRef idx="0">
+            <a:schemeClr val="accent1"/>
+          </a:effectRef>
+          <a:fontRef idx="minor">
+            <a:schemeClr val="tx1"/>
+          </a:fontRef>
+        </p:style>
+      </p:cxnSp>
+      <p:sp>
+        <p:nvSpPr>
+          <p:cNvPr id="39" name="Freeform 38">
+            <a:extLst>
+              <a:ext uri="{FF2B5EF4-FFF2-40B4-BE49-F238E27FC236}">
+                <a16:creationId xmlns:a16="http://schemas.microsoft.com/office/drawing/2014/main" id="{AB2E6CE0-6060-28D3-1568-F10843F776FC}"/>
+              </a:ext>
+            </a:extLst>
+          </p:cNvPr>
+          <p:cNvSpPr/>
+          <p:nvPr/>
+        </p:nvSpPr>
+        <p:spPr>
+          <a:xfrm>
+            <a:off x="1823016" y="1788061"/>
+            <a:ext cx="3807422" cy="810265"/>
+          </a:xfrm>
+          <a:custGeom>
+            <a:avLst/>
+            <a:gdLst>
+              <a:gd name="connsiteX0" fmla="*/ 3663574 w 3807422"/>
+              <a:gd name="connsiteY0" fmla="*/ 707110 h 810265"/>
+              <a:gd name="connsiteX1" fmla="*/ 2851915 w 3807422"/>
+              <a:gd name="connsiteY1" fmla="*/ 717384 h 810265"/>
+              <a:gd name="connsiteX2" fmla="*/ 2040257 w 3807422"/>
+              <a:gd name="connsiteY2" fmla="*/ 666014 h 810265"/>
+              <a:gd name="connsiteX3" fmla="*/ 1598468 w 3807422"/>
+              <a:gd name="connsiteY3" fmla="*/ 563272 h 810265"/>
+              <a:gd name="connsiteX4" fmla="*/ 930648 w 3807422"/>
+              <a:gd name="connsiteY4" fmla="*/ 285870 h 810265"/>
+              <a:gd name="connsiteX5" fmla="*/ 314199 w 3807422"/>
+              <a:gd name="connsiteY5" fmla="*/ 8468 h 810265"/>
+              <a:gd name="connsiteX6" fmla="*/ 36796 w 3807422"/>
+              <a:gd name="connsiteY6" fmla="*/ 90661 h 810265"/>
+              <a:gd name="connsiteX7" fmla="*/ 16248 w 3807422"/>
+              <a:gd name="connsiteY7" fmla="*/ 285870 h 810265"/>
+              <a:gd name="connsiteX8" fmla="*/ 160086 w 3807422"/>
+              <a:gd name="connsiteY8" fmla="*/ 552998 h 810265"/>
+              <a:gd name="connsiteX9" fmla="*/ 910100 w 3807422"/>
+              <a:gd name="connsiteY9" fmla="*/ 696836 h 810265"/>
+              <a:gd name="connsiteX10" fmla="*/ 1742306 w 3807422"/>
+              <a:gd name="connsiteY10" fmla="*/ 779029 h 810265"/>
+              <a:gd name="connsiteX11" fmla="*/ 2523142 w 3807422"/>
+              <a:gd name="connsiteY11" fmla="*/ 789304 h 810265"/>
+              <a:gd name="connsiteX12" fmla="*/ 3324527 w 3807422"/>
+              <a:gd name="connsiteY12" fmla="*/ 809852 h 810265"/>
+              <a:gd name="connsiteX13" fmla="*/ 3776590 w 3807422"/>
+              <a:gd name="connsiteY13" fmla="*/ 768755 h 810265"/>
+              <a:gd name="connsiteX14" fmla="*/ 3663574 w 3807422"/>
+              <a:gd name="connsiteY14" fmla="*/ 707110 h 810265"/>
+            </a:gdLst>
+            <a:ahLst/>
+            <a:cxnLst>
+              <a:cxn ang="0">
+                <a:pos x="connsiteX0" y="connsiteY0"/>
+              </a:cxn>
+              <a:cxn ang="0">
+                <a:pos x="connsiteX1" y="connsiteY1"/>
+              </a:cxn>
+              <a:cxn ang="0">
+                <a:pos x="connsiteX2" y="connsiteY2"/>
+              </a:cxn>
+              <a:cxn ang="0">
+                <a:pos x="connsiteX3" y="connsiteY3"/>
+              </a:cxn>
+              <a:cxn ang="0">
+                <a:pos x="connsiteX4" y="connsiteY4"/>
+              </a:cxn>
+              <a:cxn ang="0">
+                <a:pos x="connsiteX5" y="connsiteY5"/>
+              </a:cxn>
+              <a:cxn ang="0">
+                <a:pos x="connsiteX6" y="connsiteY6"/>
+              </a:cxn>
+              <a:cxn ang="0">
+                <a:pos x="connsiteX7" y="connsiteY7"/>
+              </a:cxn>
+              <a:cxn ang="0">
+                <a:pos x="connsiteX8" y="connsiteY8"/>
+              </a:cxn>
+              <a:cxn ang="0">
+                <a:pos x="connsiteX9" y="connsiteY9"/>
+              </a:cxn>
+              <a:cxn ang="0">
+                <a:pos x="connsiteX10" y="connsiteY10"/>
+              </a:cxn>
+              <a:cxn ang="0">
+                <a:pos x="connsiteX11" y="connsiteY11"/>
+              </a:cxn>
+              <a:cxn ang="0">
+                <a:pos x="connsiteX12" y="connsiteY12"/>
+              </a:cxn>
+              <a:cxn ang="0">
+                <a:pos x="connsiteX13" y="connsiteY13"/>
+              </a:cxn>
+              <a:cxn ang="0">
+                <a:pos x="connsiteX14" y="connsiteY14"/>
+              </a:cxn>
+            </a:cxnLst>
+            <a:rect l="l" t="t" r="r" b="b"/>
+            <a:pathLst>
+              <a:path w="3807422" h="810265">
+                <a:moveTo>
+                  <a:pt x="3663574" y="707110"/>
+                </a:moveTo>
+                <a:cubicBezTo>
+                  <a:pt x="3509462" y="698548"/>
+                  <a:pt x="3122468" y="724233"/>
+                  <a:pt x="2851915" y="717384"/>
+                </a:cubicBezTo>
+                <a:cubicBezTo>
+                  <a:pt x="2581362" y="710535"/>
+                  <a:pt x="2249165" y="691699"/>
+                  <a:pt x="2040257" y="666014"/>
+                </a:cubicBezTo>
+                <a:cubicBezTo>
+                  <a:pt x="1831349" y="640329"/>
+                  <a:pt x="1783403" y="626629"/>
+                  <a:pt x="1598468" y="563272"/>
+                </a:cubicBezTo>
+                <a:cubicBezTo>
+                  <a:pt x="1413533" y="499915"/>
+                  <a:pt x="1144693" y="378337"/>
+                  <a:pt x="930648" y="285870"/>
+                </a:cubicBezTo>
+                <a:cubicBezTo>
+                  <a:pt x="716603" y="193403"/>
+                  <a:pt x="463174" y="41003"/>
+                  <a:pt x="314199" y="8468"/>
+                </a:cubicBezTo>
+                <a:cubicBezTo>
+                  <a:pt x="165224" y="-24067"/>
+                  <a:pt x="86454" y="44427"/>
+                  <a:pt x="36796" y="90661"/>
+                </a:cubicBezTo>
+                <a:cubicBezTo>
+                  <a:pt x="-12862" y="136895"/>
+                  <a:pt x="-4300" y="208814"/>
+                  <a:pt x="16248" y="285870"/>
+                </a:cubicBezTo>
+                <a:cubicBezTo>
+                  <a:pt x="36796" y="362926"/>
+                  <a:pt x="11111" y="484504"/>
+                  <a:pt x="160086" y="552998"/>
+                </a:cubicBezTo>
+                <a:cubicBezTo>
+                  <a:pt x="309061" y="621492"/>
+                  <a:pt x="646397" y="659164"/>
+                  <a:pt x="910100" y="696836"/>
+                </a:cubicBezTo>
+                <a:cubicBezTo>
+                  <a:pt x="1173803" y="734508"/>
+                  <a:pt x="1473466" y="763618"/>
+                  <a:pt x="1742306" y="779029"/>
+                </a:cubicBezTo>
+                <a:cubicBezTo>
+                  <a:pt x="2011146" y="794440"/>
+                  <a:pt x="2523142" y="789304"/>
+                  <a:pt x="2523142" y="789304"/>
+                </a:cubicBezTo>
+                <a:cubicBezTo>
+                  <a:pt x="2786845" y="794441"/>
+                  <a:pt x="3115619" y="813277"/>
+                  <a:pt x="3324527" y="809852"/>
+                </a:cubicBezTo>
+                <a:cubicBezTo>
+                  <a:pt x="3533435" y="806427"/>
+                  <a:pt x="3718370" y="789303"/>
+                  <a:pt x="3776590" y="768755"/>
+                </a:cubicBezTo>
+                <a:cubicBezTo>
+                  <a:pt x="3834810" y="748207"/>
+                  <a:pt x="3817686" y="715672"/>
+                  <a:pt x="3663574" y="707110"/>
+                </a:cubicBezTo>
+                <a:close/>
+              </a:path>
+            </a:pathLst>
+          </a:custGeom>
+          <a:solidFill>
+            <a:srgbClr val="7030A0">
+              <a:alpha val="50196"/>
+            </a:srgbClr>
+          </a:solidFill>
+          <a:ln>
+            <a:noFill/>
+          </a:ln>
+        </p:spPr>
+        <p:style>
+          <a:lnRef idx="2">
+            <a:schemeClr val="accent1">
+              <a:shade val="15000"/>
+            </a:schemeClr>
+          </a:lnRef>
+          <a:fillRef idx="1">
+            <a:schemeClr val="accent1"/>
+          </a:fillRef>
+          <a:effectRef idx="0">
+            <a:schemeClr val="accent1"/>
+          </a:effectRef>
+          <a:fontRef idx="minor">
+            <a:schemeClr val="lt1"/>
+          </a:fontRef>
+        </p:style>
+        <p:txBody>
+          <a:bodyPr rtlCol="0" anchor="ctr"/>
+          <a:lstStyle/>
+          <a:p>
+            <a:pPr algn="ctr"/>
+            <a:endParaRPr lang="en-US"/>
+          </a:p>
+        </p:txBody>
+      </p:sp>
+      <p:sp>
+        <p:nvSpPr>
+          <p:cNvPr id="47" name="Rectangle 46">
+            <a:extLst>
+              <a:ext uri="{FF2B5EF4-FFF2-40B4-BE49-F238E27FC236}">
+                <a16:creationId xmlns:a16="http://schemas.microsoft.com/office/drawing/2014/main" id="{37DC8A0C-1053-5F3A-30FF-306A482FBDAC}"/>
+              </a:ext>
+            </a:extLst>
+          </p:cNvPr>
+          <p:cNvSpPr/>
+          <p:nvPr/>
+        </p:nvSpPr>
+        <p:spPr>
+          <a:xfrm>
+            <a:off x="1728980" y="408798"/>
+            <a:ext cx="333715" cy="2277145"/>
+          </a:xfrm>
+          <a:prstGeom prst="rect">
+            <a:avLst/>
+          </a:prstGeom>
+          <a:solidFill>
+            <a:schemeClr val="bg1"/>
+          </a:solidFill>
+          <a:ln>
+            <a:noFill/>
+          </a:ln>
+        </p:spPr>
+        <p:style>
+          <a:lnRef idx="2">
+            <a:schemeClr val="accent1">
+              <a:shade val="15000"/>
+            </a:schemeClr>
+          </a:lnRef>
+          <a:fillRef idx="1">
+            <a:schemeClr val="accent1"/>
+          </a:fillRef>
+          <a:effectRef idx="0">
+            <a:schemeClr val="accent1"/>
+          </a:effectRef>
+          <a:fontRef idx="minor">
+            <a:schemeClr val="lt1"/>
+          </a:fontRef>
+        </p:style>
+        <p:txBody>
+          <a:bodyPr rtlCol="0" anchor="ctr"/>
+          <a:lstStyle/>
+          <a:p>
+            <a:pPr algn="ctr"/>
+            <a:endParaRPr lang="en-US"/>
+          </a:p>
+        </p:txBody>
+      </p:sp>
+      <p:sp>
+        <p:nvSpPr>
+          <p:cNvPr id="6" name="TextBox 5">
+            <a:extLst>
+              <a:ext uri="{FF2B5EF4-FFF2-40B4-BE49-F238E27FC236}">
+                <a16:creationId xmlns:a16="http://schemas.microsoft.com/office/drawing/2014/main" id="{9C2EAC0A-A7A8-9341-8C33-002078C9E95D}"/>
+              </a:ext>
+            </a:extLst>
+          </p:cNvPr>
+          <p:cNvSpPr txBox="1"/>
+          <p:nvPr/>
+        </p:nvSpPr>
+        <p:spPr>
+          <a:xfrm>
+            <a:off x="2118591" y="5887688"/>
+            <a:ext cx="4929481" cy="369332"/>
+          </a:xfrm>
+          <a:prstGeom prst="rect">
+            <a:avLst/>
+          </a:prstGeom>
+          <a:noFill/>
+        </p:spPr>
+        <p:txBody>
+          <a:bodyPr wrap="square" rtlCol="0">
+            <a:spAutoFit/>
+          </a:bodyPr>
+          <a:lstStyle/>
+          <a:p>
+            <a:pPr defTabSz="720000"/>
+            <a:r>
+              <a:rPr lang="en-US" dirty="0"/>
+              <a:t>12	16	20	24	28	32	36</a:t>
+            </a:r>
+            <a:endParaRPr lang="en-US" b="1" dirty="0"/>
+          </a:p>
+        </p:txBody>
+      </p:sp>
+      <p:sp>
+        <p:nvSpPr>
+          <p:cNvPr id="9" name="TextBox 8">
+            <a:extLst>
+              <a:ext uri="{FF2B5EF4-FFF2-40B4-BE49-F238E27FC236}">
+                <a16:creationId xmlns:a16="http://schemas.microsoft.com/office/drawing/2014/main" id="{B384938B-A43B-694D-A140-D185485DCF69}"/>
+              </a:ext>
+            </a:extLst>
+          </p:cNvPr>
+          <p:cNvSpPr txBox="1"/>
+          <p:nvPr/>
+        </p:nvSpPr>
+        <p:spPr>
+          <a:xfrm>
+            <a:off x="5186144" y="6183717"/>
+            <a:ext cx="2323073" cy="369332"/>
+          </a:xfrm>
+          <a:prstGeom prst="rect">
+            <a:avLst/>
+          </a:prstGeom>
+          <a:noFill/>
+        </p:spPr>
+        <p:txBody>
+          <a:bodyPr wrap="none" rtlCol="0">
+            <a:spAutoFit/>
+          </a:bodyPr>
+          <a:lstStyle/>
+          <a:p>
+            <a:pPr algn="r">
+              <a:tabLst>
+                <a:tab pos="887413" algn="l"/>
+                <a:tab pos="1819275" algn="l"/>
+                <a:tab pos="2708275" algn="l"/>
+                <a:tab pos="3197225" algn="l"/>
+              </a:tabLst>
+            </a:pPr>
+            <a:r>
+              <a:rPr lang="en-US" b="1" i="1" dirty="0"/>
+              <a:t>serum [HCO</a:t>
+            </a:r>
+            <a:r>
+              <a:rPr lang="en-US" b="1" i="1" baseline="-25000" dirty="0"/>
+              <a:t>3</a:t>
+            </a:r>
+            <a:r>
+              <a:rPr lang="en-US" b="1" i="1" baseline="30000" dirty="0"/>
+              <a:t>–</a:t>
+            </a:r>
+            <a:r>
+              <a:rPr lang="en-US" b="1" i="1" dirty="0"/>
+              <a:t>] / mM</a:t>
+            </a:r>
+            <a:endParaRPr lang="en-US" b="1" i="1" baseline="30000" dirty="0"/>
+          </a:p>
+        </p:txBody>
+      </p:sp>
+      <p:sp>
+        <p:nvSpPr>
+          <p:cNvPr id="33" name="Freeform 32">
+            <a:extLst>
+              <a:ext uri="{FF2B5EF4-FFF2-40B4-BE49-F238E27FC236}">
+                <a16:creationId xmlns:a16="http://schemas.microsoft.com/office/drawing/2014/main" id="{83DF7B6A-2824-354B-9B3F-F2254F08663B}"/>
+              </a:ext>
+            </a:extLst>
+          </p:cNvPr>
+          <p:cNvSpPr/>
+          <p:nvPr/>
+        </p:nvSpPr>
+        <p:spPr>
+          <a:xfrm>
+            <a:off x="4548297" y="3322157"/>
+            <a:ext cx="3664889" cy="2532360"/>
+          </a:xfrm>
+          <a:custGeom>
+            <a:avLst/>
+            <a:gdLst>
+              <a:gd name="connsiteX0" fmla="*/ 6770 w 3664889"/>
+              <a:gd name="connsiteY0" fmla="*/ 3167478 h 3171560"/>
+              <a:gd name="connsiteX1" fmla="*/ 544652 w 3664889"/>
+              <a:gd name="connsiteY1" fmla="*/ 2979219 h 3171560"/>
+              <a:gd name="connsiteX2" fmla="*/ 1445605 w 3664889"/>
+              <a:gd name="connsiteY2" fmla="*/ 2481678 h 3171560"/>
+              <a:gd name="connsiteX3" fmla="*/ 2413793 w 3664889"/>
+              <a:gd name="connsiteY3" fmla="*/ 1473149 h 3171560"/>
+              <a:gd name="connsiteX4" fmla="*/ 3247511 w 3664889"/>
+              <a:gd name="connsiteY4" fmla="*/ 74655 h 3171560"/>
+              <a:gd name="connsiteX5" fmla="*/ 3637475 w 3664889"/>
+              <a:gd name="connsiteY5" fmla="*/ 303255 h 3171560"/>
+              <a:gd name="connsiteX6" fmla="*/ 3570240 w 3664889"/>
+              <a:gd name="connsiteY6" fmla="*/ 1257996 h 3171560"/>
+              <a:gd name="connsiteX7" fmla="*/ 3072699 w 3664889"/>
+              <a:gd name="connsiteY7" fmla="*/ 1742090 h 3171560"/>
+              <a:gd name="connsiteX8" fmla="*/ 2534817 w 3664889"/>
+              <a:gd name="connsiteY8" fmla="*/ 2226184 h 3171560"/>
+              <a:gd name="connsiteX9" fmla="*/ 1754887 w 3664889"/>
+              <a:gd name="connsiteY9" fmla="*/ 2710278 h 3171560"/>
+              <a:gd name="connsiteX10" fmla="*/ 907723 w 3664889"/>
+              <a:gd name="connsiteY10" fmla="*/ 3073349 h 3171560"/>
+              <a:gd name="connsiteX11" fmla="*/ 6770 w 3664889"/>
+              <a:gd name="connsiteY11" fmla="*/ 3167478 h 3171560"/>
+            </a:gdLst>
+            <a:ahLst/>
+            <a:cxnLst>
+              <a:cxn ang="0">
+                <a:pos x="connsiteX0" y="connsiteY0"/>
+              </a:cxn>
+              <a:cxn ang="0">
+                <a:pos x="connsiteX1" y="connsiteY1"/>
+              </a:cxn>
+              <a:cxn ang="0">
+                <a:pos x="connsiteX2" y="connsiteY2"/>
+              </a:cxn>
+              <a:cxn ang="0">
+                <a:pos x="connsiteX3" y="connsiteY3"/>
+              </a:cxn>
+              <a:cxn ang="0">
+                <a:pos x="connsiteX4" y="connsiteY4"/>
+              </a:cxn>
+              <a:cxn ang="0">
+                <a:pos x="connsiteX5" y="connsiteY5"/>
+              </a:cxn>
+              <a:cxn ang="0">
+                <a:pos x="connsiteX6" y="connsiteY6"/>
+              </a:cxn>
+              <a:cxn ang="0">
+                <a:pos x="connsiteX7" y="connsiteY7"/>
+              </a:cxn>
+              <a:cxn ang="0">
+                <a:pos x="connsiteX8" y="connsiteY8"/>
+              </a:cxn>
+              <a:cxn ang="0">
+                <a:pos x="connsiteX9" y="connsiteY9"/>
+              </a:cxn>
+              <a:cxn ang="0">
+                <a:pos x="connsiteX10" y="connsiteY10"/>
+              </a:cxn>
+              <a:cxn ang="0">
+                <a:pos x="connsiteX11" y="connsiteY11"/>
+              </a:cxn>
+            </a:cxnLst>
+            <a:rect l="l" t="t" r="r" b="b"/>
+            <a:pathLst>
+              <a:path w="3664889" h="3171560">
+                <a:moveTo>
+                  <a:pt x="6770" y="3167478"/>
+                </a:moveTo>
+                <a:cubicBezTo>
+                  <a:pt x="-53742" y="3151790"/>
+                  <a:pt x="304846" y="3093519"/>
+                  <a:pt x="544652" y="2979219"/>
+                </a:cubicBezTo>
+                <a:cubicBezTo>
+                  <a:pt x="784458" y="2864919"/>
+                  <a:pt x="1134082" y="2732690"/>
+                  <a:pt x="1445605" y="2481678"/>
+                </a:cubicBezTo>
+                <a:cubicBezTo>
+                  <a:pt x="1757128" y="2230666"/>
+                  <a:pt x="2113475" y="1874319"/>
+                  <a:pt x="2413793" y="1473149"/>
+                </a:cubicBezTo>
+                <a:cubicBezTo>
+                  <a:pt x="2714111" y="1071979"/>
+                  <a:pt x="3043564" y="269637"/>
+                  <a:pt x="3247511" y="74655"/>
+                </a:cubicBezTo>
+                <a:cubicBezTo>
+                  <a:pt x="3451458" y="-120327"/>
+                  <a:pt x="3583687" y="106031"/>
+                  <a:pt x="3637475" y="303255"/>
+                </a:cubicBezTo>
+                <a:cubicBezTo>
+                  <a:pt x="3691263" y="500478"/>
+                  <a:pt x="3664369" y="1018190"/>
+                  <a:pt x="3570240" y="1257996"/>
+                </a:cubicBezTo>
+                <a:cubicBezTo>
+                  <a:pt x="3476111" y="1497802"/>
+                  <a:pt x="3245269" y="1580725"/>
+                  <a:pt x="3072699" y="1742090"/>
+                </a:cubicBezTo>
+                <a:cubicBezTo>
+                  <a:pt x="2900129" y="1903455"/>
+                  <a:pt x="2754452" y="2064819"/>
+                  <a:pt x="2534817" y="2226184"/>
+                </a:cubicBezTo>
+                <a:cubicBezTo>
+                  <a:pt x="2315182" y="2387549"/>
+                  <a:pt x="2026069" y="2569084"/>
+                  <a:pt x="1754887" y="2710278"/>
+                </a:cubicBezTo>
+                <a:cubicBezTo>
+                  <a:pt x="1483705" y="2851472"/>
+                  <a:pt x="1203558" y="2992667"/>
+                  <a:pt x="907723" y="3073349"/>
+                </a:cubicBezTo>
+                <a:cubicBezTo>
+                  <a:pt x="611888" y="3154031"/>
+                  <a:pt x="67282" y="3183166"/>
+                  <a:pt x="6770" y="3167478"/>
+                </a:cubicBezTo>
+                <a:close/>
+              </a:path>
+            </a:pathLst>
+          </a:custGeom>
+          <a:solidFill>
+            <a:srgbClr val="7F7F7F">
+              <a:alpha val="50196"/>
+            </a:srgbClr>
+          </a:solidFill>
+          <a:ln>
+            <a:noFill/>
+          </a:ln>
+        </p:spPr>
+        <p:style>
+          <a:lnRef idx="2">
+            <a:schemeClr val="accent1">
+              <a:shade val="50000"/>
+            </a:schemeClr>
+          </a:lnRef>
+          <a:fillRef idx="1">
+            <a:schemeClr val="accent1"/>
+          </a:fillRef>
+          <a:effectRef idx="0">
+            <a:schemeClr val="accent1"/>
+          </a:effectRef>
+          <a:fontRef idx="minor">
+            <a:schemeClr val="lt1"/>
+          </a:fontRef>
+        </p:style>
+        <p:txBody>
+          <a:bodyPr rtlCol="0" anchor="ctr"/>
+          <a:lstStyle/>
+          <a:p>
+            <a:pPr algn="ctr"/>
+            <a:endParaRPr lang="en-GB"/>
+          </a:p>
+        </p:txBody>
+      </p:sp>
+      <p:sp>
+        <p:nvSpPr>
+          <p:cNvPr id="32" name="Freeform 31">
+            <a:extLst>
+              <a:ext uri="{FF2B5EF4-FFF2-40B4-BE49-F238E27FC236}">
+                <a16:creationId xmlns:a16="http://schemas.microsoft.com/office/drawing/2014/main" id="{98E07249-CA09-6E44-830F-73562E883885}"/>
+              </a:ext>
+            </a:extLst>
+          </p:cNvPr>
+          <p:cNvSpPr/>
+          <p:nvPr/>
+        </p:nvSpPr>
+        <p:spPr>
+          <a:xfrm>
+            <a:off x="4178640" y="3143892"/>
+            <a:ext cx="4098160" cy="1049581"/>
+          </a:xfrm>
+          <a:custGeom>
+            <a:avLst/>
+            <a:gdLst>
+              <a:gd name="connsiteX0" fmla="*/ 161365 w 4098160"/>
+              <a:gd name="connsiteY0" fmla="*/ 1193485 h 1314509"/>
+              <a:gd name="connsiteX1" fmla="*/ 806824 w 4098160"/>
+              <a:gd name="connsiteY1" fmla="*/ 763180 h 1314509"/>
+              <a:gd name="connsiteX2" fmla="*/ 1304365 w 4098160"/>
+              <a:gd name="connsiteY2" fmla="*/ 507685 h 1314509"/>
+              <a:gd name="connsiteX3" fmla="*/ 2178424 w 4098160"/>
+              <a:gd name="connsiteY3" fmla="*/ 184956 h 1314509"/>
+              <a:gd name="connsiteX4" fmla="*/ 2998695 w 4098160"/>
+              <a:gd name="connsiteY4" fmla="*/ 63933 h 1314509"/>
+              <a:gd name="connsiteX5" fmla="*/ 3751730 w 4098160"/>
+              <a:gd name="connsiteY5" fmla="*/ 10144 h 1314509"/>
+              <a:gd name="connsiteX6" fmla="*/ 4020671 w 4098160"/>
+              <a:gd name="connsiteY6" fmla="*/ 265638 h 1314509"/>
+              <a:gd name="connsiteX7" fmla="*/ 3993777 w 4098160"/>
+              <a:gd name="connsiteY7" fmla="*/ 749733 h 1314509"/>
+              <a:gd name="connsiteX8" fmla="*/ 2864224 w 4098160"/>
+              <a:gd name="connsiteY8" fmla="*/ 816968 h 1314509"/>
+              <a:gd name="connsiteX9" fmla="*/ 1815353 w 4098160"/>
+              <a:gd name="connsiteY9" fmla="*/ 816968 h 1314509"/>
+              <a:gd name="connsiteX10" fmla="*/ 995083 w 4098160"/>
+              <a:gd name="connsiteY10" fmla="*/ 924544 h 1314509"/>
+              <a:gd name="connsiteX11" fmla="*/ 389965 w 4098160"/>
+              <a:gd name="connsiteY11" fmla="*/ 1126250 h 1314509"/>
+              <a:gd name="connsiteX12" fmla="*/ 0 w 4098160"/>
+              <a:gd name="connsiteY12" fmla="*/ 1314509 h 1314509"/>
+            </a:gdLst>
+            <a:ahLst/>
+            <a:cxnLst>
+              <a:cxn ang="0">
+                <a:pos x="connsiteX0" y="connsiteY0"/>
+              </a:cxn>
+              <a:cxn ang="0">
+                <a:pos x="connsiteX1" y="connsiteY1"/>
+              </a:cxn>
+              <a:cxn ang="0">
+                <a:pos x="connsiteX2" y="connsiteY2"/>
+              </a:cxn>
+              <a:cxn ang="0">
+                <a:pos x="connsiteX3" y="connsiteY3"/>
+              </a:cxn>
+              <a:cxn ang="0">
+                <a:pos x="connsiteX4" y="connsiteY4"/>
+              </a:cxn>
+              <a:cxn ang="0">
+                <a:pos x="connsiteX5" y="connsiteY5"/>
+              </a:cxn>
+              <a:cxn ang="0">
+                <a:pos x="connsiteX6" y="connsiteY6"/>
+              </a:cxn>
+              <a:cxn ang="0">
+                <a:pos x="connsiteX7" y="connsiteY7"/>
+              </a:cxn>
+              <a:cxn ang="0">
+                <a:pos x="connsiteX8" y="connsiteY8"/>
+              </a:cxn>
+              <a:cxn ang="0">
+                <a:pos x="connsiteX9" y="connsiteY9"/>
+              </a:cxn>
+              <a:cxn ang="0">
+                <a:pos x="connsiteX10" y="connsiteY10"/>
+              </a:cxn>
+              <a:cxn ang="0">
+                <a:pos x="connsiteX11" y="connsiteY11"/>
+              </a:cxn>
+              <a:cxn ang="0">
+                <a:pos x="connsiteX12" y="connsiteY12"/>
+              </a:cxn>
+            </a:cxnLst>
+            <a:rect l="l" t="t" r="r" b="b"/>
+            <a:pathLst>
+              <a:path w="4098160" h="1314509">
+                <a:moveTo>
+                  <a:pt x="161365" y="1193485"/>
+                </a:moveTo>
+                <a:cubicBezTo>
+                  <a:pt x="388844" y="1035482"/>
+                  <a:pt x="616324" y="877480"/>
+                  <a:pt x="806824" y="763180"/>
+                </a:cubicBezTo>
+                <a:cubicBezTo>
+                  <a:pt x="997324" y="648880"/>
+                  <a:pt x="1075765" y="604056"/>
+                  <a:pt x="1304365" y="507685"/>
+                </a:cubicBezTo>
+                <a:cubicBezTo>
+                  <a:pt x="1532965" y="411314"/>
+                  <a:pt x="1896036" y="258915"/>
+                  <a:pt x="2178424" y="184956"/>
+                </a:cubicBezTo>
+                <a:cubicBezTo>
+                  <a:pt x="2460812" y="110997"/>
+                  <a:pt x="2736477" y="93068"/>
+                  <a:pt x="2998695" y="63933"/>
+                </a:cubicBezTo>
+                <a:cubicBezTo>
+                  <a:pt x="3260913" y="34798"/>
+                  <a:pt x="3581401" y="-23473"/>
+                  <a:pt x="3751730" y="10144"/>
+                </a:cubicBezTo>
+                <a:cubicBezTo>
+                  <a:pt x="3922059" y="43761"/>
+                  <a:pt x="3980330" y="142373"/>
+                  <a:pt x="4020671" y="265638"/>
+                </a:cubicBezTo>
+                <a:cubicBezTo>
+                  <a:pt x="4061012" y="388903"/>
+                  <a:pt x="4186518" y="657845"/>
+                  <a:pt x="3993777" y="749733"/>
+                </a:cubicBezTo>
+                <a:cubicBezTo>
+                  <a:pt x="3801036" y="841621"/>
+                  <a:pt x="3227295" y="805762"/>
+                  <a:pt x="2864224" y="816968"/>
+                </a:cubicBezTo>
+                <a:cubicBezTo>
+                  <a:pt x="2501153" y="828174"/>
+                  <a:pt x="2126876" y="799039"/>
+                  <a:pt x="1815353" y="816968"/>
+                </a:cubicBezTo>
+                <a:cubicBezTo>
+                  <a:pt x="1503830" y="834897"/>
+                  <a:pt x="1232648" y="872997"/>
+                  <a:pt x="995083" y="924544"/>
+                </a:cubicBezTo>
+                <a:cubicBezTo>
+                  <a:pt x="757518" y="976091"/>
+                  <a:pt x="555812" y="1061256"/>
+                  <a:pt x="389965" y="1126250"/>
+                </a:cubicBezTo>
+                <a:cubicBezTo>
+                  <a:pt x="224118" y="1191244"/>
+                  <a:pt x="112059" y="1252876"/>
+                  <a:pt x="0" y="1314509"/>
+                </a:cubicBezTo>
+              </a:path>
+            </a:pathLst>
+          </a:custGeom>
+          <a:solidFill>
+            <a:schemeClr val="tx1">
+              <a:lumMod val="50000"/>
+              <a:lumOff val="50000"/>
+              <a:alpha val="10000"/>
+            </a:schemeClr>
+          </a:solidFill>
+          <a:ln>
+            <a:noFill/>
+          </a:ln>
+        </p:spPr>
+        <p:style>
+          <a:lnRef idx="2">
+            <a:schemeClr val="accent1">
+              <a:shade val="50000"/>
+            </a:schemeClr>
+          </a:lnRef>
+          <a:fillRef idx="1">
+            <a:schemeClr val="accent1"/>
+          </a:fillRef>
+          <a:effectRef idx="0">
+            <a:schemeClr val="accent1"/>
+          </a:effectRef>
+          <a:fontRef idx="minor">
+            <a:schemeClr val="lt1"/>
+          </a:fontRef>
+        </p:style>
+        <p:txBody>
+          <a:bodyPr rtlCol="0" anchor="ctr"/>
+          <a:lstStyle/>
+          <a:p>
+            <a:pPr algn="ctr"/>
+            <a:endParaRPr lang="en-GB"/>
+          </a:p>
+        </p:txBody>
+      </p:sp>
+      <p:sp>
+        <p:nvSpPr>
+          <p:cNvPr id="7" name="TextBox 6">
+            <a:extLst>
+              <a:ext uri="{FF2B5EF4-FFF2-40B4-BE49-F238E27FC236}">
+                <a16:creationId xmlns:a16="http://schemas.microsoft.com/office/drawing/2014/main" id="{DCED646A-69AB-FF43-9757-284E305C01AC}"/>
+              </a:ext>
+            </a:extLst>
+          </p:cNvPr>
+          <p:cNvSpPr txBox="1"/>
+          <p:nvPr/>
+        </p:nvSpPr>
+        <p:spPr>
+          <a:xfrm rot="16200000">
+            <a:off x="558600" y="4511751"/>
+            <a:ext cx="2339972" cy="369332"/>
+          </a:xfrm>
+          <a:prstGeom prst="rect">
+            <a:avLst/>
+          </a:prstGeom>
+          <a:noFill/>
+        </p:spPr>
+        <p:txBody>
+          <a:bodyPr wrap="square" rtlCol="0">
+            <a:spAutoFit/>
+          </a:bodyPr>
+          <a:lstStyle/>
+          <a:p>
+            <a:pPr algn="ctr">
+              <a:tabLst>
+                <a:tab pos="887413" algn="l"/>
+                <a:tab pos="1819275" algn="l"/>
+                <a:tab pos="2708275" algn="l"/>
+                <a:tab pos="3197225" algn="l"/>
+              </a:tabLst>
+            </a:pPr>
+            <a:r>
+              <a:rPr lang="en-US" b="1" i="1" dirty="0"/>
+              <a:t>HCO</a:t>
+            </a:r>
+            <a:r>
+              <a:rPr lang="en-US" b="1" i="1" baseline="-25000" dirty="0"/>
+              <a:t>3</a:t>
+            </a:r>
+            <a:r>
+              <a:rPr lang="en-US" b="1" i="1" baseline="30000" dirty="0"/>
+              <a:t>–</a:t>
+            </a:r>
+            <a:r>
+              <a:rPr lang="en-US" b="1" i="1" dirty="0"/>
+              <a:t> flux</a:t>
+            </a:r>
+          </a:p>
+        </p:txBody>
+      </p:sp>
+      <p:cxnSp>
+        <p:nvCxnSpPr>
+          <p:cNvPr id="16" name="Straight Connector 15">
+            <a:extLst>
+              <a:ext uri="{FF2B5EF4-FFF2-40B4-BE49-F238E27FC236}">
+                <a16:creationId xmlns:a16="http://schemas.microsoft.com/office/drawing/2014/main" id="{9B2859F6-DF1D-8C4F-A08B-0D72BB729250}"/>
+              </a:ext>
+            </a:extLst>
+          </p:cNvPr>
+          <p:cNvCxnSpPr>
+            <a:cxnSpLocks/>
+          </p:cNvCxnSpPr>
+          <p:nvPr/>
+        </p:nvCxnSpPr>
+        <p:spPr>
+          <a:xfrm flipV="1">
+            <a:off x="2048522" y="3241244"/>
+            <a:ext cx="3400978" cy="2587607"/>
+          </a:xfrm>
+          <a:prstGeom prst="line">
+            <a:avLst/>
+          </a:prstGeom>
+          <a:ln w="12700">
+            <a:solidFill>
+              <a:schemeClr val="tx1"/>
+            </a:solidFill>
+            <a:prstDash val="sysDash"/>
+          </a:ln>
+        </p:spPr>
+        <p:style>
+          <a:lnRef idx="1">
+            <a:schemeClr val="accent1"/>
+          </a:lnRef>
+          <a:fillRef idx="0">
+            <a:schemeClr val="accent1"/>
+          </a:fillRef>
+          <a:effectRef idx="0">
+            <a:schemeClr val="accent1"/>
+          </a:effectRef>
+          <a:fontRef idx="minor">
+            <a:schemeClr val="tx1"/>
+          </a:fontRef>
+        </p:style>
+      </p:cxnSp>
+      <p:cxnSp>
+        <p:nvCxnSpPr>
+          <p:cNvPr id="4" name="Straight Arrow Connector 3">
+            <a:extLst>
+              <a:ext uri="{FF2B5EF4-FFF2-40B4-BE49-F238E27FC236}">
+                <a16:creationId xmlns:a16="http://schemas.microsoft.com/office/drawing/2014/main" id="{CCE5E792-9FD4-8A4C-9768-7BEEC0348EFB}"/>
+              </a:ext>
+            </a:extLst>
+          </p:cNvPr>
+          <p:cNvCxnSpPr>
+            <a:cxnSpLocks/>
+          </p:cNvCxnSpPr>
+          <p:nvPr/>
+        </p:nvCxnSpPr>
+        <p:spPr>
+          <a:xfrm flipV="1">
+            <a:off x="2048522" y="3322157"/>
+            <a:ext cx="0" cy="2517432"/>
+          </a:xfrm>
+          <a:prstGeom prst="straightConnector1">
+            <a:avLst/>
+          </a:prstGeom>
+          <a:ln w="38100">
+            <a:solidFill>
+              <a:schemeClr val="tx1"/>
+            </a:solidFill>
+            <a:tailEnd type="triangle"/>
+          </a:ln>
+        </p:spPr>
+        <p:style>
+          <a:lnRef idx="1">
+            <a:schemeClr val="accent1"/>
+          </a:lnRef>
+          <a:fillRef idx="0">
+            <a:schemeClr val="accent1"/>
+          </a:fillRef>
+          <a:effectRef idx="0">
+            <a:schemeClr val="accent1"/>
+          </a:effectRef>
+          <a:fontRef idx="minor">
+            <a:schemeClr val="tx1"/>
+          </a:fontRef>
+        </p:style>
+      </p:cxnSp>
+      <p:cxnSp>
+        <p:nvCxnSpPr>
+          <p:cNvPr id="5" name="Straight Arrow Connector 4">
+            <a:extLst>
+              <a:ext uri="{FF2B5EF4-FFF2-40B4-BE49-F238E27FC236}">
+                <a16:creationId xmlns:a16="http://schemas.microsoft.com/office/drawing/2014/main" id="{04D59E32-07D7-A346-B4CF-2B474DFA1C41}"/>
+              </a:ext>
+            </a:extLst>
+          </p:cNvPr>
+          <p:cNvCxnSpPr>
+            <a:cxnSpLocks/>
+          </p:cNvCxnSpPr>
+          <p:nvPr/>
+        </p:nvCxnSpPr>
+        <p:spPr>
+          <a:xfrm>
+            <a:off x="2048522" y="5847775"/>
+            <a:ext cx="4999550" cy="0"/>
+          </a:xfrm>
+          <a:prstGeom prst="straightConnector1">
+            <a:avLst/>
+          </a:prstGeom>
+          <a:ln w="38100">
+            <a:solidFill>
+              <a:schemeClr val="tx1"/>
+            </a:solidFill>
+            <a:tailEnd type="triangle"/>
+          </a:ln>
+        </p:spPr>
+        <p:style>
+          <a:lnRef idx="1">
+            <a:schemeClr val="accent1"/>
+          </a:lnRef>
+          <a:fillRef idx="0">
+            <a:schemeClr val="accent1"/>
+          </a:fillRef>
+          <a:effectRef idx="0">
+            <a:schemeClr val="accent1"/>
+          </a:effectRef>
+          <a:fontRef idx="minor">
+            <a:schemeClr val="tx1"/>
+          </a:fontRef>
+        </p:style>
+      </p:cxnSp>
+      <p:sp>
+        <p:nvSpPr>
+          <p:cNvPr id="10" name="Freeform 9">
+            <a:extLst>
+              <a:ext uri="{FF2B5EF4-FFF2-40B4-BE49-F238E27FC236}">
+                <a16:creationId xmlns:a16="http://schemas.microsoft.com/office/drawing/2014/main" id="{CCD8AD02-8F3B-9F3D-4398-4E6ECC09A8A5}"/>
+              </a:ext>
+            </a:extLst>
+          </p:cNvPr>
+          <p:cNvSpPr/>
+          <p:nvPr/>
+        </p:nvSpPr>
+        <p:spPr>
+          <a:xfrm>
+            <a:off x="3425812" y="3719130"/>
+            <a:ext cx="4098160" cy="1049581"/>
+          </a:xfrm>
+          <a:custGeom>
+            <a:avLst/>
+            <a:gdLst>
+              <a:gd name="connsiteX0" fmla="*/ 161365 w 4098160"/>
+              <a:gd name="connsiteY0" fmla="*/ 1193485 h 1314509"/>
+              <a:gd name="connsiteX1" fmla="*/ 806824 w 4098160"/>
+              <a:gd name="connsiteY1" fmla="*/ 763180 h 1314509"/>
+              <a:gd name="connsiteX2" fmla="*/ 1304365 w 4098160"/>
+              <a:gd name="connsiteY2" fmla="*/ 507685 h 1314509"/>
+              <a:gd name="connsiteX3" fmla="*/ 2178424 w 4098160"/>
+              <a:gd name="connsiteY3" fmla="*/ 184956 h 1314509"/>
+              <a:gd name="connsiteX4" fmla="*/ 2998695 w 4098160"/>
+              <a:gd name="connsiteY4" fmla="*/ 63933 h 1314509"/>
+              <a:gd name="connsiteX5" fmla="*/ 3751730 w 4098160"/>
+              <a:gd name="connsiteY5" fmla="*/ 10144 h 1314509"/>
+              <a:gd name="connsiteX6" fmla="*/ 4020671 w 4098160"/>
+              <a:gd name="connsiteY6" fmla="*/ 265638 h 1314509"/>
+              <a:gd name="connsiteX7" fmla="*/ 3993777 w 4098160"/>
+              <a:gd name="connsiteY7" fmla="*/ 749733 h 1314509"/>
+              <a:gd name="connsiteX8" fmla="*/ 2864224 w 4098160"/>
+              <a:gd name="connsiteY8" fmla="*/ 816968 h 1314509"/>
+              <a:gd name="connsiteX9" fmla="*/ 1815353 w 4098160"/>
+              <a:gd name="connsiteY9" fmla="*/ 816968 h 1314509"/>
+              <a:gd name="connsiteX10" fmla="*/ 995083 w 4098160"/>
+              <a:gd name="connsiteY10" fmla="*/ 924544 h 1314509"/>
+              <a:gd name="connsiteX11" fmla="*/ 389965 w 4098160"/>
+              <a:gd name="connsiteY11" fmla="*/ 1126250 h 1314509"/>
+              <a:gd name="connsiteX12" fmla="*/ 0 w 4098160"/>
+              <a:gd name="connsiteY12" fmla="*/ 1314509 h 1314509"/>
+            </a:gdLst>
+            <a:ahLst/>
+            <a:cxnLst>
+              <a:cxn ang="0">
+                <a:pos x="connsiteX0" y="connsiteY0"/>
+              </a:cxn>
+              <a:cxn ang="0">
+                <a:pos x="connsiteX1" y="connsiteY1"/>
+              </a:cxn>
+              <a:cxn ang="0">
+                <a:pos x="connsiteX2" y="connsiteY2"/>
+              </a:cxn>
+              <a:cxn ang="0">
+                <a:pos x="connsiteX3" y="connsiteY3"/>
+              </a:cxn>
+              <a:cxn ang="0">
+                <a:pos x="connsiteX4" y="connsiteY4"/>
+              </a:cxn>
+              <a:cxn ang="0">
+                <a:pos x="connsiteX5" y="connsiteY5"/>
+              </a:cxn>
+              <a:cxn ang="0">
+                <a:pos x="connsiteX6" y="connsiteY6"/>
+              </a:cxn>
+              <a:cxn ang="0">
+                <a:pos x="connsiteX7" y="connsiteY7"/>
+              </a:cxn>
+              <a:cxn ang="0">
+                <a:pos x="connsiteX8" y="connsiteY8"/>
+              </a:cxn>
+              <a:cxn ang="0">
+                <a:pos x="connsiteX9" y="connsiteY9"/>
+              </a:cxn>
+              <a:cxn ang="0">
+                <a:pos x="connsiteX10" y="connsiteY10"/>
+              </a:cxn>
+              <a:cxn ang="0">
+                <a:pos x="connsiteX11" y="connsiteY11"/>
+              </a:cxn>
+              <a:cxn ang="0">
+                <a:pos x="connsiteX12" y="connsiteY12"/>
+              </a:cxn>
+            </a:cxnLst>
+            <a:rect l="l" t="t" r="r" b="b"/>
+            <a:pathLst>
+              <a:path w="4098160" h="1314509">
+                <a:moveTo>
+                  <a:pt x="161365" y="1193485"/>
+                </a:moveTo>
+                <a:cubicBezTo>
+                  <a:pt x="388844" y="1035482"/>
+                  <a:pt x="616324" y="877480"/>
+                  <a:pt x="806824" y="763180"/>
+                </a:cubicBezTo>
+                <a:cubicBezTo>
+                  <a:pt x="997324" y="648880"/>
+                  <a:pt x="1075765" y="604056"/>
+                  <a:pt x="1304365" y="507685"/>
+                </a:cubicBezTo>
+                <a:cubicBezTo>
+                  <a:pt x="1532965" y="411314"/>
+                  <a:pt x="1896036" y="258915"/>
+                  <a:pt x="2178424" y="184956"/>
+                </a:cubicBezTo>
+                <a:cubicBezTo>
+                  <a:pt x="2460812" y="110997"/>
+                  <a:pt x="2736477" y="93068"/>
+                  <a:pt x="2998695" y="63933"/>
+                </a:cubicBezTo>
+                <a:cubicBezTo>
+                  <a:pt x="3260913" y="34798"/>
+                  <a:pt x="3581401" y="-23473"/>
+                  <a:pt x="3751730" y="10144"/>
+                </a:cubicBezTo>
+                <a:cubicBezTo>
+                  <a:pt x="3922059" y="43761"/>
+                  <a:pt x="3980330" y="142373"/>
+                  <a:pt x="4020671" y="265638"/>
+                </a:cubicBezTo>
+                <a:cubicBezTo>
+                  <a:pt x="4061012" y="388903"/>
+                  <a:pt x="4186518" y="657845"/>
+                  <a:pt x="3993777" y="749733"/>
+                </a:cubicBezTo>
+                <a:cubicBezTo>
+                  <a:pt x="3801036" y="841621"/>
+                  <a:pt x="3227295" y="805762"/>
+                  <a:pt x="2864224" y="816968"/>
+                </a:cubicBezTo>
+                <a:cubicBezTo>
+                  <a:pt x="2501153" y="828174"/>
+                  <a:pt x="2126876" y="799039"/>
+                  <a:pt x="1815353" y="816968"/>
+                </a:cubicBezTo>
+                <a:cubicBezTo>
+                  <a:pt x="1503830" y="834897"/>
+                  <a:pt x="1232648" y="872997"/>
+                  <a:pt x="995083" y="924544"/>
+                </a:cubicBezTo>
+                <a:cubicBezTo>
+                  <a:pt x="757518" y="976091"/>
+                  <a:pt x="555812" y="1061256"/>
+                  <a:pt x="389965" y="1126250"/>
+                </a:cubicBezTo>
+                <a:cubicBezTo>
+                  <a:pt x="224118" y="1191244"/>
+                  <a:pt x="112059" y="1252876"/>
+                  <a:pt x="0" y="1314509"/>
+                </a:cubicBezTo>
+              </a:path>
+            </a:pathLst>
+          </a:custGeom>
+          <a:solidFill>
+            <a:srgbClr val="0070C0">
+              <a:alpha val="10000"/>
+            </a:srgbClr>
+          </a:solidFill>
+          <a:ln>
+            <a:noFill/>
+          </a:ln>
+        </p:spPr>
+        <p:style>
+          <a:lnRef idx="2">
+            <a:schemeClr val="accent1">
+              <a:shade val="50000"/>
+            </a:schemeClr>
+          </a:lnRef>
+          <a:fillRef idx="1">
+            <a:schemeClr val="accent1"/>
+          </a:fillRef>
+          <a:effectRef idx="0">
+            <a:schemeClr val="accent1"/>
+          </a:effectRef>
+          <a:fontRef idx="minor">
+            <a:schemeClr val="lt1"/>
+          </a:fontRef>
+        </p:style>
+        <p:txBody>
+          <a:bodyPr rtlCol="0" anchor="ctr"/>
+          <a:lstStyle/>
+          <a:p>
+            <a:pPr algn="ctr"/>
+            <a:endParaRPr lang="en-GB"/>
+          </a:p>
+        </p:txBody>
+      </p:sp>
+      <p:cxnSp>
+        <p:nvCxnSpPr>
+          <p:cNvPr id="15" name="Straight Arrow Connector 14">
+            <a:extLst>
+              <a:ext uri="{FF2B5EF4-FFF2-40B4-BE49-F238E27FC236}">
+                <a16:creationId xmlns:a16="http://schemas.microsoft.com/office/drawing/2014/main" id="{55FECE09-F555-EEE8-E442-CB5970299793}"/>
+              </a:ext>
+            </a:extLst>
+          </p:cNvPr>
+          <p:cNvCxnSpPr>
+            <a:cxnSpLocks/>
+          </p:cNvCxnSpPr>
+          <p:nvPr/>
+        </p:nvCxnSpPr>
+        <p:spPr>
+          <a:xfrm flipV="1">
+            <a:off x="2026007" y="245885"/>
+            <a:ext cx="2252" cy="2350358"/>
+          </a:xfrm>
+          <a:prstGeom prst="straightConnector1">
+            <a:avLst/>
+          </a:prstGeom>
+          <a:ln w="38100">
+            <a:solidFill>
+              <a:schemeClr val="tx1"/>
+            </a:solidFill>
+            <a:tailEnd type="triangle"/>
+          </a:ln>
+        </p:spPr>
+        <p:style>
+          <a:lnRef idx="1">
+            <a:schemeClr val="accent1"/>
+          </a:lnRef>
+          <a:fillRef idx="0">
+            <a:schemeClr val="accent1"/>
+          </a:fillRef>
+          <a:effectRef idx="0">
+            <a:schemeClr val="accent1"/>
+          </a:effectRef>
+          <a:fontRef idx="minor">
+            <a:schemeClr val="tx1"/>
+          </a:fontRef>
+        </p:style>
+      </p:cxnSp>
+      <p:sp>
+        <p:nvSpPr>
+          <p:cNvPr id="18" name="TextBox 17">
+            <a:extLst>
+              <a:ext uri="{FF2B5EF4-FFF2-40B4-BE49-F238E27FC236}">
+                <a16:creationId xmlns:a16="http://schemas.microsoft.com/office/drawing/2014/main" id="{BA728E2A-52BC-12FC-D0AA-B5B00CBD10CA}"/>
+              </a:ext>
+            </a:extLst>
+          </p:cNvPr>
+          <p:cNvSpPr txBox="1"/>
+          <p:nvPr/>
+        </p:nvSpPr>
+        <p:spPr>
+          <a:xfrm rot="16200000">
+            <a:off x="659072" y="1355289"/>
+            <a:ext cx="1143476" cy="369332"/>
+          </a:xfrm>
+          <a:prstGeom prst="rect">
+            <a:avLst/>
+          </a:prstGeom>
+          <a:noFill/>
+        </p:spPr>
+        <p:txBody>
+          <a:bodyPr wrap="square" rtlCol="0">
+            <a:spAutoFit/>
+          </a:bodyPr>
+          <a:lstStyle/>
+          <a:p>
+            <a:pPr algn="r">
+              <a:tabLst>
+                <a:tab pos="887413" algn="l"/>
+                <a:tab pos="1819275" algn="l"/>
+                <a:tab pos="2708275" algn="l"/>
+                <a:tab pos="3197225" algn="l"/>
+              </a:tabLst>
+            </a:pPr>
+            <a:r>
+              <a:rPr lang="en-US" b="1" i="1" dirty="0"/>
+              <a:t>urine pH</a:t>
+            </a:r>
+          </a:p>
+        </p:txBody>
+      </p:sp>
+      <p:sp>
+        <p:nvSpPr>
+          <p:cNvPr id="21" name="TextBox 20">
+            <a:extLst>
+              <a:ext uri="{FF2B5EF4-FFF2-40B4-BE49-F238E27FC236}">
+                <a16:creationId xmlns:a16="http://schemas.microsoft.com/office/drawing/2014/main" id="{788F3E30-BACB-9EE3-6165-61AAC0C439EE}"/>
+              </a:ext>
+            </a:extLst>
+          </p:cNvPr>
+          <p:cNvSpPr txBox="1"/>
+          <p:nvPr/>
+        </p:nvSpPr>
+        <p:spPr>
+          <a:xfrm>
+            <a:off x="1454449" y="369433"/>
+            <a:ext cx="466794" cy="2308324"/>
+          </a:xfrm>
+          <a:prstGeom prst="rect">
+            <a:avLst/>
+          </a:prstGeom>
+          <a:noFill/>
+        </p:spPr>
+        <p:txBody>
+          <a:bodyPr wrap="none" rtlCol="0">
+            <a:spAutoFit/>
+          </a:bodyPr>
+          <a:lstStyle/>
+          <a:p>
+            <a:pPr algn="r">
+              <a:tabLst>
+                <a:tab pos="887413" algn="l"/>
+                <a:tab pos="1819275" algn="l"/>
+                <a:tab pos="2708275" algn="l"/>
+                <a:tab pos="3197225" algn="l"/>
+              </a:tabLst>
+            </a:pPr>
+            <a:r>
+              <a:rPr lang="en-US" dirty="0"/>
+              <a:t>4.5</a:t>
+            </a:r>
+          </a:p>
+          <a:p>
+            <a:pPr algn="r">
+              <a:tabLst>
+                <a:tab pos="887413" algn="l"/>
+                <a:tab pos="1819275" algn="l"/>
+                <a:tab pos="2708275" algn="l"/>
+                <a:tab pos="3197225" algn="l"/>
+              </a:tabLst>
+            </a:pPr>
+            <a:r>
+              <a:rPr lang="en-US" dirty="0"/>
+              <a:t>5.0</a:t>
+            </a:r>
+          </a:p>
+          <a:p>
+            <a:pPr algn="r">
+              <a:tabLst>
+                <a:tab pos="887413" algn="l"/>
+                <a:tab pos="1819275" algn="l"/>
+                <a:tab pos="2708275" algn="l"/>
+                <a:tab pos="3197225" algn="l"/>
+              </a:tabLst>
+            </a:pPr>
+            <a:r>
+              <a:rPr lang="en-US" dirty="0"/>
+              <a:t>5.5</a:t>
+            </a:r>
+          </a:p>
+          <a:p>
+            <a:pPr algn="r">
+              <a:tabLst>
+                <a:tab pos="887413" algn="l"/>
+                <a:tab pos="1819275" algn="l"/>
+                <a:tab pos="2708275" algn="l"/>
+                <a:tab pos="3197225" algn="l"/>
+              </a:tabLst>
+            </a:pPr>
+            <a:r>
+              <a:rPr lang="en-US" dirty="0"/>
+              <a:t>6.0</a:t>
+            </a:r>
+          </a:p>
+          <a:p>
+            <a:pPr algn="r">
+              <a:tabLst>
+                <a:tab pos="887413" algn="l"/>
+                <a:tab pos="1819275" algn="l"/>
+                <a:tab pos="2708275" algn="l"/>
+                <a:tab pos="3197225" algn="l"/>
+              </a:tabLst>
+            </a:pPr>
+            <a:r>
+              <a:rPr lang="en-US" dirty="0"/>
+              <a:t>6.5</a:t>
+            </a:r>
+          </a:p>
+          <a:p>
+            <a:pPr algn="r">
+              <a:tabLst>
+                <a:tab pos="887413" algn="l"/>
+                <a:tab pos="1819275" algn="l"/>
+                <a:tab pos="2708275" algn="l"/>
+                <a:tab pos="3197225" algn="l"/>
+              </a:tabLst>
+            </a:pPr>
+            <a:r>
+              <a:rPr lang="en-US" dirty="0"/>
+              <a:t>7.0</a:t>
+            </a:r>
+          </a:p>
+          <a:p>
+            <a:pPr algn="r">
+              <a:tabLst>
+                <a:tab pos="887413" algn="l"/>
+                <a:tab pos="1819275" algn="l"/>
+                <a:tab pos="2708275" algn="l"/>
+                <a:tab pos="3197225" algn="l"/>
+              </a:tabLst>
+            </a:pPr>
+            <a:r>
+              <a:rPr lang="en-US" dirty="0"/>
+              <a:t>7.5</a:t>
+            </a:r>
+          </a:p>
+          <a:p>
+            <a:pPr algn="r">
+              <a:tabLst>
+                <a:tab pos="887413" algn="l"/>
+                <a:tab pos="1819275" algn="l"/>
+                <a:tab pos="2708275" algn="l"/>
+                <a:tab pos="3197225" algn="l"/>
+              </a:tabLst>
+            </a:pPr>
+            <a:r>
+              <a:rPr lang="en-US" dirty="0"/>
+              <a:t>8.0</a:t>
+            </a:r>
+          </a:p>
+        </p:txBody>
+      </p:sp>
+      <p:cxnSp>
+        <p:nvCxnSpPr>
+          <p:cNvPr id="45" name="Straight Arrow Connector 44">
+            <a:extLst>
+              <a:ext uri="{FF2B5EF4-FFF2-40B4-BE49-F238E27FC236}">
+                <a16:creationId xmlns:a16="http://schemas.microsoft.com/office/drawing/2014/main" id="{F048E8BA-7A8F-0366-3AD3-1013B28DA664}"/>
+              </a:ext>
+            </a:extLst>
+          </p:cNvPr>
+          <p:cNvCxnSpPr>
+            <a:cxnSpLocks/>
+          </p:cNvCxnSpPr>
+          <p:nvPr/>
+        </p:nvCxnSpPr>
+        <p:spPr>
+          <a:xfrm>
+            <a:off x="2048522" y="2822042"/>
+            <a:ext cx="4999550" cy="0"/>
+          </a:xfrm>
+          <a:prstGeom prst="straightConnector1">
+            <a:avLst/>
+          </a:prstGeom>
+          <a:ln w="38100">
+            <a:solidFill>
+              <a:schemeClr val="tx1"/>
+            </a:solidFill>
+            <a:tailEnd type="triangle"/>
+          </a:ln>
+        </p:spPr>
+        <p:style>
+          <a:lnRef idx="1">
+            <a:schemeClr val="accent1"/>
+          </a:lnRef>
+          <a:fillRef idx="0">
+            <a:schemeClr val="accent1"/>
+          </a:fillRef>
+          <a:effectRef idx="0">
+            <a:schemeClr val="accent1"/>
+          </a:effectRef>
+          <a:fontRef idx="minor">
+            <a:schemeClr val="tx1"/>
+          </a:fontRef>
+        </p:style>
+      </p:cxnSp>
+      <p:sp>
+        <p:nvSpPr>
+          <p:cNvPr id="52" name="Freeform 51">
+            <a:extLst>
+              <a:ext uri="{FF2B5EF4-FFF2-40B4-BE49-F238E27FC236}">
+                <a16:creationId xmlns:a16="http://schemas.microsoft.com/office/drawing/2014/main" id="{D3EBE77E-F3EE-2657-E8F0-0F409C1D85C2}"/>
+              </a:ext>
+            </a:extLst>
+          </p:cNvPr>
+          <p:cNvSpPr/>
+          <p:nvPr/>
+        </p:nvSpPr>
+        <p:spPr>
+          <a:xfrm>
+            <a:off x="3009319" y="3350357"/>
+            <a:ext cx="4035512" cy="2512085"/>
+          </a:xfrm>
+          <a:custGeom>
+            <a:avLst/>
+            <a:gdLst>
+              <a:gd name="connsiteX0" fmla="*/ 761297 w 4035512"/>
+              <a:gd name="connsiteY0" fmla="*/ 2485364 h 2512085"/>
+              <a:gd name="connsiteX1" fmla="*/ 103751 w 4035512"/>
+              <a:gd name="connsiteY1" fmla="*/ 2505913 h 2512085"/>
+              <a:gd name="connsiteX2" fmla="*/ 21558 w 4035512"/>
+              <a:gd name="connsiteY2" fmla="*/ 2505913 h 2512085"/>
+              <a:gd name="connsiteX3" fmla="*/ 309234 w 4035512"/>
+              <a:gd name="connsiteY3" fmla="*/ 2433994 h 2512085"/>
+              <a:gd name="connsiteX4" fmla="*/ 1079796 w 4035512"/>
+              <a:gd name="connsiteY4" fmla="*/ 2146317 h 2512085"/>
+              <a:gd name="connsiteX5" fmla="*/ 2076389 w 4035512"/>
+              <a:gd name="connsiteY5" fmla="*/ 1519594 h 2512085"/>
+              <a:gd name="connsiteX6" fmla="*/ 3103805 w 4035512"/>
+              <a:gd name="connsiteY6" fmla="*/ 615468 h 2512085"/>
+              <a:gd name="connsiteX7" fmla="*/ 3586690 w 4035512"/>
+              <a:gd name="connsiteY7" fmla="*/ 70937 h 2512085"/>
+              <a:gd name="connsiteX8" fmla="*/ 3925737 w 4035512"/>
+              <a:gd name="connsiteY8" fmla="*/ 29841 h 2512085"/>
+              <a:gd name="connsiteX9" fmla="*/ 4028479 w 4035512"/>
+              <a:gd name="connsiteY9" fmla="*/ 286695 h 2512085"/>
+              <a:gd name="connsiteX10" fmla="*/ 3761351 w 4035512"/>
+              <a:gd name="connsiteY10" fmla="*/ 769580 h 2512085"/>
+              <a:gd name="connsiteX11" fmla="*/ 3031886 w 4035512"/>
+              <a:gd name="connsiteY11" fmla="*/ 1468223 h 2512085"/>
+              <a:gd name="connsiteX12" fmla="*/ 2199679 w 4035512"/>
+              <a:gd name="connsiteY12" fmla="*/ 2033301 h 2512085"/>
+              <a:gd name="connsiteX13" fmla="*/ 1141441 w 4035512"/>
+              <a:gd name="connsiteY13" fmla="*/ 2423719 h 2512085"/>
+              <a:gd name="connsiteX14" fmla="*/ 761297 w 4035512"/>
+              <a:gd name="connsiteY14" fmla="*/ 2485364 h 2512085"/>
+            </a:gdLst>
+            <a:ahLst/>
+            <a:cxnLst>
+              <a:cxn ang="0">
+                <a:pos x="connsiteX0" y="connsiteY0"/>
+              </a:cxn>
+              <a:cxn ang="0">
+                <a:pos x="connsiteX1" y="connsiteY1"/>
+              </a:cxn>
+              <a:cxn ang="0">
+                <a:pos x="connsiteX2" y="connsiteY2"/>
+              </a:cxn>
+              <a:cxn ang="0">
+                <a:pos x="connsiteX3" y="connsiteY3"/>
+              </a:cxn>
+              <a:cxn ang="0">
+                <a:pos x="connsiteX4" y="connsiteY4"/>
+              </a:cxn>
+              <a:cxn ang="0">
+                <a:pos x="connsiteX5" y="connsiteY5"/>
+              </a:cxn>
+              <a:cxn ang="0">
+                <a:pos x="connsiteX6" y="connsiteY6"/>
+              </a:cxn>
+              <a:cxn ang="0">
+                <a:pos x="connsiteX7" y="connsiteY7"/>
+              </a:cxn>
+              <a:cxn ang="0">
+                <a:pos x="connsiteX8" y="connsiteY8"/>
+              </a:cxn>
+              <a:cxn ang="0">
+                <a:pos x="connsiteX9" y="connsiteY9"/>
+              </a:cxn>
+              <a:cxn ang="0">
+                <a:pos x="connsiteX10" y="connsiteY10"/>
+              </a:cxn>
+              <a:cxn ang="0">
+                <a:pos x="connsiteX11" y="connsiteY11"/>
+              </a:cxn>
+              <a:cxn ang="0">
+                <a:pos x="connsiteX12" y="connsiteY12"/>
+              </a:cxn>
+              <a:cxn ang="0">
+                <a:pos x="connsiteX13" y="connsiteY13"/>
+              </a:cxn>
+              <a:cxn ang="0">
+                <a:pos x="connsiteX14" y="connsiteY14"/>
+              </a:cxn>
+            </a:cxnLst>
+            <a:rect l="l" t="t" r="r" b="b"/>
+            <a:pathLst>
+              <a:path w="4035512" h="2512085">
+                <a:moveTo>
+                  <a:pt x="761297" y="2485364"/>
+                </a:moveTo>
+                <a:cubicBezTo>
+                  <a:pt x="588349" y="2499063"/>
+                  <a:pt x="227041" y="2502488"/>
+                  <a:pt x="103751" y="2505913"/>
+                </a:cubicBezTo>
+                <a:cubicBezTo>
+                  <a:pt x="-19539" y="2509338"/>
+                  <a:pt x="-12689" y="2517899"/>
+                  <a:pt x="21558" y="2505913"/>
+                </a:cubicBezTo>
+                <a:cubicBezTo>
+                  <a:pt x="55805" y="2493927"/>
+                  <a:pt x="132861" y="2493927"/>
+                  <a:pt x="309234" y="2433994"/>
+                </a:cubicBezTo>
+                <a:cubicBezTo>
+                  <a:pt x="485607" y="2374061"/>
+                  <a:pt x="785270" y="2298717"/>
+                  <a:pt x="1079796" y="2146317"/>
+                </a:cubicBezTo>
+                <a:cubicBezTo>
+                  <a:pt x="1374322" y="1993917"/>
+                  <a:pt x="1739054" y="1774735"/>
+                  <a:pt x="2076389" y="1519594"/>
+                </a:cubicBezTo>
+                <a:cubicBezTo>
+                  <a:pt x="2413724" y="1264453"/>
+                  <a:pt x="2852088" y="856911"/>
+                  <a:pt x="3103805" y="615468"/>
+                </a:cubicBezTo>
+                <a:cubicBezTo>
+                  <a:pt x="3355522" y="374025"/>
+                  <a:pt x="3449701" y="168542"/>
+                  <a:pt x="3586690" y="70937"/>
+                </a:cubicBezTo>
+                <a:cubicBezTo>
+                  <a:pt x="3723679" y="-26668"/>
+                  <a:pt x="3852106" y="-6119"/>
+                  <a:pt x="3925737" y="29841"/>
+                </a:cubicBezTo>
+                <a:cubicBezTo>
+                  <a:pt x="3999369" y="65801"/>
+                  <a:pt x="4055877" y="163405"/>
+                  <a:pt x="4028479" y="286695"/>
+                </a:cubicBezTo>
+                <a:cubicBezTo>
+                  <a:pt x="4001081" y="409985"/>
+                  <a:pt x="3927450" y="572659"/>
+                  <a:pt x="3761351" y="769580"/>
+                </a:cubicBezTo>
+                <a:cubicBezTo>
+                  <a:pt x="3595252" y="966501"/>
+                  <a:pt x="3292165" y="1257603"/>
+                  <a:pt x="3031886" y="1468223"/>
+                </a:cubicBezTo>
+                <a:cubicBezTo>
+                  <a:pt x="2771607" y="1678843"/>
+                  <a:pt x="2514753" y="1874052"/>
+                  <a:pt x="2199679" y="2033301"/>
+                </a:cubicBezTo>
+                <a:cubicBezTo>
+                  <a:pt x="1884605" y="2192550"/>
+                  <a:pt x="1376034" y="2348375"/>
+                  <a:pt x="1141441" y="2423719"/>
+                </a:cubicBezTo>
+                <a:cubicBezTo>
+                  <a:pt x="906848" y="2499063"/>
+                  <a:pt x="934245" y="2471665"/>
+                  <a:pt x="761297" y="2485364"/>
+                </a:cubicBezTo>
+                <a:close/>
+              </a:path>
+            </a:pathLst>
+          </a:custGeom>
+          <a:solidFill>
+            <a:srgbClr val="0070C0">
+              <a:alpha val="50196"/>
+            </a:srgbClr>
+          </a:solidFill>
+          <a:ln>
+            <a:noFill/>
+          </a:ln>
+        </p:spPr>
+        <p:style>
+          <a:lnRef idx="2">
+            <a:schemeClr val="accent1">
+              <a:shade val="50000"/>
+            </a:schemeClr>
+          </a:lnRef>
+          <a:fillRef idx="1">
+            <a:schemeClr val="accent1"/>
+          </a:fillRef>
+          <a:effectRef idx="0">
+            <a:schemeClr val="accent1"/>
+          </a:effectRef>
+          <a:fontRef idx="minor">
+            <a:schemeClr val="lt1"/>
+          </a:fontRef>
+        </p:style>
+        <p:txBody>
+          <a:bodyPr rtlCol="0" anchor="ctr"/>
+          <a:lstStyle/>
+          <a:p>
+            <a:pPr algn="ctr"/>
+            <a:endParaRPr lang="en-US"/>
+          </a:p>
+        </p:txBody>
+      </p:sp>
+      <p:sp>
+        <p:nvSpPr>
+          <p:cNvPr id="48" name="Rectangle 47">
+            <a:extLst>
+              <a:ext uri="{FF2B5EF4-FFF2-40B4-BE49-F238E27FC236}">
+                <a16:creationId xmlns:a16="http://schemas.microsoft.com/office/drawing/2014/main" id="{50D94841-7B56-2395-A729-024E14058B8D}"/>
+              </a:ext>
+            </a:extLst>
+          </p:cNvPr>
+          <p:cNvSpPr/>
+          <p:nvPr/>
+        </p:nvSpPr>
+        <p:spPr>
+          <a:xfrm>
+            <a:off x="6560245" y="3000308"/>
+            <a:ext cx="1885356" cy="2428119"/>
+          </a:xfrm>
+          <a:prstGeom prst="rect">
+            <a:avLst/>
+          </a:prstGeom>
+          <a:solidFill>
+            <a:schemeClr val="bg1"/>
+          </a:solidFill>
+          <a:ln>
+            <a:noFill/>
+          </a:ln>
+        </p:spPr>
+        <p:style>
+          <a:lnRef idx="2">
+            <a:schemeClr val="accent1">
+              <a:shade val="15000"/>
+            </a:schemeClr>
+          </a:lnRef>
+          <a:fillRef idx="1">
+            <a:schemeClr val="accent1"/>
+          </a:fillRef>
+          <a:effectRef idx="0">
+            <a:schemeClr val="accent1"/>
+          </a:effectRef>
+          <a:fontRef idx="minor">
+            <a:schemeClr val="lt1"/>
+          </a:fontRef>
+        </p:style>
+        <p:txBody>
+          <a:bodyPr rtlCol="0" anchor="ctr"/>
+          <a:lstStyle/>
+          <a:p>
+            <a:pPr algn="ctr"/>
+            <a:endParaRPr lang="en-US" dirty="0"/>
+          </a:p>
+        </p:txBody>
+      </p:sp>
+      <p:sp>
+        <p:nvSpPr>
+          <p:cNvPr id="53" name="TextBox 52">
+            <a:extLst>
+              <a:ext uri="{FF2B5EF4-FFF2-40B4-BE49-F238E27FC236}">
+                <a16:creationId xmlns:a16="http://schemas.microsoft.com/office/drawing/2014/main" id="{1A346600-1928-96DD-BB45-74A49EB3456B}"/>
+              </a:ext>
+            </a:extLst>
+          </p:cNvPr>
+          <p:cNvSpPr txBox="1"/>
+          <p:nvPr/>
+        </p:nvSpPr>
+        <p:spPr>
+          <a:xfrm>
+            <a:off x="2188741" y="191891"/>
+            <a:ext cx="699230" cy="307777"/>
+          </a:xfrm>
+          <a:prstGeom prst="rect">
+            <a:avLst/>
+          </a:prstGeom>
+          <a:noFill/>
+        </p:spPr>
+        <p:txBody>
+          <a:bodyPr wrap="none" rtlCol="0">
+            <a:spAutoFit/>
+          </a:bodyPr>
+          <a:lstStyle/>
+          <a:p>
+            <a:r>
+              <a:rPr lang="en-US" sz="1400" dirty="0">
+                <a:solidFill>
+                  <a:schemeClr val="tx1">
+                    <a:lumMod val="50000"/>
+                    <a:lumOff val="50000"/>
+                  </a:schemeClr>
+                </a:solidFill>
+              </a:rPr>
+              <a:t>normal</a:t>
+            </a:r>
+          </a:p>
+        </p:txBody>
+      </p:sp>
+      <p:sp>
+        <p:nvSpPr>
+          <p:cNvPr id="54" name="TextBox 53">
+            <a:extLst>
+              <a:ext uri="{FF2B5EF4-FFF2-40B4-BE49-F238E27FC236}">
+                <a16:creationId xmlns:a16="http://schemas.microsoft.com/office/drawing/2014/main" id="{964E6323-1DB4-F967-9DFE-C1630DFF9F5A}"/>
+              </a:ext>
+            </a:extLst>
+          </p:cNvPr>
+          <p:cNvSpPr txBox="1"/>
+          <p:nvPr/>
+        </p:nvSpPr>
+        <p:spPr>
+          <a:xfrm>
+            <a:off x="2577998" y="1100967"/>
+            <a:ext cx="578556" cy="307777"/>
+          </a:xfrm>
+          <a:prstGeom prst="rect">
+            <a:avLst/>
+          </a:prstGeom>
+          <a:noFill/>
+        </p:spPr>
+        <p:txBody>
+          <a:bodyPr wrap="none" rtlCol="0">
+            <a:spAutoFit/>
+          </a:bodyPr>
+          <a:lstStyle/>
+          <a:p>
+            <a:r>
+              <a:rPr lang="en-US" sz="1400" dirty="0" err="1">
+                <a:solidFill>
+                  <a:srgbClr val="0070C0"/>
+                </a:solidFill>
+              </a:rPr>
+              <a:t>pRTA</a:t>
+            </a:r>
+            <a:endParaRPr lang="en-US" sz="1400" dirty="0">
+              <a:solidFill>
+                <a:srgbClr val="0070C0"/>
+              </a:solidFill>
+            </a:endParaRPr>
+          </a:p>
+        </p:txBody>
+      </p:sp>
+      <p:sp>
+        <p:nvSpPr>
+          <p:cNvPr id="55" name="TextBox 54">
+            <a:extLst>
+              <a:ext uri="{FF2B5EF4-FFF2-40B4-BE49-F238E27FC236}">
+                <a16:creationId xmlns:a16="http://schemas.microsoft.com/office/drawing/2014/main" id="{89F99431-CC28-B29B-C0E4-B2BB04FB6399}"/>
+              </a:ext>
+            </a:extLst>
+          </p:cNvPr>
+          <p:cNvSpPr txBox="1"/>
+          <p:nvPr/>
+        </p:nvSpPr>
+        <p:spPr>
+          <a:xfrm>
+            <a:off x="2117054" y="2023916"/>
+            <a:ext cx="580159" cy="307777"/>
+          </a:xfrm>
+          <a:prstGeom prst="rect">
+            <a:avLst/>
+          </a:prstGeom>
+          <a:noFill/>
+        </p:spPr>
+        <p:txBody>
+          <a:bodyPr wrap="none" rtlCol="0">
+            <a:spAutoFit/>
+          </a:bodyPr>
+          <a:lstStyle/>
+          <a:p>
+            <a:r>
+              <a:rPr lang="en-US" sz="1400" dirty="0" err="1">
+                <a:solidFill>
+                  <a:srgbClr val="7030A0"/>
+                </a:solidFill>
+              </a:rPr>
+              <a:t>dRTA</a:t>
+            </a:r>
+            <a:endParaRPr lang="en-US" sz="1400" dirty="0">
+              <a:solidFill>
+                <a:srgbClr val="7030A0"/>
+              </a:solidFill>
+            </a:endParaRPr>
+          </a:p>
+        </p:txBody>
+      </p:sp>
+      <p:sp>
+        <p:nvSpPr>
+          <p:cNvPr id="56" name="TextBox 55">
+            <a:extLst>
+              <a:ext uri="{FF2B5EF4-FFF2-40B4-BE49-F238E27FC236}">
+                <a16:creationId xmlns:a16="http://schemas.microsoft.com/office/drawing/2014/main" id="{E74A7EE2-C709-AF8E-0397-56C2D6829665}"/>
+              </a:ext>
+            </a:extLst>
+          </p:cNvPr>
+          <p:cNvSpPr txBox="1"/>
+          <p:nvPr/>
+        </p:nvSpPr>
+        <p:spPr>
+          <a:xfrm>
+            <a:off x="6635400" y="4831715"/>
+            <a:ext cx="857479" cy="523220"/>
+          </a:xfrm>
+          <a:prstGeom prst="rect">
+            <a:avLst/>
+          </a:prstGeom>
+          <a:noFill/>
+        </p:spPr>
+        <p:txBody>
+          <a:bodyPr wrap="none" rtlCol="0">
+            <a:spAutoFit/>
+          </a:bodyPr>
+          <a:lstStyle/>
+          <a:p>
+            <a:r>
+              <a:rPr lang="en-US" sz="1400" dirty="0">
+                <a:solidFill>
+                  <a:schemeClr val="tx1">
+                    <a:lumMod val="50000"/>
+                    <a:lumOff val="50000"/>
+                  </a:schemeClr>
+                </a:solidFill>
+              </a:rPr>
+              <a:t>normal</a:t>
+            </a:r>
+          </a:p>
+          <a:p>
+            <a:r>
+              <a:rPr lang="en-US" sz="1400" dirty="0">
+                <a:solidFill>
+                  <a:schemeClr val="tx1">
+                    <a:lumMod val="50000"/>
+                    <a:lumOff val="50000"/>
+                  </a:schemeClr>
+                </a:solidFill>
+              </a:rPr>
+              <a:t>(&amp; </a:t>
+            </a:r>
+            <a:r>
+              <a:rPr lang="en-US" sz="1400" dirty="0" err="1">
+                <a:solidFill>
+                  <a:schemeClr val="tx1">
+                    <a:lumMod val="50000"/>
+                    <a:lumOff val="50000"/>
+                  </a:schemeClr>
+                </a:solidFill>
+              </a:rPr>
+              <a:t>dRTA</a:t>
+            </a:r>
+            <a:r>
+              <a:rPr lang="en-US" sz="1400" dirty="0">
+                <a:solidFill>
+                  <a:schemeClr val="tx1">
+                    <a:lumMod val="50000"/>
+                    <a:lumOff val="50000"/>
+                  </a:schemeClr>
+                </a:solidFill>
+              </a:rPr>
+              <a:t>)</a:t>
+            </a:r>
+          </a:p>
+        </p:txBody>
+      </p:sp>
+      <p:sp>
+        <p:nvSpPr>
+          <p:cNvPr id="57" name="TextBox 56">
+            <a:extLst>
+              <a:ext uri="{FF2B5EF4-FFF2-40B4-BE49-F238E27FC236}">
+                <a16:creationId xmlns:a16="http://schemas.microsoft.com/office/drawing/2014/main" id="{8C917DF9-8BC9-0C33-A67B-4B07C4FEACCF}"/>
+              </a:ext>
+            </a:extLst>
+          </p:cNvPr>
+          <p:cNvSpPr txBox="1"/>
+          <p:nvPr/>
+        </p:nvSpPr>
+        <p:spPr>
+          <a:xfrm>
+            <a:off x="5453088" y="4487763"/>
+            <a:ext cx="578556" cy="307777"/>
+          </a:xfrm>
+          <a:prstGeom prst="rect">
+            <a:avLst/>
+          </a:prstGeom>
+          <a:noFill/>
+        </p:spPr>
+        <p:txBody>
+          <a:bodyPr wrap="none" rtlCol="0">
+            <a:spAutoFit/>
+          </a:bodyPr>
+          <a:lstStyle/>
+          <a:p>
+            <a:r>
+              <a:rPr lang="en-US" sz="1400" dirty="0" err="1">
+                <a:solidFill>
+                  <a:srgbClr val="0070C0"/>
+                </a:solidFill>
+              </a:rPr>
+              <a:t>pRTA</a:t>
+            </a:r>
+            <a:endParaRPr lang="en-US" sz="1400" dirty="0">
+              <a:solidFill>
+                <a:srgbClr val="0070C0"/>
+              </a:solidFill>
+            </a:endParaRPr>
+          </a:p>
+        </p:txBody>
+      </p:sp>
+      <p:cxnSp>
+        <p:nvCxnSpPr>
+          <p:cNvPr id="62" name="Straight Arrow Connector 61">
+            <a:extLst>
+              <a:ext uri="{FF2B5EF4-FFF2-40B4-BE49-F238E27FC236}">
+                <a16:creationId xmlns:a16="http://schemas.microsoft.com/office/drawing/2014/main" id="{3CDCF2E8-BDD4-7E7B-DE4B-D885A177F35B}"/>
+              </a:ext>
+            </a:extLst>
+          </p:cNvPr>
+          <p:cNvCxnSpPr/>
+          <p:nvPr/>
+        </p:nvCxnSpPr>
+        <p:spPr>
+          <a:xfrm flipV="1">
+            <a:off x="7239286" y="3526431"/>
+            <a:ext cx="0" cy="589890"/>
+          </a:xfrm>
+          <a:prstGeom prst="straightConnector1">
+            <a:avLst/>
+          </a:prstGeom>
+          <a:ln w="19050">
+            <a:solidFill>
+              <a:srgbClr val="0070C0"/>
+            </a:solidFill>
+            <a:headEnd type="arrow" w="med" len="med"/>
+            <a:tailEnd type="none" w="med" len="med"/>
+          </a:ln>
+        </p:spPr>
+        <p:style>
+          <a:lnRef idx="1">
+            <a:schemeClr val="accent1"/>
+          </a:lnRef>
+          <a:fillRef idx="0">
+            <a:schemeClr val="accent1"/>
+          </a:fillRef>
+          <a:effectRef idx="0">
+            <a:schemeClr val="accent1"/>
+          </a:effectRef>
+          <a:fontRef idx="minor">
+            <a:schemeClr val="tx1"/>
+          </a:fontRef>
+        </p:style>
+      </p:cxnSp>
+      <p:cxnSp>
+        <p:nvCxnSpPr>
+          <p:cNvPr id="64" name="Straight Connector 63">
+            <a:extLst>
+              <a:ext uri="{FF2B5EF4-FFF2-40B4-BE49-F238E27FC236}">
+                <a16:creationId xmlns:a16="http://schemas.microsoft.com/office/drawing/2014/main" id="{EDC9C9F1-99E6-A4B0-119C-403CE90AA559}"/>
+              </a:ext>
+            </a:extLst>
+          </p:cNvPr>
+          <p:cNvCxnSpPr>
+            <a:cxnSpLocks/>
+          </p:cNvCxnSpPr>
+          <p:nvPr/>
+        </p:nvCxnSpPr>
+        <p:spPr>
+          <a:xfrm flipH="1">
+            <a:off x="6227720" y="3526431"/>
+            <a:ext cx="891613" cy="0"/>
+          </a:xfrm>
+          <a:prstGeom prst="line">
+            <a:avLst/>
+          </a:prstGeom>
+          <a:ln w="12700">
+            <a:solidFill>
+              <a:schemeClr val="tx1">
+                <a:lumMod val="50000"/>
+                <a:lumOff val="50000"/>
+              </a:schemeClr>
+            </a:solidFill>
+            <a:prstDash val="dash"/>
+          </a:ln>
+        </p:spPr>
+        <p:style>
+          <a:lnRef idx="1">
+            <a:schemeClr val="accent1"/>
+          </a:lnRef>
+          <a:fillRef idx="0">
+            <a:schemeClr val="accent1"/>
+          </a:fillRef>
+          <a:effectRef idx="0">
+            <a:schemeClr val="accent1"/>
+          </a:effectRef>
+          <a:fontRef idx="minor">
+            <a:schemeClr val="tx1"/>
+          </a:fontRef>
+        </p:style>
+      </p:cxnSp>
+      <p:cxnSp>
+        <p:nvCxnSpPr>
+          <p:cNvPr id="68" name="Straight Connector 67">
+            <a:extLst>
+              <a:ext uri="{FF2B5EF4-FFF2-40B4-BE49-F238E27FC236}">
+                <a16:creationId xmlns:a16="http://schemas.microsoft.com/office/drawing/2014/main" id="{6C442C80-C8C1-D6F7-686D-63259BD3A710}"/>
+              </a:ext>
+            </a:extLst>
+          </p:cNvPr>
+          <p:cNvCxnSpPr>
+            <a:cxnSpLocks/>
+          </p:cNvCxnSpPr>
+          <p:nvPr/>
+        </p:nvCxnSpPr>
+        <p:spPr>
+          <a:xfrm flipH="1">
+            <a:off x="6227720" y="4106729"/>
+            <a:ext cx="891613" cy="0"/>
+          </a:xfrm>
+          <a:prstGeom prst="line">
+            <a:avLst/>
+          </a:prstGeom>
+          <a:ln w="12700">
+            <a:solidFill>
+              <a:srgbClr val="0070C0"/>
+            </a:solidFill>
+            <a:prstDash val="dash"/>
+          </a:ln>
+        </p:spPr>
+        <p:style>
+          <a:lnRef idx="1">
+            <a:schemeClr val="accent1"/>
+          </a:lnRef>
+          <a:fillRef idx="0">
+            <a:schemeClr val="accent1"/>
+          </a:fillRef>
+          <a:effectRef idx="0">
+            <a:schemeClr val="accent1"/>
+          </a:effectRef>
+          <a:fontRef idx="minor">
+            <a:schemeClr val="tx1"/>
+          </a:fontRef>
+        </p:style>
+      </p:cxnSp>
+      <p:cxnSp>
+        <p:nvCxnSpPr>
+          <p:cNvPr id="69" name="Straight Arrow Connector 68">
+            <a:extLst>
+              <a:ext uri="{FF2B5EF4-FFF2-40B4-BE49-F238E27FC236}">
+                <a16:creationId xmlns:a16="http://schemas.microsoft.com/office/drawing/2014/main" id="{015ED370-A00C-13F7-696E-A05185C55162}"/>
+              </a:ext>
+            </a:extLst>
+          </p:cNvPr>
+          <p:cNvCxnSpPr>
+            <a:cxnSpLocks/>
+          </p:cNvCxnSpPr>
+          <p:nvPr/>
+        </p:nvCxnSpPr>
+        <p:spPr>
+          <a:xfrm>
+            <a:off x="3506950" y="6459180"/>
+            <a:ext cx="1198614" cy="0"/>
+          </a:xfrm>
+          <a:prstGeom prst="straightConnector1">
+            <a:avLst/>
+          </a:prstGeom>
+          <a:ln w="19050">
+            <a:solidFill>
+              <a:srgbClr val="0070C0"/>
+            </a:solidFill>
+            <a:headEnd type="arrow" w="med" len="med"/>
+            <a:tailEnd type="none" w="med" len="med"/>
+          </a:ln>
+        </p:spPr>
+        <p:style>
+          <a:lnRef idx="1">
+            <a:schemeClr val="accent1"/>
+          </a:lnRef>
+          <a:fillRef idx="0">
+            <a:schemeClr val="accent1"/>
+          </a:fillRef>
+          <a:effectRef idx="0">
+            <a:schemeClr val="accent1"/>
+          </a:effectRef>
+          <a:fontRef idx="minor">
+            <a:schemeClr val="tx1"/>
+          </a:fontRef>
+        </p:style>
+      </p:cxnSp>
+      <p:sp>
+        <p:nvSpPr>
+          <p:cNvPr id="78" name="TextBox 77">
+            <a:extLst>
+              <a:ext uri="{FF2B5EF4-FFF2-40B4-BE49-F238E27FC236}">
+                <a16:creationId xmlns:a16="http://schemas.microsoft.com/office/drawing/2014/main" id="{ED076559-E107-E04B-C181-63F4D713E3FA}"/>
+              </a:ext>
+            </a:extLst>
+          </p:cNvPr>
+          <p:cNvSpPr txBox="1"/>
+          <p:nvPr/>
+        </p:nvSpPr>
+        <p:spPr>
+          <a:xfrm rot="19297285">
+            <a:off x="2634178" y="4840558"/>
+            <a:ext cx="577659" cy="276999"/>
+          </a:xfrm>
+          <a:prstGeom prst="rect">
+            <a:avLst/>
+          </a:prstGeom>
+          <a:noFill/>
+        </p:spPr>
+        <p:txBody>
+          <a:bodyPr wrap="none" rtlCol="0">
+            <a:spAutoFit/>
+          </a:bodyPr>
+          <a:lstStyle/>
+          <a:p>
+            <a:r>
+              <a:rPr lang="en-US" sz="1200" i="1" dirty="0"/>
+              <a:t>filtered</a:t>
+            </a:r>
+          </a:p>
+        </p:txBody>
+      </p:sp>
+      <p:sp>
+        <p:nvSpPr>
+          <p:cNvPr id="80" name="TextBox 79">
+            <a:extLst>
+              <a:ext uri="{FF2B5EF4-FFF2-40B4-BE49-F238E27FC236}">
+                <a16:creationId xmlns:a16="http://schemas.microsoft.com/office/drawing/2014/main" id="{FE327135-FAF4-98B9-5F6A-FB1207BCA3E4}"/>
+              </a:ext>
+            </a:extLst>
+          </p:cNvPr>
+          <p:cNvSpPr txBox="1"/>
+          <p:nvPr/>
+        </p:nvSpPr>
+        <p:spPr>
+          <a:xfrm rot="19993386">
+            <a:off x="5785757" y="5238264"/>
+            <a:ext cx="673711" cy="276999"/>
+          </a:xfrm>
+          <a:prstGeom prst="rect">
+            <a:avLst/>
+          </a:prstGeom>
+          <a:noFill/>
+        </p:spPr>
+        <p:txBody>
+          <a:bodyPr wrap="none" rtlCol="0">
+            <a:spAutoFit/>
+          </a:bodyPr>
+          <a:lstStyle/>
+          <a:p>
+            <a:r>
+              <a:rPr lang="en-US" sz="1200" i="1" dirty="0"/>
+              <a:t>excreted</a:t>
+            </a:r>
+          </a:p>
+        </p:txBody>
+      </p:sp>
+      <p:sp>
+        <p:nvSpPr>
+          <p:cNvPr id="81" name="TextBox 80">
+            <a:extLst>
+              <a:ext uri="{FF2B5EF4-FFF2-40B4-BE49-F238E27FC236}">
+                <a16:creationId xmlns:a16="http://schemas.microsoft.com/office/drawing/2014/main" id="{2601446B-0BB4-2BD2-434D-79140B4F7137}"/>
+              </a:ext>
+            </a:extLst>
+          </p:cNvPr>
+          <p:cNvSpPr txBox="1"/>
+          <p:nvPr/>
+        </p:nvSpPr>
+        <p:spPr>
+          <a:xfrm>
+            <a:off x="5449565" y="3500491"/>
+            <a:ext cx="825995" cy="276999"/>
+          </a:xfrm>
+          <a:prstGeom prst="rect">
+            <a:avLst/>
+          </a:prstGeom>
+          <a:noFill/>
+        </p:spPr>
+        <p:txBody>
+          <a:bodyPr wrap="none" rtlCol="0">
+            <a:spAutoFit/>
+          </a:bodyPr>
+          <a:lstStyle/>
+          <a:p>
+            <a:r>
+              <a:rPr lang="en-US" sz="1200" i="1" dirty="0">
+                <a:solidFill>
+                  <a:schemeClr val="tx1">
+                    <a:lumMod val="50000"/>
+                    <a:lumOff val="50000"/>
+                  </a:schemeClr>
+                </a:solidFill>
+              </a:rPr>
+              <a:t>reabsorbed</a:t>
+            </a:r>
+          </a:p>
+        </p:txBody>
+      </p:sp>
+      <p:sp>
+        <p:nvSpPr>
+          <p:cNvPr id="82" name="TextBox 81">
+            <a:extLst>
+              <a:ext uri="{FF2B5EF4-FFF2-40B4-BE49-F238E27FC236}">
+                <a16:creationId xmlns:a16="http://schemas.microsoft.com/office/drawing/2014/main" id="{12658567-DBE8-CD06-59B7-3105FC492A8D}"/>
+              </a:ext>
+            </a:extLst>
+          </p:cNvPr>
+          <p:cNvSpPr txBox="1"/>
+          <p:nvPr/>
+        </p:nvSpPr>
+        <p:spPr>
+          <a:xfrm>
+            <a:off x="7303838" y="3689198"/>
+            <a:ext cx="1744132" cy="276999"/>
+          </a:xfrm>
+          <a:prstGeom prst="rect">
+            <a:avLst/>
+          </a:prstGeom>
+          <a:noFill/>
+        </p:spPr>
+        <p:txBody>
+          <a:bodyPr wrap="none" rtlCol="0">
+            <a:spAutoFit/>
+          </a:bodyPr>
+          <a:lstStyle/>
+          <a:p>
+            <a:r>
+              <a:rPr lang="en-US" sz="1200" dirty="0" err="1">
+                <a:solidFill>
+                  <a:srgbClr val="0070C0"/>
+                </a:solidFill>
+              </a:rPr>
+              <a:t>pRTA</a:t>
+            </a:r>
+            <a:r>
+              <a:rPr lang="en-US" sz="1200" dirty="0">
+                <a:solidFill>
+                  <a:srgbClr val="0070C0"/>
+                </a:solidFill>
+              </a:rPr>
+              <a:t> = down-shifted Tm</a:t>
+            </a:r>
+          </a:p>
+        </p:txBody>
+      </p:sp>
+      <p:sp>
+        <p:nvSpPr>
+          <p:cNvPr id="83" name="TextBox 82">
+            <a:extLst>
+              <a:ext uri="{FF2B5EF4-FFF2-40B4-BE49-F238E27FC236}">
+                <a16:creationId xmlns:a16="http://schemas.microsoft.com/office/drawing/2014/main" id="{9AF02466-F092-BB5A-FC17-45E360D095AD}"/>
+              </a:ext>
+            </a:extLst>
+          </p:cNvPr>
+          <p:cNvSpPr txBox="1"/>
+          <p:nvPr/>
+        </p:nvSpPr>
+        <p:spPr>
+          <a:xfrm>
+            <a:off x="3182341" y="6586259"/>
+            <a:ext cx="1992597" cy="276999"/>
+          </a:xfrm>
+          <a:prstGeom prst="rect">
+            <a:avLst/>
+          </a:prstGeom>
+          <a:noFill/>
+        </p:spPr>
+        <p:txBody>
+          <a:bodyPr wrap="none" rtlCol="0">
+            <a:spAutoFit/>
+          </a:bodyPr>
+          <a:lstStyle/>
+          <a:p>
+            <a:r>
+              <a:rPr lang="en-US" sz="1200" dirty="0" err="1">
+                <a:solidFill>
+                  <a:srgbClr val="0070C0"/>
+                </a:solidFill>
+              </a:rPr>
+              <a:t>pRTA</a:t>
+            </a:r>
+            <a:r>
+              <a:rPr lang="en-US" sz="1200" dirty="0">
+                <a:solidFill>
+                  <a:srgbClr val="0070C0"/>
+                </a:solidFill>
+              </a:rPr>
+              <a:t> = left-shifted threshold</a:t>
+            </a:r>
+          </a:p>
+        </p:txBody>
+      </p:sp>
+      <p:sp>
+        <p:nvSpPr>
+          <p:cNvPr id="43" name="TextBox 42">
+            <a:extLst>
+              <a:ext uri="{FF2B5EF4-FFF2-40B4-BE49-F238E27FC236}">
+                <a16:creationId xmlns:a16="http://schemas.microsoft.com/office/drawing/2014/main" id="{E1067A28-D536-0773-6D0F-AC5B1A2E9AA0}"/>
+              </a:ext>
+            </a:extLst>
+          </p:cNvPr>
+          <p:cNvSpPr txBox="1"/>
+          <p:nvPr/>
+        </p:nvSpPr>
+        <p:spPr>
+          <a:xfrm>
+            <a:off x="2118591" y="2861955"/>
+            <a:ext cx="4929481" cy="369332"/>
+          </a:xfrm>
+          <a:prstGeom prst="rect">
+            <a:avLst/>
+          </a:prstGeom>
+          <a:noFill/>
+        </p:spPr>
+        <p:txBody>
+          <a:bodyPr wrap="square" rtlCol="0">
+            <a:spAutoFit/>
+          </a:bodyPr>
+          <a:lstStyle/>
+          <a:p>
+            <a:pPr defTabSz="720000"/>
+            <a:r>
+              <a:rPr lang="en-US" dirty="0"/>
+              <a:t>12	16	20	24	28	32	36</a:t>
+            </a:r>
+            <a:endParaRPr lang="en-US" b="1" dirty="0"/>
+          </a:p>
+        </p:txBody>
+      </p:sp>
+      <p:sp>
+        <p:nvSpPr>
+          <p:cNvPr id="85" name="Rectangle 84">
+            <a:extLst>
+              <a:ext uri="{FF2B5EF4-FFF2-40B4-BE49-F238E27FC236}">
+                <a16:creationId xmlns:a16="http://schemas.microsoft.com/office/drawing/2014/main" id="{9FEFAED8-1F44-4943-4CB7-AD330F7E2374}"/>
+              </a:ext>
+            </a:extLst>
+          </p:cNvPr>
+          <p:cNvSpPr/>
+          <p:nvPr/>
+        </p:nvSpPr>
+        <p:spPr>
+          <a:xfrm>
+            <a:off x="6796761" y="2226967"/>
+            <a:ext cx="1416423" cy="468707"/>
+          </a:xfrm>
+          <a:prstGeom prst="rect">
+            <a:avLst/>
+          </a:prstGeom>
+          <a:solidFill>
+            <a:schemeClr val="bg1"/>
+          </a:solidFill>
+          <a:ln>
+            <a:noFill/>
+          </a:ln>
+        </p:spPr>
+        <p:style>
+          <a:lnRef idx="2">
+            <a:schemeClr val="accent1">
+              <a:shade val="15000"/>
+            </a:schemeClr>
+          </a:lnRef>
+          <a:fillRef idx="1">
+            <a:schemeClr val="accent1"/>
+          </a:fillRef>
+          <a:effectRef idx="0">
+            <a:schemeClr val="accent1"/>
+          </a:effectRef>
+          <a:fontRef idx="minor">
+            <a:schemeClr val="lt1"/>
+          </a:fontRef>
+        </p:style>
+        <p:txBody>
+          <a:bodyPr rtlCol="0" anchor="ctr"/>
+          <a:lstStyle/>
+          <a:p>
+            <a:pPr algn="ctr"/>
+            <a:endParaRPr lang="en-US" dirty="0"/>
+          </a:p>
+        </p:txBody>
+      </p:sp>
+      <p:sp>
+        <p:nvSpPr>
+          <p:cNvPr id="89" name="TextBox 88">
+            <a:extLst>
+              <a:ext uri="{FF2B5EF4-FFF2-40B4-BE49-F238E27FC236}">
+                <a16:creationId xmlns:a16="http://schemas.microsoft.com/office/drawing/2014/main" id="{AAEA0DBB-CEB2-A097-30BC-77956B63F11F}"/>
+              </a:ext>
+            </a:extLst>
+          </p:cNvPr>
+          <p:cNvSpPr txBox="1"/>
+          <p:nvPr/>
+        </p:nvSpPr>
+        <p:spPr>
+          <a:xfrm>
+            <a:off x="7268832" y="4428134"/>
+            <a:ext cx="1779138" cy="461665"/>
+          </a:xfrm>
+          <a:prstGeom prst="rect">
+            <a:avLst/>
+          </a:prstGeom>
+          <a:noFill/>
+        </p:spPr>
+        <p:txBody>
+          <a:bodyPr wrap="square" rtlCol="0">
+            <a:spAutoFit/>
+          </a:bodyPr>
+          <a:lstStyle/>
+          <a:p>
+            <a:pPr algn="ctr"/>
+            <a:r>
+              <a:rPr lang="en-US" sz="1200" i="1" dirty="0">
+                <a:solidFill>
+                  <a:srgbClr val="FF0000"/>
+                </a:solidFill>
+              </a:rPr>
+              <a:t>HCO</a:t>
+            </a:r>
+            <a:r>
+              <a:rPr lang="en-US" sz="1200" i="1" baseline="-25000" dirty="0">
+                <a:solidFill>
+                  <a:srgbClr val="FF0000"/>
+                </a:solidFill>
+              </a:rPr>
+              <a:t>3</a:t>
+            </a:r>
+            <a:r>
+              <a:rPr lang="en-US" sz="1200" i="1" dirty="0">
+                <a:solidFill>
+                  <a:srgbClr val="FF0000"/>
+                </a:solidFill>
+              </a:rPr>
+              <a:t> in distal tubular fluid consumes secreted H</a:t>
+            </a:r>
+            <a:r>
+              <a:rPr lang="en-US" sz="1200" i="1" baseline="30000" dirty="0">
+                <a:solidFill>
+                  <a:srgbClr val="FF0000"/>
+                </a:solidFill>
+              </a:rPr>
+              <a:t>+</a:t>
+            </a:r>
+          </a:p>
+        </p:txBody>
+      </p:sp>
+      <p:sp>
+        <p:nvSpPr>
+          <p:cNvPr id="91" name="Freeform 90">
+            <a:extLst>
+              <a:ext uri="{FF2B5EF4-FFF2-40B4-BE49-F238E27FC236}">
+                <a16:creationId xmlns:a16="http://schemas.microsoft.com/office/drawing/2014/main" id="{92E55129-58F0-F08F-3912-4471182DF810}"/>
+              </a:ext>
+            </a:extLst>
+          </p:cNvPr>
+          <p:cNvSpPr/>
+          <p:nvPr/>
+        </p:nvSpPr>
+        <p:spPr>
+          <a:xfrm>
+            <a:off x="6166884" y="4409830"/>
+            <a:ext cx="1095153" cy="236598"/>
+          </a:xfrm>
+          <a:custGeom>
+            <a:avLst/>
+            <a:gdLst>
+              <a:gd name="connsiteX0" fmla="*/ 0 w 1095153"/>
+              <a:gd name="connsiteY0" fmla="*/ 236598 h 236598"/>
+              <a:gd name="connsiteX1" fmla="*/ 457200 w 1095153"/>
+              <a:gd name="connsiteY1" fmla="*/ 23947 h 236598"/>
+              <a:gd name="connsiteX2" fmla="*/ 850604 w 1095153"/>
+              <a:gd name="connsiteY2" fmla="*/ 13314 h 236598"/>
+              <a:gd name="connsiteX3" fmla="*/ 1095153 w 1095153"/>
+              <a:gd name="connsiteY3" fmla="*/ 98375 h 236598"/>
+            </a:gdLst>
+            <a:ahLst/>
+            <a:cxnLst>
+              <a:cxn ang="0">
+                <a:pos x="connsiteX0" y="connsiteY0"/>
+              </a:cxn>
+              <a:cxn ang="0">
+                <a:pos x="connsiteX1" y="connsiteY1"/>
+              </a:cxn>
+              <a:cxn ang="0">
+                <a:pos x="connsiteX2" y="connsiteY2"/>
+              </a:cxn>
+              <a:cxn ang="0">
+                <a:pos x="connsiteX3" y="connsiteY3"/>
+              </a:cxn>
+            </a:cxnLst>
+            <a:rect l="l" t="t" r="r" b="b"/>
+            <a:pathLst>
+              <a:path w="1095153" h="236598">
+                <a:moveTo>
+                  <a:pt x="0" y="236598"/>
+                </a:moveTo>
+                <a:cubicBezTo>
+                  <a:pt x="157716" y="148879"/>
+                  <a:pt x="315433" y="61161"/>
+                  <a:pt x="457200" y="23947"/>
+                </a:cubicBezTo>
+                <a:cubicBezTo>
+                  <a:pt x="598967" y="-13267"/>
+                  <a:pt x="744279" y="909"/>
+                  <a:pt x="850604" y="13314"/>
+                </a:cubicBezTo>
+                <a:cubicBezTo>
+                  <a:pt x="956929" y="25719"/>
+                  <a:pt x="1026041" y="62047"/>
+                  <a:pt x="1095153" y="98375"/>
+                </a:cubicBezTo>
+              </a:path>
+            </a:pathLst>
+          </a:custGeom>
+          <a:ln w="19050">
+            <a:solidFill>
+              <a:srgbClr val="FF0000"/>
+            </a:solidFill>
+            <a:headEnd type="none" w="med" len="med"/>
+            <a:tailEnd type="arrow" w="med" len="med"/>
+          </a:ln>
+        </p:spPr>
+        <p:style>
+          <a:lnRef idx="1">
+            <a:schemeClr val="accent1"/>
+          </a:lnRef>
+          <a:fillRef idx="0">
+            <a:schemeClr val="accent1"/>
+          </a:fillRef>
+          <a:effectRef idx="0">
+            <a:schemeClr val="accent1"/>
+          </a:effectRef>
+          <a:fontRef idx="minor">
+            <a:schemeClr val="tx1"/>
+          </a:fontRef>
+        </p:style>
+        <p:txBody>
+          <a:bodyPr rtlCol="0" anchor="ctr"/>
+          <a:lstStyle/>
+          <a:p>
+            <a:pPr algn="ctr"/>
+            <a:endParaRPr lang="en-US"/>
+          </a:p>
+        </p:txBody>
+      </p:sp>
+      <p:sp>
+        <p:nvSpPr>
+          <p:cNvPr id="93" name="Freeform 92">
+            <a:extLst>
+              <a:ext uri="{FF2B5EF4-FFF2-40B4-BE49-F238E27FC236}">
+                <a16:creationId xmlns:a16="http://schemas.microsoft.com/office/drawing/2014/main" id="{621629FA-45E2-845D-F538-AF02831C1EDE}"/>
+              </a:ext>
+            </a:extLst>
+          </p:cNvPr>
+          <p:cNvSpPr/>
+          <p:nvPr/>
+        </p:nvSpPr>
+        <p:spPr>
+          <a:xfrm>
+            <a:off x="6496493" y="4593265"/>
+            <a:ext cx="765544" cy="393405"/>
+          </a:xfrm>
+          <a:custGeom>
+            <a:avLst/>
+            <a:gdLst>
+              <a:gd name="connsiteX0" fmla="*/ 0 w 765544"/>
+              <a:gd name="connsiteY0" fmla="*/ 393405 h 393405"/>
+              <a:gd name="connsiteX1" fmla="*/ 233916 w 765544"/>
+              <a:gd name="connsiteY1" fmla="*/ 116958 h 393405"/>
+              <a:gd name="connsiteX2" fmla="*/ 478465 w 765544"/>
+              <a:gd name="connsiteY2" fmla="*/ 31898 h 393405"/>
+              <a:gd name="connsiteX3" fmla="*/ 765544 w 765544"/>
+              <a:gd name="connsiteY3" fmla="*/ 0 h 393405"/>
+            </a:gdLst>
+            <a:ahLst/>
+            <a:cxnLst>
+              <a:cxn ang="0">
+                <a:pos x="connsiteX0" y="connsiteY0"/>
+              </a:cxn>
+              <a:cxn ang="0">
+                <a:pos x="connsiteX1" y="connsiteY1"/>
+              </a:cxn>
+              <a:cxn ang="0">
+                <a:pos x="connsiteX2" y="connsiteY2"/>
+              </a:cxn>
+              <a:cxn ang="0">
+                <a:pos x="connsiteX3" y="connsiteY3"/>
+              </a:cxn>
+            </a:cxnLst>
+            <a:rect l="l" t="t" r="r" b="b"/>
+            <a:pathLst>
+              <a:path w="765544" h="393405">
+                <a:moveTo>
+                  <a:pt x="0" y="393405"/>
+                </a:moveTo>
+                <a:cubicBezTo>
+                  <a:pt x="77086" y="285307"/>
+                  <a:pt x="154172" y="177209"/>
+                  <a:pt x="233916" y="116958"/>
+                </a:cubicBezTo>
+                <a:cubicBezTo>
+                  <a:pt x="313660" y="56707"/>
+                  <a:pt x="389861" y="51391"/>
+                  <a:pt x="478465" y="31898"/>
+                </a:cubicBezTo>
+                <a:cubicBezTo>
+                  <a:pt x="567069" y="12405"/>
+                  <a:pt x="666306" y="6202"/>
+                  <a:pt x="765544" y="0"/>
+                </a:cubicBezTo>
+              </a:path>
+            </a:pathLst>
+          </a:custGeom>
+          <a:noFill/>
+          <a:ln w="19050">
+            <a:solidFill>
+              <a:srgbClr val="FF0000"/>
+            </a:solidFill>
+            <a:headEnd type="none" w="med" len="med"/>
+            <a:tailEnd type="arrow" w="med" len="med"/>
+          </a:ln>
+        </p:spPr>
+        <p:style>
+          <a:lnRef idx="2">
+            <a:schemeClr val="accent1">
+              <a:shade val="15000"/>
+            </a:schemeClr>
+          </a:lnRef>
+          <a:fillRef idx="1">
+            <a:schemeClr val="accent1"/>
+          </a:fillRef>
+          <a:effectRef idx="0">
+            <a:schemeClr val="accent1"/>
+          </a:effectRef>
+          <a:fontRef idx="minor">
+            <a:schemeClr val="lt1"/>
+          </a:fontRef>
+        </p:style>
+        <p:txBody>
+          <a:bodyPr rtlCol="0" anchor="ctr"/>
+          <a:lstStyle/>
+          <a:p>
+            <a:pPr algn="ctr"/>
+            <a:endParaRPr lang="en-US"/>
+          </a:p>
+        </p:txBody>
+      </p:sp>
+    </p:spTree>
+    <p:extLst>
+      <p:ext uri="{BB962C8B-B14F-4D97-AF65-F5344CB8AC3E}">
+        <p14:creationId xmlns:p14="http://schemas.microsoft.com/office/powerpoint/2010/main" val="1412051409"/>
       </p:ext>
     </p:extLst>
   </p:cSld>
@@ -14112,7 +19942,7 @@
   <p:timing>
     <p:tnLst>
       <p:par>
-        <p:cTn xmlns:p14="http://schemas.microsoft.com/office/powerpoint/2010/main" id="1" dur="indefinite" restart="never" nodeType="tmRoot">
+        <p:cTn id="1" dur="indefinite" restart="never" nodeType="tmRoot">
           <p:childTnLst>
             <p:seq concurrent="1" nextAc="seek">
               <p:cTn id="2" dur="indefinite" nodeType="mainSeq">
@@ -17343,14 +23173,14 @@
           </a:ln>
           <a:extLst>
             <a:ext uri="{909E8E84-426E-40dd-AFC4-6F175D3DCCD1}">
-              <a14:hiddenFill xmlns:a14="http://schemas.microsoft.com/office/drawing/2010/main">
+              <a14:hiddenFill xmlns:a14="http://schemas.microsoft.com/office/drawing/2010/main" xmlns="">
                 <a:solidFill>
                   <a:srgbClr val="FFFFFF"/>
                 </a:solidFill>
               </a14:hiddenFill>
             </a:ext>
             <a:ext uri="{91240B29-F687-4f45-9708-019B960494DF}">
-              <a14:hiddenLine xmlns:a14="http://schemas.microsoft.com/office/drawing/2010/main" w="9525">
+              <a14:hiddenLine xmlns:a14="http://schemas.microsoft.com/office/drawing/2010/main" xmlns="" w="9525">
                 <a:solidFill>
                   <a:srgbClr val="000000"/>
                 </a:solidFill>
@@ -18334,7 +24164,7 @@
   <a:extraClrSchemeLst/>
   <a:extLst>
     <a:ext uri="{05A4C25C-085E-4340-85A3-A5531E510DB2}">
-      <thm15:themeFamily xmlns:thm15="http://schemas.microsoft.com/office/thememl/2012/main" xmlns="" name="Office Theme" id="{62F939B6-93AF-4DB8-9C6B-D6C7DFDC589F}" vid="{AE6F2518-B084-4896-AF52-66CC2144AA26}"/>
+      <thm15:themeFamily xmlns:thm15="http://schemas.microsoft.com/office/thememl/2012/main" name="Office Theme" id="{62F939B6-93AF-4DB8-9C6B-D6C7DFDC589F}" vid="{AE6F2518-B084-4896-AF52-66CC2144AA26}"/>
     </a:ext>
   </a:extLst>
 </a:theme>
@@ -18629,7 +24459,7 @@
   <a:extraClrSchemeLst/>
   <a:extLst>
     <a:ext uri="{05A4C25C-085E-4340-85A3-A5531E510DB2}">
-      <thm15:themeFamily xmlns:thm15="http://schemas.microsoft.com/office/thememl/2012/main" xmlns="" name="Office Theme" id="{62F939B6-93AF-4DB8-9C6B-D6C7DFDC589F}" vid="{4A3C46E8-61CC-4603-A589-7422A47A8E4A}"/>
+      <thm15:themeFamily xmlns:thm15="http://schemas.microsoft.com/office/thememl/2012/main" name="Office Theme" id="{62F939B6-93AF-4DB8-9C6B-D6C7DFDC589F}" vid="{4A3C46E8-61CC-4603-A589-7422A47A8E4A}"/>
     </a:ext>
   </a:extLst>
 </a:theme>
